--- a/model/モデルシート.pptx
+++ b/model/モデルシート.pptx
@@ -2,7 +2,7 @@
 <file path=ppt/presentation.xml><?xml version="1.0" encoding="utf-8"?>
 <p:presentation xmlns:a="http://schemas.openxmlformats.org/drawingml/2006/main" xmlns:r="http://schemas.openxmlformats.org/officeDocument/2006/relationships" xmlns:p="http://schemas.openxmlformats.org/presentationml/2006/main" saveSubsetFonts="1">
   <p:sldMasterIdLst>
-    <p:sldMasterId id="2147483678" r:id="rId1"/>
+    <p:sldMasterId id="2147483714" r:id="rId1"/>
   </p:sldMasterIdLst>
   <p:sldIdLst>
     <p:sldId id="256" r:id="rId2"/>
@@ -11,7 +11,7 @@
     <p:sldId id="259" r:id="rId5"/>
     <p:sldId id="260" r:id="rId6"/>
   </p:sldIdLst>
-  <p:sldSz cx="12192000" cy="6858000"/>
+  <p:sldSz cx="9144000" cy="6858000" type="screen4x3"/>
   <p:notesSz cx="6858000" cy="9144000"/>
   <p:defaultTextStyle>
     <a:defPPr>
@@ -135,7 +135,7 @@
       </p:grpSpPr>
       <p:sp>
         <p:nvSpPr>
-          <p:cNvPr id="2" name="タイトル 1"/>
+          <p:cNvPr id="2" name="Title 1"/>
           <p:cNvSpPr>
             <a:spLocks noGrp="1"/>
           </p:cNvSpPr>
@@ -145,8 +145,8 @@
         </p:nvSpPr>
         <p:spPr>
           <a:xfrm>
-            <a:off x="1524000" y="1122363"/>
-            <a:ext cx="9144000" cy="2387600"/>
+            <a:off x="685800" y="1122363"/>
+            <a:ext cx="7772400" cy="2387600"/>
           </a:xfrm>
         </p:spPr>
         <p:txBody>
@@ -158,16 +158,16 @@
           </a:lstStyle>
           <a:p>
             <a:r>
-              <a:rPr kumimoji="1" lang="ja-JP" altLang="en-US" smtClean="0"/>
+              <a:rPr lang="ja-JP" altLang="en-US" smtClean="0"/>
               <a:t>マスター タイトルの書式設定</a:t>
             </a:r>
-            <a:endParaRPr kumimoji="1" lang="ja-JP" altLang="en-US"/>
-          </a:p>
-        </p:txBody>
-      </p:sp>
-      <p:sp>
-        <p:nvSpPr>
-          <p:cNvPr id="3" name="サブタイトル 2"/>
+            <a:endParaRPr lang="en-US" dirty="0"/>
+          </a:p>
+        </p:txBody>
+      </p:sp>
+      <p:sp>
+        <p:nvSpPr>
+          <p:cNvPr id="3" name="Subtitle 2"/>
           <p:cNvSpPr>
             <a:spLocks noGrp="1"/>
           </p:cNvSpPr>
@@ -177,8 +177,8 @@
         </p:nvSpPr>
         <p:spPr>
           <a:xfrm>
-            <a:off x="1524000" y="3602038"/>
-            <a:ext cx="9144000" cy="1655762"/>
+            <a:off x="1143000" y="3602038"/>
+            <a:ext cx="6858000" cy="1655762"/>
           </a:xfrm>
         </p:spPr>
         <p:txBody>
@@ -223,16 +223,16 @@
           </a:lstStyle>
           <a:p>
             <a:r>
-              <a:rPr kumimoji="1" lang="ja-JP" altLang="en-US" smtClean="0"/>
+              <a:rPr lang="ja-JP" altLang="en-US" smtClean="0"/>
               <a:t>マスター サブタイトルの書式設定</a:t>
             </a:r>
-            <a:endParaRPr kumimoji="1" lang="ja-JP" altLang="en-US"/>
-          </a:p>
-        </p:txBody>
-      </p:sp>
-      <p:sp>
-        <p:nvSpPr>
-          <p:cNvPr id="4" name="日付プレースホルダー 3"/>
+            <a:endParaRPr lang="en-US" dirty="0"/>
+          </a:p>
+        </p:txBody>
+      </p:sp>
+      <p:sp>
+        <p:nvSpPr>
+          <p:cNvPr id="4" name="Date Placeholder 3"/>
           <p:cNvSpPr>
             <a:spLocks noGrp="1"/>
           </p:cNvSpPr>
@@ -247,7 +247,7 @@
           <a:p>
             <a:fld id="{1D063AC1-C124-4785-98D1-11CFD963530E}" type="datetimeFigureOut">
               <a:rPr kumimoji="1" lang="ja-JP" altLang="en-US" smtClean="0"/>
-              <a:t>2017/8/5</a:t>
+              <a:t>2017/8/6</a:t>
             </a:fld>
             <a:endParaRPr kumimoji="1" lang="ja-JP" altLang="en-US"/>
           </a:p>
@@ -255,7 +255,7 @@
       </p:sp>
       <p:sp>
         <p:nvSpPr>
-          <p:cNvPr id="5" name="フッター プレースホルダー 4"/>
+          <p:cNvPr id="5" name="Footer Placeholder 4"/>
           <p:cNvSpPr>
             <a:spLocks noGrp="1"/>
           </p:cNvSpPr>
@@ -274,7 +274,7 @@
       </p:sp>
       <p:sp>
         <p:nvSpPr>
-          <p:cNvPr id="6" name="スライド番号プレースホルダー 5"/>
+          <p:cNvPr id="6" name="Slide Number Placeholder 5"/>
           <p:cNvSpPr>
             <a:spLocks noGrp="1"/>
           </p:cNvSpPr>
@@ -298,7 +298,7 @@
     </p:spTree>
     <p:extLst>
       <p:ext uri="{BB962C8B-B14F-4D97-AF65-F5344CB8AC3E}">
-        <p14:creationId xmlns:p14="http://schemas.microsoft.com/office/powerpoint/2010/main" val="52680040"/>
+        <p14:creationId xmlns:p14="http://schemas.microsoft.com/office/powerpoint/2010/main" val="3474347357"/>
       </p:ext>
     </p:extLst>
   </p:cSld>
@@ -327,7 +327,7 @@
       </p:grpSpPr>
       <p:sp>
         <p:nvSpPr>
-          <p:cNvPr id="2" name="タイトル 1"/>
+          <p:cNvPr id="2" name="Title 1"/>
           <p:cNvSpPr>
             <a:spLocks noGrp="1"/>
           </p:cNvSpPr>
@@ -341,16 +341,16 @@
           <a:lstStyle/>
           <a:p>
             <a:r>
-              <a:rPr kumimoji="1" lang="ja-JP" altLang="en-US" smtClean="0"/>
+              <a:rPr lang="ja-JP" altLang="en-US" smtClean="0"/>
               <a:t>マスター タイトルの書式設定</a:t>
             </a:r>
-            <a:endParaRPr kumimoji="1" lang="ja-JP" altLang="en-US"/>
-          </a:p>
-        </p:txBody>
-      </p:sp>
-      <p:sp>
-        <p:nvSpPr>
-          <p:cNvPr id="3" name="縦書きテキスト プレースホルダー 2"/>
+            <a:endParaRPr lang="en-US" dirty="0"/>
+          </a:p>
+        </p:txBody>
+      </p:sp>
+      <p:sp>
+        <p:nvSpPr>
+          <p:cNvPr id="3" name="Vertical Text Placeholder 2"/>
           <p:cNvSpPr>
             <a:spLocks noGrp="1"/>
           </p:cNvSpPr>
@@ -365,76 +365,76 @@
           <a:p>
             <a:pPr lvl="0"/>
             <a:r>
-              <a:rPr kumimoji="1" lang="ja-JP" altLang="en-US" smtClean="0"/>
+              <a:rPr lang="ja-JP" altLang="en-US" smtClean="0"/>
               <a:t>マスター テキストの書式設定</a:t>
             </a:r>
           </a:p>
           <a:p>
             <a:pPr lvl="1"/>
             <a:r>
-              <a:rPr kumimoji="1" lang="ja-JP" altLang="en-US" smtClean="0"/>
+              <a:rPr lang="ja-JP" altLang="en-US" smtClean="0"/>
               <a:t>第 </a:t>
             </a:r>
             <a:r>
-              <a:rPr kumimoji="1" lang="en-US" altLang="ja-JP" smtClean="0"/>
+              <a:rPr lang="en-US" altLang="ja-JP" smtClean="0"/>
               <a:t>2 </a:t>
             </a:r>
             <a:r>
-              <a:rPr kumimoji="1" lang="ja-JP" altLang="en-US" smtClean="0"/>
+              <a:rPr lang="ja-JP" altLang="en-US" smtClean="0"/>
               <a:t>レベル</a:t>
             </a:r>
           </a:p>
           <a:p>
             <a:pPr lvl="2"/>
             <a:r>
-              <a:rPr kumimoji="1" lang="ja-JP" altLang="en-US" smtClean="0"/>
+              <a:rPr lang="ja-JP" altLang="en-US" smtClean="0"/>
               <a:t>第 </a:t>
             </a:r>
             <a:r>
-              <a:rPr kumimoji="1" lang="en-US" altLang="ja-JP" smtClean="0"/>
+              <a:rPr lang="en-US" altLang="ja-JP" smtClean="0"/>
               <a:t>3 </a:t>
             </a:r>
             <a:r>
-              <a:rPr kumimoji="1" lang="ja-JP" altLang="en-US" smtClean="0"/>
+              <a:rPr lang="ja-JP" altLang="en-US" smtClean="0"/>
               <a:t>レベル</a:t>
             </a:r>
           </a:p>
           <a:p>
             <a:pPr lvl="3"/>
             <a:r>
-              <a:rPr kumimoji="1" lang="ja-JP" altLang="en-US" smtClean="0"/>
+              <a:rPr lang="ja-JP" altLang="en-US" smtClean="0"/>
               <a:t>第 </a:t>
             </a:r>
             <a:r>
-              <a:rPr kumimoji="1" lang="en-US" altLang="ja-JP" smtClean="0"/>
+              <a:rPr lang="en-US" altLang="ja-JP" smtClean="0"/>
               <a:t>4 </a:t>
             </a:r>
             <a:r>
-              <a:rPr kumimoji="1" lang="ja-JP" altLang="en-US" smtClean="0"/>
+              <a:rPr lang="ja-JP" altLang="en-US" smtClean="0"/>
               <a:t>レベル</a:t>
             </a:r>
           </a:p>
           <a:p>
             <a:pPr lvl="4"/>
             <a:r>
-              <a:rPr kumimoji="1" lang="ja-JP" altLang="en-US" smtClean="0"/>
+              <a:rPr lang="ja-JP" altLang="en-US" smtClean="0"/>
               <a:t>第 </a:t>
             </a:r>
             <a:r>
-              <a:rPr kumimoji="1" lang="en-US" altLang="ja-JP" smtClean="0"/>
+              <a:rPr lang="en-US" altLang="ja-JP" smtClean="0"/>
               <a:t>5 </a:t>
             </a:r>
             <a:r>
-              <a:rPr kumimoji="1" lang="ja-JP" altLang="en-US" smtClean="0"/>
+              <a:rPr lang="ja-JP" altLang="en-US" smtClean="0"/>
               <a:t>レベル</a:t>
             </a:r>
-            <a:endParaRPr kumimoji="1" lang="ja-JP" altLang="en-US"/>
-          </a:p>
-        </p:txBody>
-      </p:sp>
-      <p:sp>
-        <p:nvSpPr>
-          <p:cNvPr id="4" name="日付プレースホルダー 3"/>
+            <a:endParaRPr lang="en-US" dirty="0"/>
+          </a:p>
+        </p:txBody>
+      </p:sp>
+      <p:sp>
+        <p:nvSpPr>
+          <p:cNvPr id="4" name="Date Placeholder 3"/>
           <p:cNvSpPr>
             <a:spLocks noGrp="1"/>
           </p:cNvSpPr>
@@ -449,7 +449,7 @@
           <a:p>
             <a:fld id="{1D063AC1-C124-4785-98D1-11CFD963530E}" type="datetimeFigureOut">
               <a:rPr kumimoji="1" lang="ja-JP" altLang="en-US" smtClean="0"/>
-              <a:t>2017/8/5</a:t>
+              <a:t>2017/8/6</a:t>
             </a:fld>
             <a:endParaRPr kumimoji="1" lang="ja-JP" altLang="en-US"/>
           </a:p>
@@ -457,7 +457,7 @@
       </p:sp>
       <p:sp>
         <p:nvSpPr>
-          <p:cNvPr id="5" name="フッター プレースホルダー 4"/>
+          <p:cNvPr id="5" name="Footer Placeholder 4"/>
           <p:cNvSpPr>
             <a:spLocks noGrp="1"/>
           </p:cNvSpPr>
@@ -476,7 +476,7 @@
       </p:sp>
       <p:sp>
         <p:nvSpPr>
-          <p:cNvPr id="6" name="スライド番号プレースホルダー 5"/>
+          <p:cNvPr id="6" name="Slide Number Placeholder 5"/>
           <p:cNvSpPr>
             <a:spLocks noGrp="1"/>
           </p:cNvSpPr>
@@ -500,7 +500,7 @@
     </p:spTree>
     <p:extLst>
       <p:ext uri="{BB962C8B-B14F-4D97-AF65-F5344CB8AC3E}">
-        <p14:creationId xmlns:p14="http://schemas.microsoft.com/office/powerpoint/2010/main" val="3568543199"/>
+        <p14:creationId xmlns:p14="http://schemas.microsoft.com/office/powerpoint/2010/main" val="2866108994"/>
       </p:ext>
     </p:extLst>
   </p:cSld>
@@ -529,7 +529,7 @@
       </p:grpSpPr>
       <p:sp>
         <p:nvSpPr>
-          <p:cNvPr id="2" name="縦書きタイトル 1"/>
+          <p:cNvPr id="2" name="Vertical Title 1"/>
           <p:cNvSpPr>
             <a:spLocks noGrp="1"/>
           </p:cNvSpPr>
@@ -539,8 +539,8 @@
         </p:nvSpPr>
         <p:spPr>
           <a:xfrm>
-            <a:off x="8724900" y="365125"/>
-            <a:ext cx="2628900" cy="5811838"/>
+            <a:off x="6543675" y="365125"/>
+            <a:ext cx="1971675" cy="5811838"/>
           </a:xfrm>
         </p:spPr>
         <p:txBody>
@@ -548,16 +548,16 @@
           <a:lstStyle/>
           <a:p>
             <a:r>
-              <a:rPr kumimoji="1" lang="ja-JP" altLang="en-US" smtClean="0"/>
+              <a:rPr lang="ja-JP" altLang="en-US" smtClean="0"/>
               <a:t>マスター タイトルの書式設定</a:t>
             </a:r>
-            <a:endParaRPr kumimoji="1" lang="ja-JP" altLang="en-US"/>
-          </a:p>
-        </p:txBody>
-      </p:sp>
-      <p:sp>
-        <p:nvSpPr>
-          <p:cNvPr id="3" name="縦書きテキスト プレースホルダー 2"/>
+            <a:endParaRPr lang="en-US" dirty="0"/>
+          </a:p>
+        </p:txBody>
+      </p:sp>
+      <p:sp>
+        <p:nvSpPr>
+          <p:cNvPr id="3" name="Vertical Text Placeholder 2"/>
           <p:cNvSpPr>
             <a:spLocks noGrp="1"/>
           </p:cNvSpPr>
@@ -567,8 +567,8 @@
         </p:nvSpPr>
         <p:spPr>
           <a:xfrm>
-            <a:off x="838200" y="365125"/>
-            <a:ext cx="7734300" cy="5811838"/>
+            <a:off x="628650" y="365125"/>
+            <a:ext cx="5800725" cy="5811838"/>
           </a:xfrm>
         </p:spPr>
         <p:txBody>
@@ -577,76 +577,76 @@
           <a:p>
             <a:pPr lvl="0"/>
             <a:r>
-              <a:rPr kumimoji="1" lang="ja-JP" altLang="en-US" smtClean="0"/>
+              <a:rPr lang="ja-JP" altLang="en-US" smtClean="0"/>
               <a:t>マスター テキストの書式設定</a:t>
             </a:r>
           </a:p>
           <a:p>
             <a:pPr lvl="1"/>
             <a:r>
-              <a:rPr kumimoji="1" lang="ja-JP" altLang="en-US" smtClean="0"/>
+              <a:rPr lang="ja-JP" altLang="en-US" smtClean="0"/>
               <a:t>第 </a:t>
             </a:r>
             <a:r>
-              <a:rPr kumimoji="1" lang="en-US" altLang="ja-JP" smtClean="0"/>
+              <a:rPr lang="en-US" altLang="ja-JP" smtClean="0"/>
               <a:t>2 </a:t>
             </a:r>
             <a:r>
-              <a:rPr kumimoji="1" lang="ja-JP" altLang="en-US" smtClean="0"/>
+              <a:rPr lang="ja-JP" altLang="en-US" smtClean="0"/>
               <a:t>レベル</a:t>
             </a:r>
           </a:p>
           <a:p>
             <a:pPr lvl="2"/>
             <a:r>
-              <a:rPr kumimoji="1" lang="ja-JP" altLang="en-US" smtClean="0"/>
+              <a:rPr lang="ja-JP" altLang="en-US" smtClean="0"/>
               <a:t>第 </a:t>
             </a:r>
             <a:r>
-              <a:rPr kumimoji="1" lang="en-US" altLang="ja-JP" smtClean="0"/>
+              <a:rPr lang="en-US" altLang="ja-JP" smtClean="0"/>
               <a:t>3 </a:t>
             </a:r>
             <a:r>
-              <a:rPr kumimoji="1" lang="ja-JP" altLang="en-US" smtClean="0"/>
+              <a:rPr lang="ja-JP" altLang="en-US" smtClean="0"/>
               <a:t>レベル</a:t>
             </a:r>
           </a:p>
           <a:p>
             <a:pPr lvl="3"/>
             <a:r>
-              <a:rPr kumimoji="1" lang="ja-JP" altLang="en-US" smtClean="0"/>
+              <a:rPr lang="ja-JP" altLang="en-US" smtClean="0"/>
               <a:t>第 </a:t>
             </a:r>
             <a:r>
-              <a:rPr kumimoji="1" lang="en-US" altLang="ja-JP" smtClean="0"/>
+              <a:rPr lang="en-US" altLang="ja-JP" smtClean="0"/>
               <a:t>4 </a:t>
             </a:r>
             <a:r>
-              <a:rPr kumimoji="1" lang="ja-JP" altLang="en-US" smtClean="0"/>
+              <a:rPr lang="ja-JP" altLang="en-US" smtClean="0"/>
               <a:t>レベル</a:t>
             </a:r>
           </a:p>
           <a:p>
             <a:pPr lvl="4"/>
             <a:r>
-              <a:rPr kumimoji="1" lang="ja-JP" altLang="en-US" smtClean="0"/>
+              <a:rPr lang="ja-JP" altLang="en-US" smtClean="0"/>
               <a:t>第 </a:t>
             </a:r>
             <a:r>
-              <a:rPr kumimoji="1" lang="en-US" altLang="ja-JP" smtClean="0"/>
+              <a:rPr lang="en-US" altLang="ja-JP" smtClean="0"/>
               <a:t>5 </a:t>
             </a:r>
             <a:r>
-              <a:rPr kumimoji="1" lang="ja-JP" altLang="en-US" smtClean="0"/>
+              <a:rPr lang="ja-JP" altLang="en-US" smtClean="0"/>
               <a:t>レベル</a:t>
             </a:r>
-            <a:endParaRPr kumimoji="1" lang="ja-JP" altLang="en-US"/>
-          </a:p>
-        </p:txBody>
-      </p:sp>
-      <p:sp>
-        <p:nvSpPr>
-          <p:cNvPr id="4" name="日付プレースホルダー 3"/>
+            <a:endParaRPr lang="en-US" dirty="0"/>
+          </a:p>
+        </p:txBody>
+      </p:sp>
+      <p:sp>
+        <p:nvSpPr>
+          <p:cNvPr id="4" name="Date Placeholder 3"/>
           <p:cNvSpPr>
             <a:spLocks noGrp="1"/>
           </p:cNvSpPr>
@@ -661,7 +661,7 @@
           <a:p>
             <a:fld id="{1D063AC1-C124-4785-98D1-11CFD963530E}" type="datetimeFigureOut">
               <a:rPr kumimoji="1" lang="ja-JP" altLang="en-US" smtClean="0"/>
-              <a:t>2017/8/5</a:t>
+              <a:t>2017/8/6</a:t>
             </a:fld>
             <a:endParaRPr kumimoji="1" lang="ja-JP" altLang="en-US"/>
           </a:p>
@@ -669,7 +669,7 @@
       </p:sp>
       <p:sp>
         <p:nvSpPr>
-          <p:cNvPr id="5" name="フッター プレースホルダー 4"/>
+          <p:cNvPr id="5" name="Footer Placeholder 4"/>
           <p:cNvSpPr>
             <a:spLocks noGrp="1"/>
           </p:cNvSpPr>
@@ -688,7 +688,7 @@
       </p:sp>
       <p:sp>
         <p:nvSpPr>
-          <p:cNvPr id="6" name="スライド番号プレースホルダー 5"/>
+          <p:cNvPr id="6" name="Slide Number Placeholder 5"/>
           <p:cNvSpPr>
             <a:spLocks noGrp="1"/>
           </p:cNvSpPr>
@@ -712,7 +712,7 @@
     </p:spTree>
     <p:extLst>
       <p:ext uri="{BB962C8B-B14F-4D97-AF65-F5344CB8AC3E}">
-        <p14:creationId xmlns:p14="http://schemas.microsoft.com/office/powerpoint/2010/main" val="1824506175"/>
+        <p14:creationId xmlns:p14="http://schemas.microsoft.com/office/powerpoint/2010/main" val="566387019"/>
       </p:ext>
     </p:extLst>
   </p:cSld>
@@ -741,7 +741,7 @@
       </p:grpSpPr>
       <p:sp>
         <p:nvSpPr>
-          <p:cNvPr id="2" name="タイトル 1"/>
+          <p:cNvPr id="2" name="Title 1"/>
           <p:cNvSpPr>
             <a:spLocks noGrp="1"/>
           </p:cNvSpPr>
@@ -755,16 +755,16 @@
           <a:lstStyle/>
           <a:p>
             <a:r>
-              <a:rPr kumimoji="1" lang="ja-JP" altLang="en-US" smtClean="0"/>
+              <a:rPr lang="ja-JP" altLang="en-US" smtClean="0"/>
               <a:t>マスター タイトルの書式設定</a:t>
             </a:r>
-            <a:endParaRPr kumimoji="1" lang="ja-JP" altLang="en-US"/>
-          </a:p>
-        </p:txBody>
-      </p:sp>
-      <p:sp>
-        <p:nvSpPr>
-          <p:cNvPr id="3" name="コンテンツ プレースホルダー 2"/>
+            <a:endParaRPr lang="en-US" dirty="0"/>
+          </a:p>
+        </p:txBody>
+      </p:sp>
+      <p:sp>
+        <p:nvSpPr>
+          <p:cNvPr id="3" name="Content Placeholder 2"/>
           <p:cNvSpPr>
             <a:spLocks noGrp="1"/>
           </p:cNvSpPr>
@@ -779,76 +779,76 @@
           <a:p>
             <a:pPr lvl="0"/>
             <a:r>
-              <a:rPr kumimoji="1" lang="ja-JP" altLang="en-US" smtClean="0"/>
+              <a:rPr lang="ja-JP" altLang="en-US" smtClean="0"/>
               <a:t>マスター テキストの書式設定</a:t>
             </a:r>
           </a:p>
           <a:p>
             <a:pPr lvl="1"/>
             <a:r>
-              <a:rPr kumimoji="1" lang="ja-JP" altLang="en-US" smtClean="0"/>
+              <a:rPr lang="ja-JP" altLang="en-US" smtClean="0"/>
               <a:t>第 </a:t>
             </a:r>
             <a:r>
-              <a:rPr kumimoji="1" lang="en-US" altLang="ja-JP" smtClean="0"/>
+              <a:rPr lang="en-US" altLang="ja-JP" smtClean="0"/>
               <a:t>2 </a:t>
             </a:r>
             <a:r>
-              <a:rPr kumimoji="1" lang="ja-JP" altLang="en-US" smtClean="0"/>
+              <a:rPr lang="ja-JP" altLang="en-US" smtClean="0"/>
               <a:t>レベル</a:t>
             </a:r>
           </a:p>
           <a:p>
             <a:pPr lvl="2"/>
             <a:r>
-              <a:rPr kumimoji="1" lang="ja-JP" altLang="en-US" smtClean="0"/>
+              <a:rPr lang="ja-JP" altLang="en-US" smtClean="0"/>
               <a:t>第 </a:t>
             </a:r>
             <a:r>
-              <a:rPr kumimoji="1" lang="en-US" altLang="ja-JP" smtClean="0"/>
+              <a:rPr lang="en-US" altLang="ja-JP" smtClean="0"/>
               <a:t>3 </a:t>
             </a:r>
             <a:r>
-              <a:rPr kumimoji="1" lang="ja-JP" altLang="en-US" smtClean="0"/>
+              <a:rPr lang="ja-JP" altLang="en-US" smtClean="0"/>
               <a:t>レベル</a:t>
             </a:r>
           </a:p>
           <a:p>
             <a:pPr lvl="3"/>
             <a:r>
-              <a:rPr kumimoji="1" lang="ja-JP" altLang="en-US" smtClean="0"/>
+              <a:rPr lang="ja-JP" altLang="en-US" smtClean="0"/>
               <a:t>第 </a:t>
             </a:r>
             <a:r>
-              <a:rPr kumimoji="1" lang="en-US" altLang="ja-JP" smtClean="0"/>
+              <a:rPr lang="en-US" altLang="ja-JP" smtClean="0"/>
               <a:t>4 </a:t>
             </a:r>
             <a:r>
-              <a:rPr kumimoji="1" lang="ja-JP" altLang="en-US" smtClean="0"/>
+              <a:rPr lang="ja-JP" altLang="en-US" smtClean="0"/>
               <a:t>レベル</a:t>
             </a:r>
           </a:p>
           <a:p>
             <a:pPr lvl="4"/>
             <a:r>
-              <a:rPr kumimoji="1" lang="ja-JP" altLang="en-US" smtClean="0"/>
+              <a:rPr lang="ja-JP" altLang="en-US" smtClean="0"/>
               <a:t>第 </a:t>
             </a:r>
             <a:r>
-              <a:rPr kumimoji="1" lang="en-US" altLang="ja-JP" smtClean="0"/>
+              <a:rPr lang="en-US" altLang="ja-JP" smtClean="0"/>
               <a:t>5 </a:t>
             </a:r>
             <a:r>
-              <a:rPr kumimoji="1" lang="ja-JP" altLang="en-US" smtClean="0"/>
+              <a:rPr lang="ja-JP" altLang="en-US" smtClean="0"/>
               <a:t>レベル</a:t>
             </a:r>
-            <a:endParaRPr kumimoji="1" lang="ja-JP" altLang="en-US"/>
-          </a:p>
-        </p:txBody>
-      </p:sp>
-      <p:sp>
-        <p:nvSpPr>
-          <p:cNvPr id="4" name="日付プレースホルダー 3"/>
+            <a:endParaRPr lang="en-US" dirty="0"/>
+          </a:p>
+        </p:txBody>
+      </p:sp>
+      <p:sp>
+        <p:nvSpPr>
+          <p:cNvPr id="4" name="Date Placeholder 3"/>
           <p:cNvSpPr>
             <a:spLocks noGrp="1"/>
           </p:cNvSpPr>
@@ -863,7 +863,7 @@
           <a:p>
             <a:fld id="{1D063AC1-C124-4785-98D1-11CFD963530E}" type="datetimeFigureOut">
               <a:rPr kumimoji="1" lang="ja-JP" altLang="en-US" smtClean="0"/>
-              <a:t>2017/8/5</a:t>
+              <a:t>2017/8/6</a:t>
             </a:fld>
             <a:endParaRPr kumimoji="1" lang="ja-JP" altLang="en-US"/>
           </a:p>
@@ -871,7 +871,7 @@
       </p:sp>
       <p:sp>
         <p:nvSpPr>
-          <p:cNvPr id="5" name="フッター プレースホルダー 4"/>
+          <p:cNvPr id="5" name="Footer Placeholder 4"/>
           <p:cNvSpPr>
             <a:spLocks noGrp="1"/>
           </p:cNvSpPr>
@@ -890,7 +890,7 @@
       </p:sp>
       <p:sp>
         <p:nvSpPr>
-          <p:cNvPr id="6" name="スライド番号プレースホルダー 5"/>
+          <p:cNvPr id="6" name="Slide Number Placeholder 5"/>
           <p:cNvSpPr>
             <a:spLocks noGrp="1"/>
           </p:cNvSpPr>
@@ -914,7 +914,7 @@
     </p:spTree>
     <p:extLst>
       <p:ext uri="{BB962C8B-B14F-4D97-AF65-F5344CB8AC3E}">
-        <p14:creationId xmlns:p14="http://schemas.microsoft.com/office/powerpoint/2010/main" val="43248504"/>
+        <p14:creationId xmlns:p14="http://schemas.microsoft.com/office/powerpoint/2010/main" val="659750049"/>
       </p:ext>
     </p:extLst>
   </p:cSld>
@@ -943,7 +943,7 @@
       </p:grpSpPr>
       <p:sp>
         <p:nvSpPr>
-          <p:cNvPr id="2" name="タイトル 1"/>
+          <p:cNvPr id="2" name="Title 1"/>
           <p:cNvSpPr>
             <a:spLocks noGrp="1"/>
           </p:cNvSpPr>
@@ -953,8 +953,8 @@
         </p:nvSpPr>
         <p:spPr>
           <a:xfrm>
-            <a:off x="831850" y="1709738"/>
-            <a:ext cx="10515600" cy="2852737"/>
+            <a:off x="623888" y="1709739"/>
+            <a:ext cx="7886700" cy="2852737"/>
           </a:xfrm>
         </p:spPr>
         <p:txBody>
@@ -966,16 +966,16 @@
           </a:lstStyle>
           <a:p>
             <a:r>
-              <a:rPr kumimoji="1" lang="ja-JP" altLang="en-US" smtClean="0"/>
+              <a:rPr lang="ja-JP" altLang="en-US" smtClean="0"/>
               <a:t>マスター タイトルの書式設定</a:t>
             </a:r>
-            <a:endParaRPr kumimoji="1" lang="ja-JP" altLang="en-US"/>
-          </a:p>
-        </p:txBody>
-      </p:sp>
-      <p:sp>
-        <p:nvSpPr>
-          <p:cNvPr id="3" name="テキスト プレースホルダー 2"/>
+            <a:endParaRPr lang="en-US" dirty="0"/>
+          </a:p>
+        </p:txBody>
+      </p:sp>
+      <p:sp>
+        <p:nvSpPr>
+          <p:cNvPr id="3" name="Text Placeholder 2"/>
           <p:cNvSpPr>
             <a:spLocks noGrp="1"/>
           </p:cNvSpPr>
@@ -985,8 +985,8 @@
         </p:nvSpPr>
         <p:spPr>
           <a:xfrm>
-            <a:off x="831850" y="4589463"/>
-            <a:ext cx="10515600" cy="1500187"/>
+            <a:off x="623888" y="4589464"/>
+            <a:ext cx="7886700" cy="1500187"/>
           </a:xfrm>
         </p:spPr>
         <p:txBody>
@@ -996,9 +996,7 @@
               <a:buNone/>
               <a:defRPr sz="2400">
                 <a:solidFill>
-                  <a:schemeClr val="tx1">
-                    <a:tint val="75000"/>
-                  </a:schemeClr>
+                  <a:schemeClr val="tx1"/>
                 </a:solidFill>
               </a:defRPr>
             </a:lvl1pPr>
@@ -1086,7 +1084,7 @@
           <a:p>
             <a:pPr lvl="0"/>
             <a:r>
-              <a:rPr kumimoji="1" lang="ja-JP" altLang="en-US" smtClean="0"/>
+              <a:rPr lang="ja-JP" altLang="en-US" smtClean="0"/>
               <a:t>マスター テキストの書式設定</a:t>
             </a:r>
           </a:p>
@@ -1094,7 +1092,7 @@
       </p:sp>
       <p:sp>
         <p:nvSpPr>
-          <p:cNvPr id="4" name="日付プレースホルダー 3"/>
+          <p:cNvPr id="4" name="Date Placeholder 3"/>
           <p:cNvSpPr>
             <a:spLocks noGrp="1"/>
           </p:cNvSpPr>
@@ -1109,7 +1107,7 @@
           <a:p>
             <a:fld id="{1D063AC1-C124-4785-98D1-11CFD963530E}" type="datetimeFigureOut">
               <a:rPr kumimoji="1" lang="ja-JP" altLang="en-US" smtClean="0"/>
-              <a:t>2017/8/5</a:t>
+              <a:t>2017/8/6</a:t>
             </a:fld>
             <a:endParaRPr kumimoji="1" lang="ja-JP" altLang="en-US"/>
           </a:p>
@@ -1117,7 +1115,7 @@
       </p:sp>
       <p:sp>
         <p:nvSpPr>
-          <p:cNvPr id="5" name="フッター プレースホルダー 4"/>
+          <p:cNvPr id="5" name="Footer Placeholder 4"/>
           <p:cNvSpPr>
             <a:spLocks noGrp="1"/>
           </p:cNvSpPr>
@@ -1136,7 +1134,7 @@
       </p:sp>
       <p:sp>
         <p:nvSpPr>
-          <p:cNvPr id="6" name="スライド番号プレースホルダー 5"/>
+          <p:cNvPr id="6" name="Slide Number Placeholder 5"/>
           <p:cNvSpPr>
             <a:spLocks noGrp="1"/>
           </p:cNvSpPr>
@@ -1160,7 +1158,7 @@
     </p:spTree>
     <p:extLst>
       <p:ext uri="{BB962C8B-B14F-4D97-AF65-F5344CB8AC3E}">
-        <p14:creationId xmlns:p14="http://schemas.microsoft.com/office/powerpoint/2010/main" val="3139556433"/>
+        <p14:creationId xmlns:p14="http://schemas.microsoft.com/office/powerpoint/2010/main" val="3799139774"/>
       </p:ext>
     </p:extLst>
   </p:cSld>
@@ -1189,7 +1187,7 @@
       </p:grpSpPr>
       <p:sp>
         <p:nvSpPr>
-          <p:cNvPr id="2" name="タイトル 1"/>
+          <p:cNvPr id="2" name="Title 1"/>
           <p:cNvSpPr>
             <a:spLocks noGrp="1"/>
           </p:cNvSpPr>
@@ -1203,16 +1201,16 @@
           <a:lstStyle/>
           <a:p>
             <a:r>
-              <a:rPr kumimoji="1" lang="ja-JP" altLang="en-US" smtClean="0"/>
+              <a:rPr lang="ja-JP" altLang="en-US" smtClean="0"/>
               <a:t>マスター タイトルの書式設定</a:t>
             </a:r>
-            <a:endParaRPr kumimoji="1" lang="ja-JP" altLang="en-US"/>
-          </a:p>
-        </p:txBody>
-      </p:sp>
-      <p:sp>
-        <p:nvSpPr>
-          <p:cNvPr id="3" name="コンテンツ プレースホルダー 2"/>
+            <a:endParaRPr lang="en-US" dirty="0"/>
+          </a:p>
+        </p:txBody>
+      </p:sp>
+      <p:sp>
+        <p:nvSpPr>
+          <p:cNvPr id="3" name="Content Placeholder 2"/>
           <p:cNvSpPr>
             <a:spLocks noGrp="1"/>
           </p:cNvSpPr>
@@ -1222,8 +1220,8 @@
         </p:nvSpPr>
         <p:spPr>
           <a:xfrm>
-            <a:off x="838200" y="1825625"/>
-            <a:ext cx="5181600" cy="4351338"/>
+            <a:off x="628650" y="1825625"/>
+            <a:ext cx="3886200" cy="4351338"/>
           </a:xfrm>
         </p:spPr>
         <p:txBody>
@@ -1232,76 +1230,76 @@
           <a:p>
             <a:pPr lvl="0"/>
             <a:r>
-              <a:rPr kumimoji="1" lang="ja-JP" altLang="en-US" smtClean="0"/>
+              <a:rPr lang="ja-JP" altLang="en-US" smtClean="0"/>
               <a:t>マスター テキストの書式設定</a:t>
             </a:r>
           </a:p>
           <a:p>
             <a:pPr lvl="1"/>
             <a:r>
-              <a:rPr kumimoji="1" lang="ja-JP" altLang="en-US" smtClean="0"/>
+              <a:rPr lang="ja-JP" altLang="en-US" smtClean="0"/>
               <a:t>第 </a:t>
             </a:r>
             <a:r>
-              <a:rPr kumimoji="1" lang="en-US" altLang="ja-JP" smtClean="0"/>
+              <a:rPr lang="en-US" altLang="ja-JP" smtClean="0"/>
               <a:t>2 </a:t>
             </a:r>
             <a:r>
-              <a:rPr kumimoji="1" lang="ja-JP" altLang="en-US" smtClean="0"/>
+              <a:rPr lang="ja-JP" altLang="en-US" smtClean="0"/>
               <a:t>レベル</a:t>
             </a:r>
           </a:p>
           <a:p>
             <a:pPr lvl="2"/>
             <a:r>
-              <a:rPr kumimoji="1" lang="ja-JP" altLang="en-US" smtClean="0"/>
+              <a:rPr lang="ja-JP" altLang="en-US" smtClean="0"/>
               <a:t>第 </a:t>
             </a:r>
             <a:r>
-              <a:rPr kumimoji="1" lang="en-US" altLang="ja-JP" smtClean="0"/>
+              <a:rPr lang="en-US" altLang="ja-JP" smtClean="0"/>
               <a:t>3 </a:t>
             </a:r>
             <a:r>
-              <a:rPr kumimoji="1" lang="ja-JP" altLang="en-US" smtClean="0"/>
+              <a:rPr lang="ja-JP" altLang="en-US" smtClean="0"/>
               <a:t>レベル</a:t>
             </a:r>
           </a:p>
           <a:p>
             <a:pPr lvl="3"/>
             <a:r>
-              <a:rPr kumimoji="1" lang="ja-JP" altLang="en-US" smtClean="0"/>
+              <a:rPr lang="ja-JP" altLang="en-US" smtClean="0"/>
               <a:t>第 </a:t>
             </a:r>
             <a:r>
-              <a:rPr kumimoji="1" lang="en-US" altLang="ja-JP" smtClean="0"/>
+              <a:rPr lang="en-US" altLang="ja-JP" smtClean="0"/>
               <a:t>4 </a:t>
             </a:r>
             <a:r>
-              <a:rPr kumimoji="1" lang="ja-JP" altLang="en-US" smtClean="0"/>
+              <a:rPr lang="ja-JP" altLang="en-US" smtClean="0"/>
               <a:t>レベル</a:t>
             </a:r>
           </a:p>
           <a:p>
             <a:pPr lvl="4"/>
             <a:r>
-              <a:rPr kumimoji="1" lang="ja-JP" altLang="en-US" smtClean="0"/>
+              <a:rPr lang="ja-JP" altLang="en-US" smtClean="0"/>
               <a:t>第 </a:t>
             </a:r>
             <a:r>
-              <a:rPr kumimoji="1" lang="en-US" altLang="ja-JP" smtClean="0"/>
+              <a:rPr lang="en-US" altLang="ja-JP" smtClean="0"/>
               <a:t>5 </a:t>
             </a:r>
             <a:r>
-              <a:rPr kumimoji="1" lang="ja-JP" altLang="en-US" smtClean="0"/>
+              <a:rPr lang="ja-JP" altLang="en-US" smtClean="0"/>
               <a:t>レベル</a:t>
             </a:r>
-            <a:endParaRPr kumimoji="1" lang="ja-JP" altLang="en-US"/>
-          </a:p>
-        </p:txBody>
-      </p:sp>
-      <p:sp>
-        <p:nvSpPr>
-          <p:cNvPr id="4" name="コンテンツ プレースホルダー 3"/>
+            <a:endParaRPr lang="en-US" dirty="0"/>
+          </a:p>
+        </p:txBody>
+      </p:sp>
+      <p:sp>
+        <p:nvSpPr>
+          <p:cNvPr id="4" name="Content Placeholder 3"/>
           <p:cNvSpPr>
             <a:spLocks noGrp="1"/>
           </p:cNvSpPr>
@@ -1311,8 +1309,8 @@
         </p:nvSpPr>
         <p:spPr>
           <a:xfrm>
-            <a:off x="6172200" y="1825625"/>
-            <a:ext cx="5181600" cy="4351338"/>
+            <a:off x="4629150" y="1825625"/>
+            <a:ext cx="3886200" cy="4351338"/>
           </a:xfrm>
         </p:spPr>
         <p:txBody>
@@ -1321,76 +1319,76 @@
           <a:p>
             <a:pPr lvl="0"/>
             <a:r>
-              <a:rPr kumimoji="1" lang="ja-JP" altLang="en-US" smtClean="0"/>
+              <a:rPr lang="ja-JP" altLang="en-US" smtClean="0"/>
               <a:t>マスター テキストの書式設定</a:t>
             </a:r>
           </a:p>
           <a:p>
             <a:pPr lvl="1"/>
             <a:r>
-              <a:rPr kumimoji="1" lang="ja-JP" altLang="en-US" smtClean="0"/>
+              <a:rPr lang="ja-JP" altLang="en-US" smtClean="0"/>
               <a:t>第 </a:t>
             </a:r>
             <a:r>
-              <a:rPr kumimoji="1" lang="en-US" altLang="ja-JP" smtClean="0"/>
+              <a:rPr lang="en-US" altLang="ja-JP" smtClean="0"/>
               <a:t>2 </a:t>
             </a:r>
             <a:r>
-              <a:rPr kumimoji="1" lang="ja-JP" altLang="en-US" smtClean="0"/>
+              <a:rPr lang="ja-JP" altLang="en-US" smtClean="0"/>
               <a:t>レベル</a:t>
             </a:r>
           </a:p>
           <a:p>
             <a:pPr lvl="2"/>
             <a:r>
-              <a:rPr kumimoji="1" lang="ja-JP" altLang="en-US" smtClean="0"/>
+              <a:rPr lang="ja-JP" altLang="en-US" smtClean="0"/>
               <a:t>第 </a:t>
             </a:r>
             <a:r>
-              <a:rPr kumimoji="1" lang="en-US" altLang="ja-JP" smtClean="0"/>
+              <a:rPr lang="en-US" altLang="ja-JP" smtClean="0"/>
               <a:t>3 </a:t>
             </a:r>
             <a:r>
-              <a:rPr kumimoji="1" lang="ja-JP" altLang="en-US" smtClean="0"/>
+              <a:rPr lang="ja-JP" altLang="en-US" smtClean="0"/>
               <a:t>レベル</a:t>
             </a:r>
           </a:p>
           <a:p>
             <a:pPr lvl="3"/>
             <a:r>
-              <a:rPr kumimoji="1" lang="ja-JP" altLang="en-US" smtClean="0"/>
+              <a:rPr lang="ja-JP" altLang="en-US" smtClean="0"/>
               <a:t>第 </a:t>
             </a:r>
             <a:r>
-              <a:rPr kumimoji="1" lang="en-US" altLang="ja-JP" smtClean="0"/>
+              <a:rPr lang="en-US" altLang="ja-JP" smtClean="0"/>
               <a:t>4 </a:t>
             </a:r>
             <a:r>
-              <a:rPr kumimoji="1" lang="ja-JP" altLang="en-US" smtClean="0"/>
+              <a:rPr lang="ja-JP" altLang="en-US" smtClean="0"/>
               <a:t>レベル</a:t>
             </a:r>
           </a:p>
           <a:p>
             <a:pPr lvl="4"/>
             <a:r>
-              <a:rPr kumimoji="1" lang="ja-JP" altLang="en-US" smtClean="0"/>
+              <a:rPr lang="ja-JP" altLang="en-US" smtClean="0"/>
               <a:t>第 </a:t>
             </a:r>
             <a:r>
-              <a:rPr kumimoji="1" lang="en-US" altLang="ja-JP" smtClean="0"/>
+              <a:rPr lang="en-US" altLang="ja-JP" smtClean="0"/>
               <a:t>5 </a:t>
             </a:r>
             <a:r>
-              <a:rPr kumimoji="1" lang="ja-JP" altLang="en-US" smtClean="0"/>
+              <a:rPr lang="ja-JP" altLang="en-US" smtClean="0"/>
               <a:t>レベル</a:t>
             </a:r>
-            <a:endParaRPr kumimoji="1" lang="ja-JP" altLang="en-US"/>
-          </a:p>
-        </p:txBody>
-      </p:sp>
-      <p:sp>
-        <p:nvSpPr>
-          <p:cNvPr id="5" name="日付プレースホルダー 4"/>
+            <a:endParaRPr lang="en-US" dirty="0"/>
+          </a:p>
+        </p:txBody>
+      </p:sp>
+      <p:sp>
+        <p:nvSpPr>
+          <p:cNvPr id="5" name="Date Placeholder 4"/>
           <p:cNvSpPr>
             <a:spLocks noGrp="1"/>
           </p:cNvSpPr>
@@ -1405,7 +1403,7 @@
           <a:p>
             <a:fld id="{1D063AC1-C124-4785-98D1-11CFD963530E}" type="datetimeFigureOut">
               <a:rPr kumimoji="1" lang="ja-JP" altLang="en-US" smtClean="0"/>
-              <a:t>2017/8/5</a:t>
+              <a:t>2017/8/6</a:t>
             </a:fld>
             <a:endParaRPr kumimoji="1" lang="ja-JP" altLang="en-US"/>
           </a:p>
@@ -1413,7 +1411,7 @@
       </p:sp>
       <p:sp>
         <p:nvSpPr>
-          <p:cNvPr id="6" name="フッター プレースホルダー 5"/>
+          <p:cNvPr id="6" name="Footer Placeholder 5"/>
           <p:cNvSpPr>
             <a:spLocks noGrp="1"/>
           </p:cNvSpPr>
@@ -1432,7 +1430,7 @@
       </p:sp>
       <p:sp>
         <p:nvSpPr>
-          <p:cNvPr id="7" name="スライド番号プレースホルダー 6"/>
+          <p:cNvPr id="7" name="Slide Number Placeholder 6"/>
           <p:cNvSpPr>
             <a:spLocks noGrp="1"/>
           </p:cNvSpPr>
@@ -1456,7 +1454,7 @@
     </p:spTree>
     <p:extLst>
       <p:ext uri="{BB962C8B-B14F-4D97-AF65-F5344CB8AC3E}">
-        <p14:creationId xmlns:p14="http://schemas.microsoft.com/office/powerpoint/2010/main" val="2586392849"/>
+        <p14:creationId xmlns:p14="http://schemas.microsoft.com/office/powerpoint/2010/main" val="2101931802"/>
       </p:ext>
     </p:extLst>
   </p:cSld>
@@ -1485,7 +1483,7 @@
       </p:grpSpPr>
       <p:sp>
         <p:nvSpPr>
-          <p:cNvPr id="2" name="タイトル 1"/>
+          <p:cNvPr id="2" name="Title 1"/>
           <p:cNvSpPr>
             <a:spLocks noGrp="1"/>
           </p:cNvSpPr>
@@ -1495,8 +1493,8 @@
         </p:nvSpPr>
         <p:spPr>
           <a:xfrm>
-            <a:off x="839788" y="365125"/>
-            <a:ext cx="10515600" cy="1325563"/>
+            <a:off x="629841" y="365126"/>
+            <a:ext cx="7886700" cy="1325563"/>
           </a:xfrm>
         </p:spPr>
         <p:txBody>
@@ -1504,16 +1502,16 @@
           <a:lstStyle/>
           <a:p>
             <a:r>
-              <a:rPr kumimoji="1" lang="ja-JP" altLang="en-US" smtClean="0"/>
+              <a:rPr lang="ja-JP" altLang="en-US" smtClean="0"/>
               <a:t>マスター タイトルの書式設定</a:t>
             </a:r>
-            <a:endParaRPr kumimoji="1" lang="ja-JP" altLang="en-US"/>
-          </a:p>
-        </p:txBody>
-      </p:sp>
-      <p:sp>
-        <p:nvSpPr>
-          <p:cNvPr id="3" name="テキスト プレースホルダー 2"/>
+            <a:endParaRPr lang="en-US" dirty="0"/>
+          </a:p>
+        </p:txBody>
+      </p:sp>
+      <p:sp>
+        <p:nvSpPr>
+          <p:cNvPr id="3" name="Text Placeholder 2"/>
           <p:cNvSpPr>
             <a:spLocks noGrp="1"/>
           </p:cNvSpPr>
@@ -1523,8 +1521,8 @@
         </p:nvSpPr>
         <p:spPr>
           <a:xfrm>
-            <a:off x="839788" y="1681163"/>
-            <a:ext cx="5157787" cy="823912"/>
+            <a:off x="629842" y="1681163"/>
+            <a:ext cx="3868340" cy="823912"/>
           </a:xfrm>
         </p:spPr>
         <p:txBody>
@@ -1570,7 +1568,7 @@
           <a:p>
             <a:pPr lvl="0"/>
             <a:r>
-              <a:rPr kumimoji="1" lang="ja-JP" altLang="en-US" smtClean="0"/>
+              <a:rPr lang="ja-JP" altLang="en-US" smtClean="0"/>
               <a:t>マスター テキストの書式設定</a:t>
             </a:r>
           </a:p>
@@ -1578,7 +1576,7 @@
       </p:sp>
       <p:sp>
         <p:nvSpPr>
-          <p:cNvPr id="4" name="コンテンツ プレースホルダー 3"/>
+          <p:cNvPr id="4" name="Content Placeholder 3"/>
           <p:cNvSpPr>
             <a:spLocks noGrp="1"/>
           </p:cNvSpPr>
@@ -1588,8 +1586,8 @@
         </p:nvSpPr>
         <p:spPr>
           <a:xfrm>
-            <a:off x="839788" y="2505075"/>
-            <a:ext cx="5157787" cy="3684588"/>
+            <a:off x="629842" y="2505075"/>
+            <a:ext cx="3868340" cy="3684588"/>
           </a:xfrm>
         </p:spPr>
         <p:txBody>
@@ -1598,76 +1596,76 @@
           <a:p>
             <a:pPr lvl="0"/>
             <a:r>
-              <a:rPr kumimoji="1" lang="ja-JP" altLang="en-US" smtClean="0"/>
+              <a:rPr lang="ja-JP" altLang="en-US" smtClean="0"/>
               <a:t>マスター テキストの書式設定</a:t>
             </a:r>
           </a:p>
           <a:p>
             <a:pPr lvl="1"/>
             <a:r>
-              <a:rPr kumimoji="1" lang="ja-JP" altLang="en-US" smtClean="0"/>
+              <a:rPr lang="ja-JP" altLang="en-US" smtClean="0"/>
               <a:t>第 </a:t>
             </a:r>
             <a:r>
-              <a:rPr kumimoji="1" lang="en-US" altLang="ja-JP" smtClean="0"/>
+              <a:rPr lang="en-US" altLang="ja-JP" smtClean="0"/>
               <a:t>2 </a:t>
             </a:r>
             <a:r>
-              <a:rPr kumimoji="1" lang="ja-JP" altLang="en-US" smtClean="0"/>
+              <a:rPr lang="ja-JP" altLang="en-US" smtClean="0"/>
               <a:t>レベル</a:t>
             </a:r>
           </a:p>
           <a:p>
             <a:pPr lvl="2"/>
             <a:r>
-              <a:rPr kumimoji="1" lang="ja-JP" altLang="en-US" smtClean="0"/>
+              <a:rPr lang="ja-JP" altLang="en-US" smtClean="0"/>
               <a:t>第 </a:t>
             </a:r>
             <a:r>
-              <a:rPr kumimoji="1" lang="en-US" altLang="ja-JP" smtClean="0"/>
+              <a:rPr lang="en-US" altLang="ja-JP" smtClean="0"/>
               <a:t>3 </a:t>
             </a:r>
             <a:r>
-              <a:rPr kumimoji="1" lang="ja-JP" altLang="en-US" smtClean="0"/>
+              <a:rPr lang="ja-JP" altLang="en-US" smtClean="0"/>
               <a:t>レベル</a:t>
             </a:r>
           </a:p>
           <a:p>
             <a:pPr lvl="3"/>
             <a:r>
-              <a:rPr kumimoji="1" lang="ja-JP" altLang="en-US" smtClean="0"/>
+              <a:rPr lang="ja-JP" altLang="en-US" smtClean="0"/>
               <a:t>第 </a:t>
             </a:r>
             <a:r>
-              <a:rPr kumimoji="1" lang="en-US" altLang="ja-JP" smtClean="0"/>
+              <a:rPr lang="en-US" altLang="ja-JP" smtClean="0"/>
               <a:t>4 </a:t>
             </a:r>
             <a:r>
-              <a:rPr kumimoji="1" lang="ja-JP" altLang="en-US" smtClean="0"/>
+              <a:rPr lang="ja-JP" altLang="en-US" smtClean="0"/>
               <a:t>レベル</a:t>
             </a:r>
           </a:p>
           <a:p>
             <a:pPr lvl="4"/>
             <a:r>
-              <a:rPr kumimoji="1" lang="ja-JP" altLang="en-US" smtClean="0"/>
+              <a:rPr lang="ja-JP" altLang="en-US" smtClean="0"/>
               <a:t>第 </a:t>
             </a:r>
             <a:r>
-              <a:rPr kumimoji="1" lang="en-US" altLang="ja-JP" smtClean="0"/>
+              <a:rPr lang="en-US" altLang="ja-JP" smtClean="0"/>
               <a:t>5 </a:t>
             </a:r>
             <a:r>
-              <a:rPr kumimoji="1" lang="ja-JP" altLang="en-US" smtClean="0"/>
+              <a:rPr lang="ja-JP" altLang="en-US" smtClean="0"/>
               <a:t>レベル</a:t>
             </a:r>
-            <a:endParaRPr kumimoji="1" lang="ja-JP" altLang="en-US"/>
-          </a:p>
-        </p:txBody>
-      </p:sp>
-      <p:sp>
-        <p:nvSpPr>
-          <p:cNvPr id="5" name="テキスト プレースホルダー 4"/>
+            <a:endParaRPr lang="en-US" dirty="0"/>
+          </a:p>
+        </p:txBody>
+      </p:sp>
+      <p:sp>
+        <p:nvSpPr>
+          <p:cNvPr id="5" name="Text Placeholder 4"/>
           <p:cNvSpPr>
             <a:spLocks noGrp="1"/>
           </p:cNvSpPr>
@@ -1677,8 +1675,8 @@
         </p:nvSpPr>
         <p:spPr>
           <a:xfrm>
-            <a:off x="6172200" y="1681163"/>
-            <a:ext cx="5183188" cy="823912"/>
+            <a:off x="4629150" y="1681163"/>
+            <a:ext cx="3887391" cy="823912"/>
           </a:xfrm>
         </p:spPr>
         <p:txBody>
@@ -1724,7 +1722,7 @@
           <a:p>
             <a:pPr lvl="0"/>
             <a:r>
-              <a:rPr kumimoji="1" lang="ja-JP" altLang="en-US" smtClean="0"/>
+              <a:rPr lang="ja-JP" altLang="en-US" smtClean="0"/>
               <a:t>マスター テキストの書式設定</a:t>
             </a:r>
           </a:p>
@@ -1732,7 +1730,7 @@
       </p:sp>
       <p:sp>
         <p:nvSpPr>
-          <p:cNvPr id="6" name="コンテンツ プレースホルダー 5"/>
+          <p:cNvPr id="6" name="Content Placeholder 5"/>
           <p:cNvSpPr>
             <a:spLocks noGrp="1"/>
           </p:cNvSpPr>
@@ -1742,8 +1740,8 @@
         </p:nvSpPr>
         <p:spPr>
           <a:xfrm>
-            <a:off x="6172200" y="2505075"/>
-            <a:ext cx="5183188" cy="3684588"/>
+            <a:off x="4629150" y="2505075"/>
+            <a:ext cx="3887391" cy="3684588"/>
           </a:xfrm>
         </p:spPr>
         <p:txBody>
@@ -1752,76 +1750,76 @@
           <a:p>
             <a:pPr lvl="0"/>
             <a:r>
-              <a:rPr kumimoji="1" lang="ja-JP" altLang="en-US" smtClean="0"/>
+              <a:rPr lang="ja-JP" altLang="en-US" smtClean="0"/>
               <a:t>マスター テキストの書式設定</a:t>
             </a:r>
           </a:p>
           <a:p>
             <a:pPr lvl="1"/>
             <a:r>
-              <a:rPr kumimoji="1" lang="ja-JP" altLang="en-US" smtClean="0"/>
+              <a:rPr lang="ja-JP" altLang="en-US" smtClean="0"/>
               <a:t>第 </a:t>
             </a:r>
             <a:r>
-              <a:rPr kumimoji="1" lang="en-US" altLang="ja-JP" smtClean="0"/>
+              <a:rPr lang="en-US" altLang="ja-JP" smtClean="0"/>
               <a:t>2 </a:t>
             </a:r>
             <a:r>
-              <a:rPr kumimoji="1" lang="ja-JP" altLang="en-US" smtClean="0"/>
+              <a:rPr lang="ja-JP" altLang="en-US" smtClean="0"/>
               <a:t>レベル</a:t>
             </a:r>
           </a:p>
           <a:p>
             <a:pPr lvl="2"/>
             <a:r>
-              <a:rPr kumimoji="1" lang="ja-JP" altLang="en-US" smtClean="0"/>
+              <a:rPr lang="ja-JP" altLang="en-US" smtClean="0"/>
               <a:t>第 </a:t>
             </a:r>
             <a:r>
-              <a:rPr kumimoji="1" lang="en-US" altLang="ja-JP" smtClean="0"/>
+              <a:rPr lang="en-US" altLang="ja-JP" smtClean="0"/>
               <a:t>3 </a:t>
             </a:r>
             <a:r>
-              <a:rPr kumimoji="1" lang="ja-JP" altLang="en-US" smtClean="0"/>
+              <a:rPr lang="ja-JP" altLang="en-US" smtClean="0"/>
               <a:t>レベル</a:t>
             </a:r>
           </a:p>
           <a:p>
             <a:pPr lvl="3"/>
             <a:r>
-              <a:rPr kumimoji="1" lang="ja-JP" altLang="en-US" smtClean="0"/>
+              <a:rPr lang="ja-JP" altLang="en-US" smtClean="0"/>
               <a:t>第 </a:t>
             </a:r>
             <a:r>
-              <a:rPr kumimoji="1" lang="en-US" altLang="ja-JP" smtClean="0"/>
+              <a:rPr lang="en-US" altLang="ja-JP" smtClean="0"/>
               <a:t>4 </a:t>
             </a:r>
             <a:r>
-              <a:rPr kumimoji="1" lang="ja-JP" altLang="en-US" smtClean="0"/>
+              <a:rPr lang="ja-JP" altLang="en-US" smtClean="0"/>
               <a:t>レベル</a:t>
             </a:r>
           </a:p>
           <a:p>
             <a:pPr lvl="4"/>
             <a:r>
-              <a:rPr kumimoji="1" lang="ja-JP" altLang="en-US" smtClean="0"/>
+              <a:rPr lang="ja-JP" altLang="en-US" smtClean="0"/>
               <a:t>第 </a:t>
             </a:r>
             <a:r>
-              <a:rPr kumimoji="1" lang="en-US" altLang="ja-JP" smtClean="0"/>
+              <a:rPr lang="en-US" altLang="ja-JP" smtClean="0"/>
               <a:t>5 </a:t>
             </a:r>
             <a:r>
-              <a:rPr kumimoji="1" lang="ja-JP" altLang="en-US" smtClean="0"/>
+              <a:rPr lang="ja-JP" altLang="en-US" smtClean="0"/>
               <a:t>レベル</a:t>
             </a:r>
-            <a:endParaRPr kumimoji="1" lang="ja-JP" altLang="en-US"/>
-          </a:p>
-        </p:txBody>
-      </p:sp>
-      <p:sp>
-        <p:nvSpPr>
-          <p:cNvPr id="7" name="日付プレースホルダー 6"/>
+            <a:endParaRPr lang="en-US" dirty="0"/>
+          </a:p>
+        </p:txBody>
+      </p:sp>
+      <p:sp>
+        <p:nvSpPr>
+          <p:cNvPr id="7" name="Date Placeholder 6"/>
           <p:cNvSpPr>
             <a:spLocks noGrp="1"/>
           </p:cNvSpPr>
@@ -1836,7 +1834,7 @@
           <a:p>
             <a:fld id="{1D063AC1-C124-4785-98D1-11CFD963530E}" type="datetimeFigureOut">
               <a:rPr kumimoji="1" lang="ja-JP" altLang="en-US" smtClean="0"/>
-              <a:t>2017/8/5</a:t>
+              <a:t>2017/8/6</a:t>
             </a:fld>
             <a:endParaRPr kumimoji="1" lang="ja-JP" altLang="en-US"/>
           </a:p>
@@ -1844,7 +1842,7 @@
       </p:sp>
       <p:sp>
         <p:nvSpPr>
-          <p:cNvPr id="8" name="フッター プレースホルダー 7"/>
+          <p:cNvPr id="8" name="Footer Placeholder 7"/>
           <p:cNvSpPr>
             <a:spLocks noGrp="1"/>
           </p:cNvSpPr>
@@ -1863,7 +1861,7 @@
       </p:sp>
       <p:sp>
         <p:nvSpPr>
-          <p:cNvPr id="9" name="スライド番号プレースホルダー 8"/>
+          <p:cNvPr id="9" name="Slide Number Placeholder 8"/>
           <p:cNvSpPr>
             <a:spLocks noGrp="1"/>
           </p:cNvSpPr>
@@ -1887,7 +1885,7 @@
     </p:spTree>
     <p:extLst>
       <p:ext uri="{BB962C8B-B14F-4D97-AF65-F5344CB8AC3E}">
-        <p14:creationId xmlns:p14="http://schemas.microsoft.com/office/powerpoint/2010/main" val="1746180458"/>
+        <p14:creationId xmlns:p14="http://schemas.microsoft.com/office/powerpoint/2010/main" val="1129238734"/>
       </p:ext>
     </p:extLst>
   </p:cSld>
@@ -1916,7 +1914,7 @@
       </p:grpSpPr>
       <p:sp>
         <p:nvSpPr>
-          <p:cNvPr id="2" name="タイトル 1"/>
+          <p:cNvPr id="2" name="Title 1"/>
           <p:cNvSpPr>
             <a:spLocks noGrp="1"/>
           </p:cNvSpPr>
@@ -1930,16 +1928,16 @@
           <a:lstStyle/>
           <a:p>
             <a:r>
-              <a:rPr kumimoji="1" lang="ja-JP" altLang="en-US" smtClean="0"/>
+              <a:rPr lang="ja-JP" altLang="en-US" smtClean="0"/>
               <a:t>マスター タイトルの書式設定</a:t>
             </a:r>
-            <a:endParaRPr kumimoji="1" lang="ja-JP" altLang="en-US"/>
-          </a:p>
-        </p:txBody>
-      </p:sp>
-      <p:sp>
-        <p:nvSpPr>
-          <p:cNvPr id="3" name="日付プレースホルダー 2"/>
+            <a:endParaRPr lang="en-US" dirty="0"/>
+          </a:p>
+        </p:txBody>
+      </p:sp>
+      <p:sp>
+        <p:nvSpPr>
+          <p:cNvPr id="3" name="Date Placeholder 2"/>
           <p:cNvSpPr>
             <a:spLocks noGrp="1"/>
           </p:cNvSpPr>
@@ -1954,7 +1952,7 @@
           <a:p>
             <a:fld id="{1D063AC1-C124-4785-98D1-11CFD963530E}" type="datetimeFigureOut">
               <a:rPr kumimoji="1" lang="ja-JP" altLang="en-US" smtClean="0"/>
-              <a:t>2017/8/5</a:t>
+              <a:t>2017/8/6</a:t>
             </a:fld>
             <a:endParaRPr kumimoji="1" lang="ja-JP" altLang="en-US"/>
           </a:p>
@@ -1962,7 +1960,7 @@
       </p:sp>
       <p:sp>
         <p:nvSpPr>
-          <p:cNvPr id="4" name="フッター プレースホルダー 3"/>
+          <p:cNvPr id="4" name="Footer Placeholder 3"/>
           <p:cNvSpPr>
             <a:spLocks noGrp="1"/>
           </p:cNvSpPr>
@@ -1981,7 +1979,7 @@
       </p:sp>
       <p:sp>
         <p:nvSpPr>
-          <p:cNvPr id="5" name="スライド番号プレースホルダー 4"/>
+          <p:cNvPr id="5" name="Slide Number Placeholder 4"/>
           <p:cNvSpPr>
             <a:spLocks noGrp="1"/>
           </p:cNvSpPr>
@@ -2005,7 +2003,7 @@
     </p:spTree>
     <p:extLst>
       <p:ext uri="{BB962C8B-B14F-4D97-AF65-F5344CB8AC3E}">
-        <p14:creationId xmlns:p14="http://schemas.microsoft.com/office/powerpoint/2010/main" val="8859723"/>
+        <p14:creationId xmlns:p14="http://schemas.microsoft.com/office/powerpoint/2010/main" val="2211923024"/>
       </p:ext>
     </p:extLst>
   </p:cSld>
@@ -2034,7 +2032,7 @@
       </p:grpSpPr>
       <p:sp>
         <p:nvSpPr>
-          <p:cNvPr id="2" name="日付プレースホルダー 1"/>
+          <p:cNvPr id="2" name="Date Placeholder 1"/>
           <p:cNvSpPr>
             <a:spLocks noGrp="1"/>
           </p:cNvSpPr>
@@ -2049,7 +2047,7 @@
           <a:p>
             <a:fld id="{1D063AC1-C124-4785-98D1-11CFD963530E}" type="datetimeFigureOut">
               <a:rPr kumimoji="1" lang="ja-JP" altLang="en-US" smtClean="0"/>
-              <a:t>2017/8/5</a:t>
+              <a:t>2017/8/6</a:t>
             </a:fld>
             <a:endParaRPr kumimoji="1" lang="ja-JP" altLang="en-US"/>
           </a:p>
@@ -2057,7 +2055,7 @@
       </p:sp>
       <p:sp>
         <p:nvSpPr>
-          <p:cNvPr id="3" name="フッター プレースホルダー 2"/>
+          <p:cNvPr id="3" name="Footer Placeholder 2"/>
           <p:cNvSpPr>
             <a:spLocks noGrp="1"/>
           </p:cNvSpPr>
@@ -2076,7 +2074,7 @@
       </p:sp>
       <p:sp>
         <p:nvSpPr>
-          <p:cNvPr id="4" name="スライド番号プレースホルダー 3"/>
+          <p:cNvPr id="4" name="Slide Number Placeholder 3"/>
           <p:cNvSpPr>
             <a:spLocks noGrp="1"/>
           </p:cNvSpPr>
@@ -2100,7 +2098,7 @@
     </p:spTree>
     <p:extLst>
       <p:ext uri="{BB962C8B-B14F-4D97-AF65-F5344CB8AC3E}">
-        <p14:creationId xmlns:p14="http://schemas.microsoft.com/office/powerpoint/2010/main" val="3929909564"/>
+        <p14:creationId xmlns:p14="http://schemas.microsoft.com/office/powerpoint/2010/main" val="1477249997"/>
       </p:ext>
     </p:extLst>
   </p:cSld>
@@ -2129,7 +2127,7 @@
       </p:grpSpPr>
       <p:sp>
         <p:nvSpPr>
-          <p:cNvPr id="2" name="タイトル 1"/>
+          <p:cNvPr id="2" name="Title 1"/>
           <p:cNvSpPr>
             <a:spLocks noGrp="1"/>
           </p:cNvSpPr>
@@ -2139,8 +2137,8 @@
         </p:nvSpPr>
         <p:spPr>
           <a:xfrm>
-            <a:off x="839788" y="457200"/>
-            <a:ext cx="3932237" cy="1600200"/>
+            <a:off x="629841" y="457200"/>
+            <a:ext cx="2949178" cy="1600200"/>
           </a:xfrm>
         </p:spPr>
         <p:txBody>
@@ -2152,16 +2150,16 @@
           </a:lstStyle>
           <a:p>
             <a:r>
-              <a:rPr kumimoji="1" lang="ja-JP" altLang="en-US" smtClean="0"/>
+              <a:rPr lang="ja-JP" altLang="en-US" smtClean="0"/>
               <a:t>マスター タイトルの書式設定</a:t>
             </a:r>
-            <a:endParaRPr kumimoji="1" lang="ja-JP" altLang="en-US"/>
-          </a:p>
-        </p:txBody>
-      </p:sp>
-      <p:sp>
-        <p:nvSpPr>
-          <p:cNvPr id="3" name="コンテンツ プレースホルダー 2"/>
+            <a:endParaRPr lang="en-US" dirty="0"/>
+          </a:p>
+        </p:txBody>
+      </p:sp>
+      <p:sp>
+        <p:nvSpPr>
+          <p:cNvPr id="3" name="Content Placeholder 2"/>
           <p:cNvSpPr>
             <a:spLocks noGrp="1"/>
           </p:cNvSpPr>
@@ -2171,8 +2169,8 @@
         </p:nvSpPr>
         <p:spPr>
           <a:xfrm>
-            <a:off x="5183188" y="987425"/>
-            <a:ext cx="6172200" cy="4873625"/>
+            <a:off x="3887391" y="987426"/>
+            <a:ext cx="4629150" cy="4873625"/>
           </a:xfrm>
         </p:spPr>
         <p:txBody>
@@ -2209,76 +2207,76 @@
           <a:p>
             <a:pPr lvl="0"/>
             <a:r>
-              <a:rPr kumimoji="1" lang="ja-JP" altLang="en-US" smtClean="0"/>
+              <a:rPr lang="ja-JP" altLang="en-US" smtClean="0"/>
               <a:t>マスター テキストの書式設定</a:t>
             </a:r>
           </a:p>
           <a:p>
             <a:pPr lvl="1"/>
             <a:r>
-              <a:rPr kumimoji="1" lang="ja-JP" altLang="en-US" smtClean="0"/>
+              <a:rPr lang="ja-JP" altLang="en-US" smtClean="0"/>
               <a:t>第 </a:t>
             </a:r>
             <a:r>
-              <a:rPr kumimoji="1" lang="en-US" altLang="ja-JP" smtClean="0"/>
+              <a:rPr lang="en-US" altLang="ja-JP" smtClean="0"/>
               <a:t>2 </a:t>
             </a:r>
             <a:r>
-              <a:rPr kumimoji="1" lang="ja-JP" altLang="en-US" smtClean="0"/>
+              <a:rPr lang="ja-JP" altLang="en-US" smtClean="0"/>
               <a:t>レベル</a:t>
             </a:r>
           </a:p>
           <a:p>
             <a:pPr lvl="2"/>
             <a:r>
-              <a:rPr kumimoji="1" lang="ja-JP" altLang="en-US" smtClean="0"/>
+              <a:rPr lang="ja-JP" altLang="en-US" smtClean="0"/>
               <a:t>第 </a:t>
             </a:r>
             <a:r>
-              <a:rPr kumimoji="1" lang="en-US" altLang="ja-JP" smtClean="0"/>
+              <a:rPr lang="en-US" altLang="ja-JP" smtClean="0"/>
               <a:t>3 </a:t>
             </a:r>
             <a:r>
-              <a:rPr kumimoji="1" lang="ja-JP" altLang="en-US" smtClean="0"/>
+              <a:rPr lang="ja-JP" altLang="en-US" smtClean="0"/>
               <a:t>レベル</a:t>
             </a:r>
           </a:p>
           <a:p>
             <a:pPr lvl="3"/>
             <a:r>
-              <a:rPr kumimoji="1" lang="ja-JP" altLang="en-US" smtClean="0"/>
+              <a:rPr lang="ja-JP" altLang="en-US" smtClean="0"/>
               <a:t>第 </a:t>
             </a:r>
             <a:r>
-              <a:rPr kumimoji="1" lang="en-US" altLang="ja-JP" smtClean="0"/>
+              <a:rPr lang="en-US" altLang="ja-JP" smtClean="0"/>
               <a:t>4 </a:t>
             </a:r>
             <a:r>
-              <a:rPr kumimoji="1" lang="ja-JP" altLang="en-US" smtClean="0"/>
+              <a:rPr lang="ja-JP" altLang="en-US" smtClean="0"/>
               <a:t>レベル</a:t>
             </a:r>
           </a:p>
           <a:p>
             <a:pPr lvl="4"/>
             <a:r>
-              <a:rPr kumimoji="1" lang="ja-JP" altLang="en-US" smtClean="0"/>
+              <a:rPr lang="ja-JP" altLang="en-US" smtClean="0"/>
               <a:t>第 </a:t>
             </a:r>
             <a:r>
-              <a:rPr kumimoji="1" lang="en-US" altLang="ja-JP" smtClean="0"/>
+              <a:rPr lang="en-US" altLang="ja-JP" smtClean="0"/>
               <a:t>5 </a:t>
             </a:r>
             <a:r>
-              <a:rPr kumimoji="1" lang="ja-JP" altLang="en-US" smtClean="0"/>
+              <a:rPr lang="ja-JP" altLang="en-US" smtClean="0"/>
               <a:t>レベル</a:t>
             </a:r>
-            <a:endParaRPr kumimoji="1" lang="ja-JP" altLang="en-US"/>
-          </a:p>
-        </p:txBody>
-      </p:sp>
-      <p:sp>
-        <p:nvSpPr>
-          <p:cNvPr id="4" name="テキスト プレースホルダー 3"/>
+            <a:endParaRPr lang="en-US" dirty="0"/>
+          </a:p>
+        </p:txBody>
+      </p:sp>
+      <p:sp>
+        <p:nvSpPr>
+          <p:cNvPr id="4" name="Text Placeholder 3"/>
           <p:cNvSpPr>
             <a:spLocks noGrp="1"/>
           </p:cNvSpPr>
@@ -2288,8 +2286,8 @@
         </p:nvSpPr>
         <p:spPr>
           <a:xfrm>
-            <a:off x="839788" y="2057400"/>
-            <a:ext cx="3932237" cy="3811588"/>
+            <a:off x="629841" y="2057400"/>
+            <a:ext cx="2949178" cy="3811588"/>
           </a:xfrm>
         </p:spPr>
         <p:txBody>
@@ -2335,7 +2333,7 @@
           <a:p>
             <a:pPr lvl="0"/>
             <a:r>
-              <a:rPr kumimoji="1" lang="ja-JP" altLang="en-US" smtClean="0"/>
+              <a:rPr lang="ja-JP" altLang="en-US" smtClean="0"/>
               <a:t>マスター テキストの書式設定</a:t>
             </a:r>
           </a:p>
@@ -2343,7 +2341,7 @@
       </p:sp>
       <p:sp>
         <p:nvSpPr>
-          <p:cNvPr id="5" name="日付プレースホルダー 4"/>
+          <p:cNvPr id="5" name="Date Placeholder 4"/>
           <p:cNvSpPr>
             <a:spLocks noGrp="1"/>
           </p:cNvSpPr>
@@ -2358,7 +2356,7 @@
           <a:p>
             <a:fld id="{1D063AC1-C124-4785-98D1-11CFD963530E}" type="datetimeFigureOut">
               <a:rPr kumimoji="1" lang="ja-JP" altLang="en-US" smtClean="0"/>
-              <a:t>2017/8/5</a:t>
+              <a:t>2017/8/6</a:t>
             </a:fld>
             <a:endParaRPr kumimoji="1" lang="ja-JP" altLang="en-US"/>
           </a:p>
@@ -2366,7 +2364,7 @@
       </p:sp>
       <p:sp>
         <p:nvSpPr>
-          <p:cNvPr id="6" name="フッター プレースホルダー 5"/>
+          <p:cNvPr id="6" name="Footer Placeholder 5"/>
           <p:cNvSpPr>
             <a:spLocks noGrp="1"/>
           </p:cNvSpPr>
@@ -2385,7 +2383,7 @@
       </p:sp>
       <p:sp>
         <p:nvSpPr>
-          <p:cNvPr id="7" name="スライド番号プレースホルダー 6"/>
+          <p:cNvPr id="7" name="Slide Number Placeholder 6"/>
           <p:cNvSpPr>
             <a:spLocks noGrp="1"/>
           </p:cNvSpPr>
@@ -2409,7 +2407,7 @@
     </p:spTree>
     <p:extLst>
       <p:ext uri="{BB962C8B-B14F-4D97-AF65-F5344CB8AC3E}">
-        <p14:creationId xmlns:p14="http://schemas.microsoft.com/office/powerpoint/2010/main" val="168411573"/>
+        <p14:creationId xmlns:p14="http://schemas.microsoft.com/office/powerpoint/2010/main" val="1706121122"/>
       </p:ext>
     </p:extLst>
   </p:cSld>
@@ -2438,7 +2436,7 @@
       </p:grpSpPr>
       <p:sp>
         <p:nvSpPr>
-          <p:cNvPr id="2" name="タイトル 1"/>
+          <p:cNvPr id="2" name="Title 1"/>
           <p:cNvSpPr>
             <a:spLocks noGrp="1"/>
           </p:cNvSpPr>
@@ -2448,8 +2446,8 @@
         </p:nvSpPr>
         <p:spPr>
           <a:xfrm>
-            <a:off x="839788" y="457200"/>
-            <a:ext cx="3932237" cy="1600200"/>
+            <a:off x="629841" y="457200"/>
+            <a:ext cx="2949178" cy="1600200"/>
           </a:xfrm>
         </p:spPr>
         <p:txBody>
@@ -2461,18 +2459,18 @@
           </a:lstStyle>
           <a:p>
             <a:r>
-              <a:rPr kumimoji="1" lang="ja-JP" altLang="en-US" smtClean="0"/>
+              <a:rPr lang="ja-JP" altLang="en-US" smtClean="0"/>
               <a:t>マスター タイトルの書式設定</a:t>
             </a:r>
-            <a:endParaRPr kumimoji="1" lang="ja-JP" altLang="en-US"/>
-          </a:p>
-        </p:txBody>
-      </p:sp>
-      <p:sp>
-        <p:nvSpPr>
-          <p:cNvPr id="3" name="図プレースホルダー 2"/>
+            <a:endParaRPr lang="en-US" dirty="0"/>
+          </a:p>
+        </p:txBody>
+      </p:sp>
+      <p:sp>
+        <p:nvSpPr>
+          <p:cNvPr id="3" name="Picture Placeholder 2"/>
           <p:cNvSpPr>
-            <a:spLocks noGrp="1"/>
+            <a:spLocks noGrp="1" noChangeAspect="1"/>
           </p:cNvSpPr>
           <p:nvPr>
             <p:ph type="pic" idx="1"/>
@@ -2480,12 +2478,12 @@
         </p:nvSpPr>
         <p:spPr>
           <a:xfrm>
-            <a:off x="5183188" y="987425"/>
-            <a:ext cx="6172200" cy="4873625"/>
-          </a:xfrm>
-        </p:spPr>
-        <p:txBody>
-          <a:bodyPr/>
+            <a:off x="3887391" y="987426"/>
+            <a:ext cx="4629150" cy="4873625"/>
+          </a:xfrm>
+        </p:spPr>
+        <p:txBody>
+          <a:bodyPr anchor="t"/>
           <a:lstStyle>
             <a:lvl1pPr marL="0" indent="0">
               <a:buNone/>
@@ -2525,13 +2523,17 @@
             </a:lvl9pPr>
           </a:lstStyle>
           <a:p>
-            <a:endParaRPr kumimoji="1" lang="ja-JP" altLang="en-US"/>
-          </a:p>
-        </p:txBody>
-      </p:sp>
-      <p:sp>
-        <p:nvSpPr>
-          <p:cNvPr id="4" name="テキスト プレースホルダー 3"/>
+            <a:r>
+              <a:rPr lang="ja-JP" altLang="en-US" smtClean="0"/>
+              <a:t>図を追加</a:t>
+            </a:r>
+            <a:endParaRPr lang="en-US" dirty="0"/>
+          </a:p>
+        </p:txBody>
+      </p:sp>
+      <p:sp>
+        <p:nvSpPr>
+          <p:cNvPr id="4" name="Text Placeholder 3"/>
           <p:cNvSpPr>
             <a:spLocks noGrp="1"/>
           </p:cNvSpPr>
@@ -2541,8 +2543,8 @@
         </p:nvSpPr>
         <p:spPr>
           <a:xfrm>
-            <a:off x="839788" y="2057400"/>
-            <a:ext cx="3932237" cy="3811588"/>
+            <a:off x="629841" y="2057400"/>
+            <a:ext cx="2949178" cy="3811588"/>
           </a:xfrm>
         </p:spPr>
         <p:txBody>
@@ -2588,7 +2590,7 @@
           <a:p>
             <a:pPr lvl="0"/>
             <a:r>
-              <a:rPr kumimoji="1" lang="ja-JP" altLang="en-US" smtClean="0"/>
+              <a:rPr lang="ja-JP" altLang="en-US" smtClean="0"/>
               <a:t>マスター テキストの書式設定</a:t>
             </a:r>
           </a:p>
@@ -2596,7 +2598,7 @@
       </p:sp>
       <p:sp>
         <p:nvSpPr>
-          <p:cNvPr id="5" name="日付プレースホルダー 4"/>
+          <p:cNvPr id="5" name="Date Placeholder 4"/>
           <p:cNvSpPr>
             <a:spLocks noGrp="1"/>
           </p:cNvSpPr>
@@ -2611,7 +2613,7 @@
           <a:p>
             <a:fld id="{1D063AC1-C124-4785-98D1-11CFD963530E}" type="datetimeFigureOut">
               <a:rPr kumimoji="1" lang="ja-JP" altLang="en-US" smtClean="0"/>
-              <a:t>2017/8/5</a:t>
+              <a:t>2017/8/6</a:t>
             </a:fld>
             <a:endParaRPr kumimoji="1" lang="ja-JP" altLang="en-US"/>
           </a:p>
@@ -2619,7 +2621,7 @@
       </p:sp>
       <p:sp>
         <p:nvSpPr>
-          <p:cNvPr id="6" name="フッター プレースホルダー 5"/>
+          <p:cNvPr id="6" name="Footer Placeholder 5"/>
           <p:cNvSpPr>
             <a:spLocks noGrp="1"/>
           </p:cNvSpPr>
@@ -2638,7 +2640,7 @@
       </p:sp>
       <p:sp>
         <p:nvSpPr>
-          <p:cNvPr id="7" name="スライド番号プレースホルダー 6"/>
+          <p:cNvPr id="7" name="Slide Number Placeholder 6"/>
           <p:cNvSpPr>
             <a:spLocks noGrp="1"/>
           </p:cNvSpPr>
@@ -2662,7 +2664,7 @@
     </p:spTree>
     <p:extLst>
       <p:ext uri="{BB962C8B-B14F-4D97-AF65-F5344CB8AC3E}">
-        <p14:creationId xmlns:p14="http://schemas.microsoft.com/office/powerpoint/2010/main" val="503360037"/>
+        <p14:creationId xmlns:p14="http://schemas.microsoft.com/office/powerpoint/2010/main" val="857952495"/>
       </p:ext>
     </p:extLst>
   </p:cSld>
@@ -2696,7 +2698,7 @@
       </p:grpSpPr>
       <p:sp>
         <p:nvSpPr>
-          <p:cNvPr id="2" name="タイトル プレースホルダー 1"/>
+          <p:cNvPr id="2" name="Title Placeholder 1"/>
           <p:cNvSpPr>
             <a:spLocks noGrp="1"/>
           </p:cNvSpPr>
@@ -2706,8 +2708,8 @@
         </p:nvSpPr>
         <p:spPr>
           <a:xfrm>
-            <a:off x="838200" y="365125"/>
-            <a:ext cx="10515600" cy="1325563"/>
+            <a:off x="628650" y="365126"/>
+            <a:ext cx="7886700" cy="1325563"/>
           </a:xfrm>
           <a:prstGeom prst="rect">
             <a:avLst/>
@@ -2720,16 +2722,16 @@
           <a:lstStyle/>
           <a:p>
             <a:r>
-              <a:rPr kumimoji="1" lang="ja-JP" altLang="en-US" smtClean="0"/>
+              <a:rPr lang="ja-JP" altLang="en-US" smtClean="0"/>
               <a:t>マスター タイトルの書式設定</a:t>
             </a:r>
-            <a:endParaRPr kumimoji="1" lang="ja-JP" altLang="en-US"/>
-          </a:p>
-        </p:txBody>
-      </p:sp>
-      <p:sp>
-        <p:nvSpPr>
-          <p:cNvPr id="3" name="テキスト プレースホルダー 2"/>
+            <a:endParaRPr lang="en-US" dirty="0"/>
+          </a:p>
+        </p:txBody>
+      </p:sp>
+      <p:sp>
+        <p:nvSpPr>
+          <p:cNvPr id="3" name="Text Placeholder 2"/>
           <p:cNvSpPr>
             <a:spLocks noGrp="1"/>
           </p:cNvSpPr>
@@ -2739,8 +2741,8 @@
         </p:nvSpPr>
         <p:spPr>
           <a:xfrm>
-            <a:off x="838200" y="1825625"/>
-            <a:ext cx="10515600" cy="4351338"/>
+            <a:off x="628650" y="1825625"/>
+            <a:ext cx="7886700" cy="4351338"/>
           </a:xfrm>
           <a:prstGeom prst="rect">
             <a:avLst/>
@@ -2754,76 +2756,76 @@
           <a:p>
             <a:pPr lvl="0"/>
             <a:r>
-              <a:rPr kumimoji="1" lang="ja-JP" altLang="en-US" smtClean="0"/>
+              <a:rPr lang="ja-JP" altLang="en-US" smtClean="0"/>
               <a:t>マスター テキストの書式設定</a:t>
             </a:r>
           </a:p>
           <a:p>
             <a:pPr lvl="1"/>
             <a:r>
-              <a:rPr kumimoji="1" lang="ja-JP" altLang="en-US" smtClean="0"/>
+              <a:rPr lang="ja-JP" altLang="en-US" smtClean="0"/>
               <a:t>第 </a:t>
             </a:r>
             <a:r>
-              <a:rPr kumimoji="1" lang="en-US" altLang="ja-JP" smtClean="0"/>
+              <a:rPr lang="en-US" altLang="ja-JP" smtClean="0"/>
               <a:t>2 </a:t>
             </a:r>
             <a:r>
-              <a:rPr kumimoji="1" lang="ja-JP" altLang="en-US" smtClean="0"/>
+              <a:rPr lang="ja-JP" altLang="en-US" smtClean="0"/>
               <a:t>レベル</a:t>
             </a:r>
           </a:p>
           <a:p>
             <a:pPr lvl="2"/>
             <a:r>
-              <a:rPr kumimoji="1" lang="ja-JP" altLang="en-US" smtClean="0"/>
+              <a:rPr lang="ja-JP" altLang="en-US" smtClean="0"/>
               <a:t>第 </a:t>
             </a:r>
             <a:r>
-              <a:rPr kumimoji="1" lang="en-US" altLang="ja-JP" smtClean="0"/>
+              <a:rPr lang="en-US" altLang="ja-JP" smtClean="0"/>
               <a:t>3 </a:t>
             </a:r>
             <a:r>
-              <a:rPr kumimoji="1" lang="ja-JP" altLang="en-US" smtClean="0"/>
+              <a:rPr lang="ja-JP" altLang="en-US" smtClean="0"/>
               <a:t>レベル</a:t>
             </a:r>
           </a:p>
           <a:p>
             <a:pPr lvl="3"/>
             <a:r>
-              <a:rPr kumimoji="1" lang="ja-JP" altLang="en-US" smtClean="0"/>
+              <a:rPr lang="ja-JP" altLang="en-US" smtClean="0"/>
               <a:t>第 </a:t>
             </a:r>
             <a:r>
-              <a:rPr kumimoji="1" lang="en-US" altLang="ja-JP" smtClean="0"/>
+              <a:rPr lang="en-US" altLang="ja-JP" smtClean="0"/>
               <a:t>4 </a:t>
             </a:r>
             <a:r>
-              <a:rPr kumimoji="1" lang="ja-JP" altLang="en-US" smtClean="0"/>
+              <a:rPr lang="ja-JP" altLang="en-US" smtClean="0"/>
               <a:t>レベル</a:t>
             </a:r>
           </a:p>
           <a:p>
             <a:pPr lvl="4"/>
             <a:r>
-              <a:rPr kumimoji="1" lang="ja-JP" altLang="en-US" smtClean="0"/>
+              <a:rPr lang="ja-JP" altLang="en-US" smtClean="0"/>
               <a:t>第 </a:t>
             </a:r>
             <a:r>
-              <a:rPr kumimoji="1" lang="en-US" altLang="ja-JP" smtClean="0"/>
+              <a:rPr lang="en-US" altLang="ja-JP" smtClean="0"/>
               <a:t>5 </a:t>
             </a:r>
             <a:r>
-              <a:rPr kumimoji="1" lang="ja-JP" altLang="en-US" smtClean="0"/>
+              <a:rPr lang="ja-JP" altLang="en-US" smtClean="0"/>
               <a:t>レベル</a:t>
             </a:r>
-            <a:endParaRPr kumimoji="1" lang="ja-JP" altLang="en-US"/>
-          </a:p>
-        </p:txBody>
-      </p:sp>
-      <p:sp>
-        <p:nvSpPr>
-          <p:cNvPr id="4" name="日付プレースホルダー 3"/>
+            <a:endParaRPr lang="en-US" dirty="0"/>
+          </a:p>
+        </p:txBody>
+      </p:sp>
+      <p:sp>
+        <p:nvSpPr>
+          <p:cNvPr id="4" name="Date Placeholder 3"/>
           <p:cNvSpPr>
             <a:spLocks noGrp="1"/>
           </p:cNvSpPr>
@@ -2833,8 +2835,8 @@
         </p:nvSpPr>
         <p:spPr>
           <a:xfrm>
-            <a:off x="838200" y="6356350"/>
-            <a:ext cx="2743200" cy="365125"/>
+            <a:off x="628650" y="6356351"/>
+            <a:ext cx="2057400" cy="365125"/>
           </a:xfrm>
           <a:prstGeom prst="rect">
             <a:avLst/>
@@ -2856,7 +2858,7 @@
           <a:p>
             <a:fld id="{1D063AC1-C124-4785-98D1-11CFD963530E}" type="datetimeFigureOut">
               <a:rPr kumimoji="1" lang="ja-JP" altLang="en-US" smtClean="0"/>
-              <a:t>2017/8/5</a:t>
+              <a:t>2017/8/6</a:t>
             </a:fld>
             <a:endParaRPr kumimoji="1" lang="ja-JP" altLang="en-US"/>
           </a:p>
@@ -2864,7 +2866,7 @@
       </p:sp>
       <p:sp>
         <p:nvSpPr>
-          <p:cNvPr id="5" name="フッター プレースホルダー 4"/>
+          <p:cNvPr id="5" name="Footer Placeholder 4"/>
           <p:cNvSpPr>
             <a:spLocks noGrp="1"/>
           </p:cNvSpPr>
@@ -2874,8 +2876,8 @@
         </p:nvSpPr>
         <p:spPr>
           <a:xfrm>
-            <a:off x="4038600" y="6356350"/>
-            <a:ext cx="4114800" cy="365125"/>
+            <a:off x="3028950" y="6356351"/>
+            <a:ext cx="3086100" cy="365125"/>
           </a:xfrm>
           <a:prstGeom prst="rect">
             <a:avLst/>
@@ -2901,7 +2903,7 @@
       </p:sp>
       <p:sp>
         <p:nvSpPr>
-          <p:cNvPr id="6" name="スライド番号プレースホルダー 5"/>
+          <p:cNvPr id="6" name="Slide Number Placeholder 5"/>
           <p:cNvSpPr>
             <a:spLocks noGrp="1"/>
           </p:cNvSpPr>
@@ -2911,8 +2913,8 @@
         </p:nvSpPr>
         <p:spPr>
           <a:xfrm>
-            <a:off x="8610600" y="6356350"/>
-            <a:ext cx="2743200" cy="365125"/>
+            <a:off x="6457950" y="6356351"/>
+            <a:ext cx="2057400" cy="365125"/>
           </a:xfrm>
           <a:prstGeom prst="rect">
             <a:avLst/>
@@ -2943,23 +2945,23 @@
     </p:spTree>
     <p:extLst>
       <p:ext uri="{BB962C8B-B14F-4D97-AF65-F5344CB8AC3E}">
-        <p14:creationId xmlns:p14="http://schemas.microsoft.com/office/powerpoint/2010/main" val="3528572261"/>
+        <p14:creationId xmlns:p14="http://schemas.microsoft.com/office/powerpoint/2010/main" val="116210046"/>
       </p:ext>
     </p:extLst>
   </p:cSld>
   <p:clrMap bg1="lt1" tx1="dk1" bg2="lt2" tx2="dk2" accent1="accent1" accent2="accent2" accent3="accent3" accent4="accent4" accent5="accent5" accent6="accent6" hlink="hlink" folHlink="folHlink"/>
   <p:sldLayoutIdLst>
-    <p:sldLayoutId id="2147483679" r:id="rId1"/>
-    <p:sldLayoutId id="2147483680" r:id="rId2"/>
-    <p:sldLayoutId id="2147483681" r:id="rId3"/>
-    <p:sldLayoutId id="2147483682" r:id="rId4"/>
-    <p:sldLayoutId id="2147483683" r:id="rId5"/>
-    <p:sldLayoutId id="2147483684" r:id="rId6"/>
-    <p:sldLayoutId id="2147483685" r:id="rId7"/>
-    <p:sldLayoutId id="2147483686" r:id="rId8"/>
-    <p:sldLayoutId id="2147483687" r:id="rId9"/>
-    <p:sldLayoutId id="2147483688" r:id="rId10"/>
-    <p:sldLayoutId id="2147483689" r:id="rId11"/>
+    <p:sldLayoutId id="2147483715" r:id="rId1"/>
+    <p:sldLayoutId id="2147483716" r:id="rId2"/>
+    <p:sldLayoutId id="2147483717" r:id="rId3"/>
+    <p:sldLayoutId id="2147483718" r:id="rId4"/>
+    <p:sldLayoutId id="2147483719" r:id="rId5"/>
+    <p:sldLayoutId id="2147483720" r:id="rId6"/>
+    <p:sldLayoutId id="2147483721" r:id="rId7"/>
+    <p:sldLayoutId id="2147483722" r:id="rId8"/>
+    <p:sldLayoutId id="2147483723" r:id="rId9"/>
+    <p:sldLayoutId id="2147483724" r:id="rId10"/>
+    <p:sldLayoutId id="2147483725" r:id="rId11"/>
   </p:sldLayoutIdLst>
   <p:txStyles>
     <p:titleStyle>
@@ -3147,7 +3149,7 @@
     </p:bodyStyle>
     <p:otherStyle>
       <a:defPPr>
-        <a:defRPr lang="ja-JP"/>
+        <a:defRPr lang="en-US"/>
       </a:defPPr>
       <a:lvl1pPr marL="0" algn="l" defTabSz="914400" rtl="0" eaLnBrk="1" latinLnBrk="0" hangingPunct="1">
         <a:defRPr kumimoji="1" sz="1800" kern="1200">
@@ -3291,7 +3293,7 @@
         </p:blipFill>
         <p:spPr>
           <a:xfrm>
-            <a:off x="5334000" y="0"/>
+            <a:off x="2286000" y="0"/>
             <a:ext cx="6858000" cy="6858000"/>
           </a:xfrm>
           <a:prstGeom prst="rect">
@@ -3308,7 +3310,7 @@
         <p:spPr>
           <a:xfrm>
             <a:off x="0" y="0"/>
-            <a:ext cx="12192000" cy="6858000"/>
+            <a:ext cx="9144000" cy="6858000"/>
           </a:xfrm>
           <a:prstGeom prst="rect">
             <a:avLst/>
@@ -3340,7 +3342,7 @@
           <a:lstStyle/>
           <a:p>
             <a:pPr algn="ctr"/>
-            <a:endParaRPr kumimoji="1" lang="ja-JP" altLang="en-US"/>
+            <a:endParaRPr lang="ja-JP" altLang="en-US" sz="1350"/>
           </a:p>
         </p:txBody>
       </p:sp>
@@ -3352,8 +3354,8 @@
         </p:nvSpPr>
         <p:spPr>
           <a:xfrm flipH="1">
-            <a:off x="0" y="3480"/>
-            <a:ext cx="3820160" cy="1382520"/>
+            <a:off x="10425" y="0"/>
+            <a:ext cx="2865120" cy="1036890"/>
           </a:xfrm>
           <a:prstGeom prst="teardrop">
             <a:avLst/>
@@ -3399,22 +3401,943 @@
           <a:p>
             <a:pPr algn="ctr"/>
             <a:r>
-              <a:rPr kumimoji="1" lang="ja-JP" altLang="en-US" sz="3200" b="1" dirty="0" smtClean="0">
+              <a:rPr lang="ja-JP" altLang="en-US" sz="2400" b="1" dirty="0">
                 <a:latin typeface="游ゴシック" panose="020B0400000000000000" pitchFamily="50" charset="-128"/>
                 <a:ea typeface="游ゴシック" panose="020B0400000000000000" pitchFamily="50" charset="-128"/>
               </a:rPr>
               <a:t>森のくまさん</a:t>
             </a:r>
-            <a:endParaRPr kumimoji="1" lang="ja-JP" altLang="en-US" sz="3200" b="1" dirty="0">
+          </a:p>
+        </p:txBody>
+      </p:sp>
+      <p:sp>
+        <p:nvSpPr>
+          <p:cNvPr id="2" name="角丸四角形 1"/>
+          <p:cNvSpPr/>
+          <p:nvPr/>
+        </p:nvSpPr>
+        <p:spPr>
+          <a:xfrm>
+            <a:off x="3179427" y="118989"/>
+            <a:ext cx="5660691" cy="917901"/>
+          </a:xfrm>
+          <a:prstGeom prst="roundRect">
+            <a:avLst/>
+          </a:prstGeom>
+          <a:solidFill>
+            <a:schemeClr val="accent1">
+              <a:alpha val="84706"/>
+            </a:schemeClr>
+          </a:solidFill>
+          <a:ln w="28575">
+            <a:solidFill>
+              <a:schemeClr val="bg1"/>
+            </a:solidFill>
+          </a:ln>
+        </p:spPr>
+        <p:style>
+          <a:lnRef idx="2">
+            <a:schemeClr val="accent1"/>
+          </a:lnRef>
+          <a:fillRef idx="1">
+            <a:schemeClr val="lt1"/>
+          </a:fillRef>
+          <a:effectRef idx="0">
+            <a:schemeClr val="accent1"/>
+          </a:effectRef>
+          <a:fontRef idx="minor">
+            <a:schemeClr val="dk1"/>
+          </a:fontRef>
+        </p:style>
+        <p:txBody>
+          <a:bodyPr rtlCol="0" anchor="ctr"/>
+          <a:lstStyle/>
+          <a:p>
+            <a:r>
+              <a:rPr lang="ja-JP" altLang="en-US" sz="1500" dirty="0">
+                <a:solidFill>
+                  <a:schemeClr val="bg1"/>
+                </a:solidFill>
+              </a:rPr>
+              <a:t> </a:t>
+            </a:r>
+            <a:r>
+              <a:rPr lang="ja-JP" altLang="en-US" sz="1500" dirty="0">
+                <a:solidFill>
+                  <a:schemeClr val="bg1"/>
+                </a:solidFill>
+                <a:latin typeface="游ゴシック" panose="020B0400000000000000" pitchFamily="50" charset="-128"/>
+                <a:ea typeface="游ゴシック" panose="020B0400000000000000" pitchFamily="50" charset="-128"/>
+              </a:rPr>
+              <a:t>選択課題              </a:t>
+            </a:r>
+            <a:r>
+              <a:rPr lang="en-US" altLang="ja-JP" sz="1500" dirty="0">
+                <a:solidFill>
+                  <a:schemeClr val="bg1"/>
+                </a:solidFill>
+                <a:latin typeface="游ゴシック" panose="020B0400000000000000" pitchFamily="50" charset="-128"/>
+                <a:ea typeface="游ゴシック" panose="020B0400000000000000" pitchFamily="50" charset="-128"/>
+              </a:rPr>
+              <a:t>: </a:t>
+            </a:r>
+            <a:r>
+              <a:rPr lang="ja-JP" altLang="en-US" sz="1500" b="1" dirty="0">
+                <a:solidFill>
+                  <a:schemeClr val="accent4">
+                    <a:lumMod val="60000"/>
+                    <a:lumOff val="40000"/>
+                  </a:schemeClr>
+                </a:solidFill>
+                <a:latin typeface="游ゴシック" panose="020B0400000000000000" pitchFamily="50" charset="-128"/>
+                <a:ea typeface="游ゴシック" panose="020B0400000000000000" pitchFamily="50" charset="-128"/>
+              </a:rPr>
+              <a:t>コースを完走する。</a:t>
+            </a:r>
+            <a:endParaRPr lang="en-US" altLang="ja-JP" sz="1500" b="1" dirty="0">
+              <a:solidFill>
+                <a:schemeClr val="accent4">
+                  <a:lumMod val="60000"/>
+                  <a:lumOff val="40000"/>
+                </a:schemeClr>
+              </a:solidFill>
               <a:latin typeface="游ゴシック" panose="020B0400000000000000" pitchFamily="50" charset="-128"/>
               <a:ea typeface="游ゴシック" panose="020B0400000000000000" pitchFamily="50" charset="-128"/>
             </a:endParaRPr>
           </a:p>
+          <a:p>
+            <a:r>
+              <a:rPr lang="ja-JP" altLang="en-US" sz="1500" dirty="0">
+                <a:solidFill>
+                  <a:schemeClr val="bg1"/>
+                </a:solidFill>
+              </a:rPr>
+              <a:t> </a:t>
+            </a:r>
+            <a:r>
+              <a:rPr lang="ja-JP" altLang="en-US" sz="1500" dirty="0">
+                <a:solidFill>
+                  <a:schemeClr val="bg1"/>
+                </a:solidFill>
+                <a:latin typeface="游ゴシック" panose="020B0400000000000000" pitchFamily="50" charset="-128"/>
+                <a:ea typeface="游ゴシック" panose="020B0400000000000000" pitchFamily="50" charset="-128"/>
+              </a:rPr>
+              <a:t>開発目標              </a:t>
+            </a:r>
+            <a:r>
+              <a:rPr lang="en-US" altLang="ja-JP" sz="1500" dirty="0">
+                <a:solidFill>
+                  <a:schemeClr val="bg1"/>
+                </a:solidFill>
+                <a:latin typeface="游ゴシック" panose="020B0400000000000000" pitchFamily="50" charset="-128"/>
+                <a:ea typeface="游ゴシック" panose="020B0400000000000000" pitchFamily="50" charset="-128"/>
+              </a:rPr>
+              <a:t>: </a:t>
+            </a:r>
+            <a:r>
+              <a:rPr lang="ja-JP" altLang="en-US" sz="1500" b="1" dirty="0">
+                <a:solidFill>
+                  <a:schemeClr val="accent4">
+                    <a:lumMod val="60000"/>
+                    <a:lumOff val="40000"/>
+                  </a:schemeClr>
+                </a:solidFill>
+                <a:latin typeface="游ゴシック" panose="020B0400000000000000" pitchFamily="50" charset="-128"/>
+                <a:ea typeface="游ゴシック" panose="020B0400000000000000" pitchFamily="50" charset="-128"/>
+              </a:rPr>
+              <a:t>どんなコースでも変わらない走りを</a:t>
+            </a:r>
+            <a:r>
+              <a:rPr lang="ja-JP" altLang="en-US" b="1" dirty="0">
+                <a:solidFill>
+                  <a:schemeClr val="accent4">
+                    <a:lumMod val="60000"/>
+                    <a:lumOff val="40000"/>
+                  </a:schemeClr>
+                </a:solidFill>
+                <a:latin typeface="游ゴシック" panose="020B0400000000000000" pitchFamily="50" charset="-128"/>
+                <a:ea typeface="游ゴシック" panose="020B0400000000000000" pitchFamily="50" charset="-128"/>
+              </a:rPr>
+              <a:t>。　　　　 </a:t>
+            </a:r>
+            <a:endParaRPr lang="en-US" altLang="ja-JP" b="1" dirty="0">
+              <a:solidFill>
+                <a:schemeClr val="accent4">
+                  <a:lumMod val="60000"/>
+                  <a:lumOff val="40000"/>
+                </a:schemeClr>
+              </a:solidFill>
+              <a:latin typeface="游ゴシック" panose="020B0400000000000000" pitchFamily="50" charset="-128"/>
+              <a:ea typeface="游ゴシック" panose="020B0400000000000000" pitchFamily="50" charset="-128"/>
+            </a:endParaRPr>
+          </a:p>
+          <a:p>
+            <a:r>
+              <a:rPr lang="ja-JP" altLang="en-US" sz="1500" dirty="0">
+                <a:solidFill>
+                  <a:schemeClr val="bg1"/>
+                </a:solidFill>
+                <a:latin typeface="游ゴシック" panose="020B0400000000000000" pitchFamily="50" charset="-128"/>
+                <a:ea typeface="游ゴシック" panose="020B0400000000000000" pitchFamily="50" charset="-128"/>
+              </a:rPr>
+              <a:t>シートコンセプト </a:t>
+            </a:r>
+            <a:r>
+              <a:rPr lang="en-US" altLang="ja-JP" dirty="0">
+                <a:solidFill>
+                  <a:schemeClr val="bg1"/>
+                </a:solidFill>
+                <a:latin typeface="游ゴシック" panose="020B0400000000000000" pitchFamily="50" charset="-128"/>
+                <a:ea typeface="游ゴシック" panose="020B0400000000000000" pitchFamily="50" charset="-128"/>
+              </a:rPr>
+              <a:t>: </a:t>
+            </a:r>
+            <a:r>
+              <a:rPr lang="ja-JP" altLang="en-US" sz="1500" b="1" dirty="0">
+                <a:solidFill>
+                  <a:schemeClr val="accent4">
+                    <a:lumMod val="60000"/>
+                    <a:lumOff val="40000"/>
+                  </a:schemeClr>
+                </a:solidFill>
+                <a:latin typeface="游ゴシック" panose="020B0400000000000000" pitchFamily="50" charset="-128"/>
+                <a:ea typeface="游ゴシック" panose="020B0400000000000000" pitchFamily="50" charset="-128"/>
+              </a:rPr>
+              <a:t>中学生に見せるつもりで。</a:t>
+            </a:r>
+          </a:p>
+        </p:txBody>
+      </p:sp>
+      <p:sp>
+        <p:nvSpPr>
+          <p:cNvPr id="3" name="正方形/長方形 2"/>
+          <p:cNvSpPr/>
+          <p:nvPr/>
+        </p:nvSpPr>
+        <p:spPr>
+          <a:xfrm>
+            <a:off x="10426" y="1171890"/>
+            <a:ext cx="2980766" cy="3577530"/>
+          </a:xfrm>
+          <a:prstGeom prst="rect">
+            <a:avLst/>
+          </a:prstGeom>
+          <a:solidFill>
+            <a:srgbClr val="FFFFFF">
+              <a:alpha val="80000"/>
+            </a:srgbClr>
+          </a:solidFill>
+          <a:ln w="38100">
+            <a:solidFill>
+              <a:schemeClr val="accent1"/>
+            </a:solidFill>
+            <a:prstDash val="dash"/>
+          </a:ln>
+        </p:spPr>
+        <p:style>
+          <a:lnRef idx="2">
+            <a:schemeClr val="accent1">
+              <a:shade val="50000"/>
+            </a:schemeClr>
+          </a:lnRef>
+          <a:fillRef idx="1">
+            <a:schemeClr val="accent1"/>
+          </a:fillRef>
+          <a:effectRef idx="0">
+            <a:schemeClr val="accent1"/>
+          </a:effectRef>
+          <a:fontRef idx="minor">
+            <a:schemeClr val="lt1"/>
+          </a:fontRef>
+        </p:style>
+        <p:txBody>
+          <a:bodyPr rtlCol="0" anchor="t"/>
+          <a:lstStyle/>
+          <a:p>
+            <a:endParaRPr lang="en-US" altLang="ja-JP" sz="1350" dirty="0">
+              <a:solidFill>
+                <a:schemeClr val="bg1"/>
+              </a:solidFill>
+              <a:latin typeface="游ゴシック" panose="020B0400000000000000" pitchFamily="50" charset="-128"/>
+              <a:ea typeface="游ゴシック" panose="020B0400000000000000" pitchFamily="50" charset="-128"/>
+            </a:endParaRPr>
+          </a:p>
+          <a:p>
+            <a:r>
+              <a:rPr lang="ja-JP" altLang="en-US" sz="1350" b="1" dirty="0">
+                <a:solidFill>
+                  <a:schemeClr val="accent1"/>
+                </a:solidFill>
+                <a:latin typeface="游ゴシック" panose="020B0400000000000000" pitchFamily="50" charset="-128"/>
+                <a:ea typeface="游ゴシック" panose="020B0400000000000000" pitchFamily="50" charset="-128"/>
+              </a:rPr>
+              <a:t>走行戦略の設定</a:t>
+            </a:r>
+            <a:endParaRPr lang="en-US" altLang="ja-JP" sz="1350" b="1" dirty="0">
+              <a:solidFill>
+                <a:schemeClr val="accent1"/>
+              </a:solidFill>
+              <a:latin typeface="游ゴシック" panose="020B0400000000000000" pitchFamily="50" charset="-128"/>
+              <a:ea typeface="游ゴシック" panose="020B0400000000000000" pitchFamily="50" charset="-128"/>
+            </a:endParaRPr>
+          </a:p>
+          <a:p>
+            <a:r>
+              <a:rPr lang="ja-JP" altLang="en-US" sz="1050" dirty="0">
+                <a:solidFill>
+                  <a:schemeClr val="tx1"/>
+                </a:solidFill>
+                <a:latin typeface="游ゴシック" panose="020B0400000000000000" pitchFamily="50" charset="-128"/>
+                <a:ea typeface="游ゴシック" panose="020B0400000000000000" pitchFamily="50" charset="-128"/>
+              </a:rPr>
+              <a:t>開発目標を達成するために、必要となることを考えました</a:t>
+            </a:r>
+            <a:r>
+              <a:rPr lang="ja-JP" altLang="en-US" sz="1050" dirty="0" smtClean="0">
+                <a:solidFill>
+                  <a:schemeClr val="tx1"/>
+                </a:solidFill>
+                <a:latin typeface="游ゴシック" panose="020B0400000000000000" pitchFamily="50" charset="-128"/>
+                <a:ea typeface="游ゴシック" panose="020B0400000000000000" pitchFamily="50" charset="-128"/>
+              </a:rPr>
+              <a:t>。</a:t>
+            </a:r>
+            <a:endParaRPr lang="en-US" altLang="ja-JP" sz="1050" dirty="0" smtClean="0">
+              <a:solidFill>
+                <a:schemeClr val="tx1"/>
+              </a:solidFill>
+              <a:latin typeface="游ゴシック" panose="020B0400000000000000" pitchFamily="50" charset="-128"/>
+              <a:ea typeface="游ゴシック" panose="020B0400000000000000" pitchFamily="50" charset="-128"/>
+            </a:endParaRPr>
+          </a:p>
+          <a:p>
+            <a:endParaRPr lang="en-US" altLang="ja-JP" sz="1050" dirty="0" smtClean="0">
+              <a:solidFill>
+                <a:schemeClr val="tx1"/>
+              </a:solidFill>
+              <a:latin typeface="游ゴシック" panose="020B0400000000000000" pitchFamily="50" charset="-128"/>
+              <a:ea typeface="游ゴシック" panose="020B0400000000000000" pitchFamily="50" charset="-128"/>
+            </a:endParaRPr>
+          </a:p>
+          <a:p>
+            <a:endParaRPr lang="en-US" altLang="ja-JP" sz="1050" dirty="0">
+              <a:solidFill>
+                <a:schemeClr val="tx1"/>
+              </a:solidFill>
+              <a:latin typeface="游ゴシック" panose="020B0400000000000000" pitchFamily="50" charset="-128"/>
+              <a:ea typeface="游ゴシック" panose="020B0400000000000000" pitchFamily="50" charset="-128"/>
+            </a:endParaRPr>
+          </a:p>
+          <a:p>
+            <a:endParaRPr lang="en-US" altLang="ja-JP" sz="1050" dirty="0">
+              <a:solidFill>
+                <a:schemeClr val="tx1"/>
+              </a:solidFill>
+              <a:latin typeface="游ゴシック" panose="020B0400000000000000" pitchFamily="50" charset="-128"/>
+              <a:ea typeface="游ゴシック" panose="020B0400000000000000" pitchFamily="50" charset="-128"/>
+            </a:endParaRPr>
+          </a:p>
+          <a:p>
+            <a:endParaRPr lang="en-US" altLang="ja-JP" sz="1050" dirty="0">
+              <a:solidFill>
+                <a:schemeClr val="tx1"/>
+              </a:solidFill>
+              <a:latin typeface="游ゴシック" panose="020B0400000000000000" pitchFamily="50" charset="-128"/>
+              <a:ea typeface="游ゴシック" panose="020B0400000000000000" pitchFamily="50" charset="-128"/>
+            </a:endParaRPr>
+          </a:p>
+          <a:p>
+            <a:endParaRPr lang="en-US" altLang="ja-JP" sz="1050" dirty="0">
+              <a:solidFill>
+                <a:schemeClr val="tx1"/>
+              </a:solidFill>
+              <a:latin typeface="游ゴシック" panose="020B0400000000000000" pitchFamily="50" charset="-128"/>
+              <a:ea typeface="游ゴシック" panose="020B0400000000000000" pitchFamily="50" charset="-128"/>
+            </a:endParaRPr>
+          </a:p>
+          <a:p>
+            <a:endParaRPr lang="en-US" altLang="ja-JP" sz="1050" dirty="0">
+              <a:solidFill>
+                <a:schemeClr val="tx1"/>
+              </a:solidFill>
+              <a:latin typeface="游ゴシック" panose="020B0400000000000000" pitchFamily="50" charset="-128"/>
+              <a:ea typeface="游ゴシック" panose="020B0400000000000000" pitchFamily="50" charset="-128"/>
+            </a:endParaRPr>
+          </a:p>
+          <a:p>
+            <a:endParaRPr lang="en-US" altLang="ja-JP" sz="1050" dirty="0">
+              <a:solidFill>
+                <a:schemeClr val="tx1"/>
+              </a:solidFill>
+              <a:latin typeface="游ゴシック" panose="020B0400000000000000" pitchFamily="50" charset="-128"/>
+              <a:ea typeface="游ゴシック" panose="020B0400000000000000" pitchFamily="50" charset="-128"/>
+            </a:endParaRPr>
+          </a:p>
+          <a:p>
+            <a:endParaRPr lang="en-US" altLang="ja-JP" sz="1050" dirty="0">
+              <a:solidFill>
+                <a:schemeClr val="tx1"/>
+              </a:solidFill>
+              <a:latin typeface="游ゴシック" panose="020B0400000000000000" pitchFamily="50" charset="-128"/>
+              <a:ea typeface="游ゴシック" panose="020B0400000000000000" pitchFamily="50" charset="-128"/>
+            </a:endParaRPr>
+          </a:p>
+          <a:p>
+            <a:r>
+              <a:rPr lang="ja-JP" altLang="en-US" sz="1050" dirty="0">
+                <a:solidFill>
+                  <a:schemeClr val="tx1"/>
+                </a:solidFill>
+                <a:latin typeface="游ゴシック" panose="020B0400000000000000" pitchFamily="50" charset="-128"/>
+                <a:ea typeface="游ゴシック" panose="020B0400000000000000" pitchFamily="50" charset="-128"/>
+              </a:rPr>
+              <a:t>たったこれだけです。</a:t>
+            </a:r>
+            <a:endParaRPr lang="en-US" altLang="ja-JP" sz="1050" dirty="0">
+              <a:solidFill>
+                <a:schemeClr val="tx1"/>
+              </a:solidFill>
+              <a:latin typeface="游ゴシック" panose="020B0400000000000000" pitchFamily="50" charset="-128"/>
+              <a:ea typeface="游ゴシック" panose="020B0400000000000000" pitchFamily="50" charset="-128"/>
+            </a:endParaRPr>
+          </a:p>
+          <a:p>
+            <a:r>
+              <a:rPr lang="ja-JP" altLang="en-US" sz="1050" dirty="0">
+                <a:solidFill>
+                  <a:schemeClr val="tx1"/>
+                </a:solidFill>
+                <a:latin typeface="游ゴシック" panose="020B0400000000000000" pitchFamily="50" charset="-128"/>
+                <a:ea typeface="游ゴシック" panose="020B0400000000000000" pitchFamily="50" charset="-128"/>
+              </a:rPr>
+              <a:t>これだけで語れると判断しました。</a:t>
+            </a:r>
+          </a:p>
+        </p:txBody>
+      </p:sp>
+      <p:graphicFrame>
+        <p:nvGraphicFramePr>
+          <p:cNvPr id="4" name="表 3"/>
+          <p:cNvGraphicFramePr>
+            <a:graphicFrameLocks noGrp="1"/>
+          </p:cNvGraphicFramePr>
+          <p:nvPr>
+            <p:extLst>
+              <p:ext uri="{D42A27DB-BD31-4B8C-83A1-F6EECF244321}">
+                <p14:modId xmlns:p14="http://schemas.microsoft.com/office/powerpoint/2010/main" val="2861900065"/>
+              </p:ext>
+            </p:extLst>
+          </p:nvPr>
+        </p:nvGraphicFramePr>
+        <p:xfrm>
+          <a:off x="269502" y="2065470"/>
+          <a:ext cx="2462614" cy="1003836"/>
+        </p:xfrm>
+        <a:graphic>
+          <a:graphicData uri="http://schemas.openxmlformats.org/drawingml/2006/table">
+            <a:tbl>
+              <a:tblPr firstRow="1">
+                <a:effectLst>
+                  <a:outerShdw blurRad="50800" dist="38100" dir="5400000" algn="t" rotWithShape="0">
+                    <a:prstClr val="black">
+                      <a:alpha val="40000"/>
+                    </a:prstClr>
+                  </a:outerShdw>
+                </a:effectLst>
+                <a:tableStyleId>{5C22544A-7EE6-4342-B048-85BDC9FD1C3A}</a:tableStyleId>
+              </a:tblPr>
+              <a:tblGrid>
+                <a:gridCol w="1231307"/>
+                <a:gridCol w="1231307"/>
+              </a:tblGrid>
+              <a:tr h="320040">
+                <a:tc>
+                  <a:txBody>
+                    <a:bodyPr/>
+                    <a:lstStyle/>
+                    <a:p>
+                      <a:pPr algn="ctr"/>
+                      <a:r>
+                        <a:rPr kumimoji="1" lang="ja-JP" altLang="en-US" sz="800" dirty="0" smtClean="0">
+                          <a:latin typeface="游ゴシック" panose="020B0400000000000000" pitchFamily="50" charset="-128"/>
+                          <a:ea typeface="游ゴシック" panose="020B0400000000000000" pitchFamily="50" charset="-128"/>
+                        </a:rPr>
+                        <a:t>開発目標の達成に必要なこと</a:t>
+                      </a:r>
+                      <a:endParaRPr kumimoji="1" lang="ja-JP" altLang="en-US" sz="800" dirty="0">
+                        <a:latin typeface="游ゴシック" panose="020B0400000000000000" pitchFamily="50" charset="-128"/>
+                        <a:ea typeface="游ゴシック" panose="020B0400000000000000" pitchFamily="50" charset="-128"/>
+                      </a:endParaRPr>
+                    </a:p>
+                  </a:txBody>
+                  <a:tcPr marL="68580" marR="68580" marT="34290" marB="34290" anchor="ctr"/>
+                </a:tc>
+                <a:tc>
+                  <a:txBody>
+                    <a:bodyPr/>
+                    <a:lstStyle/>
+                    <a:p>
+                      <a:pPr lvl="0" algn="ctr"/>
+                      <a:r>
+                        <a:rPr kumimoji="1" lang="ja-JP" altLang="en-US" sz="800" dirty="0" smtClean="0">
+                          <a:latin typeface="游ゴシック" panose="020B0400000000000000" pitchFamily="50" charset="-128"/>
+                          <a:ea typeface="游ゴシック" panose="020B0400000000000000" pitchFamily="50" charset="-128"/>
+                        </a:rPr>
+                        <a:t>走行戦略</a:t>
+                      </a:r>
+                      <a:endParaRPr kumimoji="1" lang="ja-JP" altLang="en-US" sz="800" dirty="0">
+                        <a:latin typeface="游ゴシック" panose="020B0400000000000000" pitchFamily="50" charset="-128"/>
+                        <a:ea typeface="游ゴシック" panose="020B0400000000000000" pitchFamily="50" charset="-128"/>
+                      </a:endParaRPr>
+                    </a:p>
+                  </a:txBody>
+                  <a:tcPr marL="68580" marR="68580" marT="34290" marB="34290" anchor="ctr"/>
+                </a:tc>
+              </a:tr>
+              <a:tr h="341898">
+                <a:tc>
+                  <a:txBody>
+                    <a:bodyPr/>
+                    <a:lstStyle/>
+                    <a:p>
+                      <a:r>
+                        <a:rPr kumimoji="1" lang="en-US" altLang="ja-JP" sz="800" b="1" dirty="0" smtClean="0"/>
+                        <a:t>A.</a:t>
+                      </a:r>
+                    </a:p>
+                    <a:p>
+                      <a:r>
+                        <a:rPr kumimoji="1" lang="en-US" altLang="ja-JP" sz="800" b="1" dirty="0" smtClean="0"/>
+                        <a:t>100%</a:t>
+                      </a:r>
+                      <a:r>
+                        <a:rPr kumimoji="1" lang="ja-JP" altLang="en-US" sz="800" b="1" dirty="0" smtClean="0"/>
+                        <a:t>完走できる。</a:t>
+                      </a:r>
+                      <a:endParaRPr kumimoji="1" lang="ja-JP" altLang="en-US" sz="800" b="1" dirty="0"/>
+                    </a:p>
+                  </a:txBody>
+                  <a:tcPr marL="68580" marR="68580" marT="34290" marB="34290">
+                    <a:solidFill>
+                      <a:srgbClr val="FFCCFF"/>
+                    </a:solidFill>
+                  </a:tcPr>
+                </a:tc>
+                <a:tc>
+                  <a:txBody>
+                    <a:bodyPr/>
+                    <a:lstStyle/>
+                    <a:p>
+                      <a:r>
+                        <a:rPr kumimoji="1" lang="en-US" altLang="ja-JP" sz="800" b="1" dirty="0" smtClean="0"/>
+                        <a:t>A – 1.</a:t>
+                      </a:r>
+                    </a:p>
+                    <a:p>
+                      <a:r>
+                        <a:rPr kumimoji="1" lang="ja-JP" altLang="en-US" sz="800" b="1" dirty="0" smtClean="0"/>
+                        <a:t>ラインにそって走行する。</a:t>
+                      </a:r>
+                      <a:endParaRPr kumimoji="1" lang="ja-JP" altLang="en-US" sz="800" b="1" dirty="0"/>
+                    </a:p>
+                  </a:txBody>
+                  <a:tcPr marL="68580" marR="68580" marT="34290" marB="34290">
+                    <a:solidFill>
+                      <a:srgbClr val="FFCCFF"/>
+                    </a:solidFill>
+                  </a:tcPr>
+                </a:tc>
+              </a:tr>
+              <a:tr h="341898">
+                <a:tc>
+                  <a:txBody>
+                    <a:bodyPr/>
+                    <a:lstStyle/>
+                    <a:p>
+                      <a:r>
+                        <a:rPr kumimoji="1" lang="en-US" altLang="ja-JP" sz="800" b="1" dirty="0" smtClean="0"/>
+                        <a:t>B.</a:t>
+                      </a:r>
+                    </a:p>
+                    <a:p>
+                      <a:r>
+                        <a:rPr kumimoji="1" lang="ja-JP" altLang="en-US" sz="800" b="1" dirty="0" smtClean="0"/>
+                        <a:t>安定したスタートができる。</a:t>
+                      </a:r>
+                      <a:endParaRPr kumimoji="1" lang="ja-JP" altLang="en-US" sz="800" b="1" dirty="0"/>
+                    </a:p>
+                  </a:txBody>
+                  <a:tcPr marL="68580" marR="68580" marT="34290" marB="34290">
+                    <a:solidFill>
+                      <a:srgbClr val="CCECFF"/>
+                    </a:solidFill>
+                  </a:tcPr>
+                </a:tc>
+                <a:tc>
+                  <a:txBody>
+                    <a:bodyPr/>
+                    <a:lstStyle/>
+                    <a:p>
+                      <a:r>
+                        <a:rPr kumimoji="1" lang="en-US" altLang="ja-JP" sz="800" b="1" dirty="0" smtClean="0"/>
+                        <a:t>B – 1.</a:t>
+                      </a:r>
+                    </a:p>
+                    <a:p>
+                      <a:pPr marL="0" marR="0" lvl="0" indent="0" algn="l" defTabSz="914400" rtl="0" eaLnBrk="1" fontAlgn="auto" latinLnBrk="0" hangingPunct="1">
+                        <a:lnSpc>
+                          <a:spcPct val="100000"/>
+                        </a:lnSpc>
+                        <a:spcBef>
+                          <a:spcPts val="0"/>
+                        </a:spcBef>
+                        <a:spcAft>
+                          <a:spcPts val="0"/>
+                        </a:spcAft>
+                        <a:buClrTx/>
+                        <a:buSzTx/>
+                        <a:buFontTx/>
+                        <a:buNone/>
+                        <a:tabLst/>
+                        <a:defRPr/>
+                      </a:pPr>
+                      <a:r>
+                        <a:rPr kumimoji="1" lang="en-US" altLang="ja-JP" sz="800" b="1" dirty="0" smtClean="0"/>
+                        <a:t>Bluetooth</a:t>
+                      </a:r>
+                      <a:r>
+                        <a:rPr kumimoji="1" lang="ja-JP" altLang="en-US" sz="800" b="1" dirty="0" smtClean="0"/>
+                        <a:t>によるスタート。</a:t>
+                      </a:r>
+                    </a:p>
+                  </a:txBody>
+                  <a:tcPr marL="68580" marR="68580" marT="34290" marB="34290">
+                    <a:solidFill>
+                      <a:srgbClr val="CCECFF"/>
+                    </a:solidFill>
+                  </a:tcPr>
+                </a:tc>
+              </a:tr>
+            </a:tbl>
+          </a:graphicData>
+        </a:graphic>
+      </p:graphicFrame>
+      <p:sp>
+        <p:nvSpPr>
+          <p:cNvPr id="5" name="正方形/長方形 4"/>
+          <p:cNvSpPr/>
+          <p:nvPr/>
+        </p:nvSpPr>
+        <p:spPr>
+          <a:xfrm>
+            <a:off x="3100845" y="1171890"/>
+            <a:ext cx="6023883" cy="5547317"/>
+          </a:xfrm>
+          <a:prstGeom prst="rect">
+            <a:avLst/>
+          </a:prstGeom>
+          <a:solidFill>
+            <a:srgbClr val="FFFFFF">
+              <a:alpha val="80000"/>
+            </a:srgbClr>
+          </a:solidFill>
+          <a:ln w="38100">
+            <a:solidFill>
+              <a:schemeClr val="accent1"/>
+            </a:solidFill>
+            <a:prstDash val="dash"/>
+          </a:ln>
+        </p:spPr>
+        <p:style>
+          <a:lnRef idx="2">
+            <a:schemeClr val="accent1">
+              <a:shade val="50000"/>
+            </a:schemeClr>
+          </a:lnRef>
+          <a:fillRef idx="1">
+            <a:schemeClr val="accent1"/>
+          </a:fillRef>
+          <a:effectRef idx="0">
+            <a:schemeClr val="accent1"/>
+          </a:effectRef>
+          <a:fontRef idx="minor">
+            <a:schemeClr val="lt1"/>
+          </a:fontRef>
+        </p:style>
+        <p:txBody>
+          <a:bodyPr rtlCol="0" anchor="t"/>
+          <a:lstStyle/>
+          <a:p>
+            <a:endParaRPr lang="en-US" altLang="ja-JP" sz="1350" b="1" dirty="0">
+              <a:solidFill>
+                <a:schemeClr val="accent1"/>
+              </a:solidFill>
+              <a:latin typeface="游ゴシック" panose="020B0400000000000000" pitchFamily="50" charset="-128"/>
+              <a:ea typeface="游ゴシック" panose="020B0400000000000000" pitchFamily="50" charset="-128"/>
+            </a:endParaRPr>
+          </a:p>
+          <a:p>
+            <a:r>
+              <a:rPr lang="ja-JP" altLang="en-US" sz="1350" b="1" dirty="0">
+                <a:solidFill>
+                  <a:schemeClr val="accent1"/>
+                </a:solidFill>
+                <a:latin typeface="游ゴシック" panose="020B0400000000000000" pitchFamily="50" charset="-128"/>
+                <a:ea typeface="游ゴシック" panose="020B0400000000000000" pitchFamily="50" charset="-128"/>
+              </a:rPr>
+              <a:t>走行戦略の概要</a:t>
+            </a:r>
+            <a:endParaRPr lang="en-US" altLang="ja-JP" sz="1350" b="1" dirty="0">
+              <a:solidFill>
+                <a:schemeClr val="accent1"/>
+              </a:solidFill>
+              <a:latin typeface="游ゴシック" panose="020B0400000000000000" pitchFamily="50" charset="-128"/>
+              <a:ea typeface="游ゴシック" panose="020B0400000000000000" pitchFamily="50" charset="-128"/>
+            </a:endParaRPr>
+          </a:p>
+          <a:p>
+            <a:r>
+              <a:rPr lang="en-US" altLang="ja-JP" sz="1050" b="1" dirty="0">
+                <a:solidFill>
+                  <a:srgbClr val="C00000"/>
+                </a:solidFill>
+                <a:latin typeface="游ゴシック" panose="020B0400000000000000" pitchFamily="50" charset="-128"/>
+                <a:ea typeface="游ゴシック" panose="020B0400000000000000" pitchFamily="50" charset="-128"/>
+              </a:rPr>
+              <a:t>A – 1. </a:t>
+            </a:r>
+            <a:r>
+              <a:rPr lang="ja-JP" altLang="en-US" sz="1050" b="1" dirty="0">
+                <a:solidFill>
+                  <a:srgbClr val="C00000"/>
+                </a:solidFill>
+                <a:latin typeface="游ゴシック" panose="020B0400000000000000" pitchFamily="50" charset="-128"/>
+                <a:ea typeface="游ゴシック" panose="020B0400000000000000" pitchFamily="50" charset="-128"/>
+              </a:rPr>
+              <a:t>ラインにそって走行する。</a:t>
+            </a:r>
+            <a:endParaRPr lang="en-US" altLang="ja-JP" sz="1050" b="1" dirty="0">
+              <a:solidFill>
+                <a:srgbClr val="C00000"/>
+              </a:solidFill>
+              <a:latin typeface="游ゴシック" panose="020B0400000000000000" pitchFamily="50" charset="-128"/>
+              <a:ea typeface="游ゴシック" panose="020B0400000000000000" pitchFamily="50" charset="-128"/>
+            </a:endParaRPr>
+          </a:p>
+          <a:p>
+            <a:endParaRPr lang="en-US" altLang="ja-JP" sz="1050" dirty="0">
+              <a:solidFill>
+                <a:srgbClr val="C00000"/>
+              </a:solidFill>
+              <a:latin typeface="游ゴシック" panose="020B0400000000000000" pitchFamily="50" charset="-128"/>
+              <a:ea typeface="游ゴシック" panose="020B0400000000000000" pitchFamily="50" charset="-128"/>
+            </a:endParaRPr>
+          </a:p>
+          <a:p>
+            <a:r>
+              <a:rPr lang="en-US" altLang="ja-JP" sz="1050" u="sng" dirty="0">
+                <a:solidFill>
+                  <a:srgbClr val="C00000"/>
+                </a:solidFill>
+                <a:latin typeface="游ゴシック" panose="020B0400000000000000" pitchFamily="50" charset="-128"/>
+                <a:ea typeface="游ゴシック" panose="020B0400000000000000" pitchFamily="50" charset="-128"/>
+              </a:rPr>
+              <a:t>1. </a:t>
+            </a:r>
+            <a:r>
+              <a:rPr lang="ja-JP" altLang="en-US" sz="1050" u="sng" dirty="0">
+                <a:solidFill>
+                  <a:srgbClr val="C00000"/>
+                </a:solidFill>
+                <a:latin typeface="游ゴシック" panose="020B0400000000000000" pitchFamily="50" charset="-128"/>
+                <a:ea typeface="游ゴシック" panose="020B0400000000000000" pitchFamily="50" charset="-128"/>
+              </a:rPr>
+              <a:t>ライントレース</a:t>
+            </a:r>
+            <a:endParaRPr lang="en-US" altLang="ja-JP" sz="1050" u="sng" dirty="0">
+              <a:solidFill>
+                <a:srgbClr val="C00000"/>
+              </a:solidFill>
+              <a:latin typeface="游ゴシック" panose="020B0400000000000000" pitchFamily="50" charset="-128"/>
+              <a:ea typeface="游ゴシック" panose="020B0400000000000000" pitchFamily="50" charset="-128"/>
+            </a:endParaRPr>
+          </a:p>
+          <a:p>
+            <a:endParaRPr lang="en-US" altLang="ja-JP" sz="825" dirty="0">
+              <a:solidFill>
+                <a:schemeClr val="tx1"/>
+              </a:solidFill>
+              <a:latin typeface="游ゴシック" panose="020B0400000000000000" pitchFamily="50" charset="-128"/>
+              <a:ea typeface="游ゴシック" panose="020B0400000000000000" pitchFamily="50" charset="-128"/>
+            </a:endParaRPr>
+          </a:p>
+          <a:p>
+            <a:r>
+              <a:rPr lang="ja-JP" altLang="en-US" sz="825" dirty="0">
+                <a:solidFill>
+                  <a:schemeClr val="tx1"/>
+                </a:solidFill>
+                <a:latin typeface="游ゴシック" panose="020B0400000000000000" pitchFamily="50" charset="-128"/>
+                <a:ea typeface="游ゴシック" panose="020B0400000000000000" pitchFamily="50" charset="-128"/>
+              </a:rPr>
+              <a:t>ゴールまでたどり着くのにも、</a:t>
+            </a:r>
+            <a:endParaRPr lang="en-US" altLang="ja-JP" sz="825" dirty="0">
+              <a:solidFill>
+                <a:schemeClr val="tx1"/>
+              </a:solidFill>
+              <a:latin typeface="游ゴシック" panose="020B0400000000000000" pitchFamily="50" charset="-128"/>
+              <a:ea typeface="游ゴシック" panose="020B0400000000000000" pitchFamily="50" charset="-128"/>
+            </a:endParaRPr>
+          </a:p>
+          <a:p>
+            <a:r>
+              <a:rPr lang="ja-JP" altLang="en-US" sz="825" dirty="0">
+                <a:solidFill>
+                  <a:schemeClr val="tx1"/>
+                </a:solidFill>
+                <a:latin typeface="游ゴシック" panose="020B0400000000000000" pitchFamily="50" charset="-128"/>
+                <a:ea typeface="游ゴシック" panose="020B0400000000000000" pitchFamily="50" charset="-128"/>
+              </a:rPr>
+              <a:t>どんなコースでも走れるようにするにも、</a:t>
+            </a:r>
+            <a:endParaRPr lang="en-US" altLang="ja-JP" sz="825" dirty="0">
+              <a:solidFill>
+                <a:schemeClr val="tx1"/>
+              </a:solidFill>
+              <a:latin typeface="游ゴシック" panose="020B0400000000000000" pitchFamily="50" charset="-128"/>
+              <a:ea typeface="游ゴシック" panose="020B0400000000000000" pitchFamily="50" charset="-128"/>
+            </a:endParaRPr>
+          </a:p>
+          <a:p>
+            <a:r>
+              <a:rPr lang="ja-JP" altLang="en-US" sz="825" dirty="0">
+                <a:solidFill>
+                  <a:schemeClr val="tx1"/>
+                </a:solidFill>
+                <a:latin typeface="游ゴシック" panose="020B0400000000000000" pitchFamily="50" charset="-128"/>
+                <a:ea typeface="游ゴシック" panose="020B0400000000000000" pitchFamily="50" charset="-128"/>
+              </a:rPr>
+              <a:t>必要不可欠なものです。</a:t>
+            </a:r>
+            <a:endParaRPr lang="en-US" altLang="ja-JP" sz="825" dirty="0">
+              <a:solidFill>
+                <a:schemeClr val="tx1"/>
+              </a:solidFill>
+              <a:latin typeface="游ゴシック" panose="020B0400000000000000" pitchFamily="50" charset="-128"/>
+              <a:ea typeface="游ゴシック" panose="020B0400000000000000" pitchFamily="50" charset="-128"/>
+            </a:endParaRPr>
+          </a:p>
+          <a:p>
+            <a:endParaRPr lang="en-US" altLang="ja-JP" sz="825" dirty="0">
+              <a:solidFill>
+                <a:schemeClr val="tx1"/>
+              </a:solidFill>
+              <a:latin typeface="游ゴシック" panose="020B0400000000000000" pitchFamily="50" charset="-128"/>
+              <a:ea typeface="游ゴシック" panose="020B0400000000000000" pitchFamily="50" charset="-128"/>
+            </a:endParaRPr>
+          </a:p>
+          <a:p>
+            <a:r>
+              <a:rPr lang="ja-JP" altLang="en-US" sz="825" dirty="0">
+                <a:solidFill>
+                  <a:schemeClr val="tx1"/>
+                </a:solidFill>
+                <a:latin typeface="游ゴシック" panose="020B0400000000000000" pitchFamily="50" charset="-128"/>
+                <a:ea typeface="游ゴシック" panose="020B0400000000000000" pitchFamily="50" charset="-128"/>
+              </a:rPr>
+              <a:t>ライントレースには、</a:t>
+            </a:r>
+            <a:endParaRPr lang="en-US" altLang="ja-JP" sz="825" dirty="0">
+              <a:solidFill>
+                <a:schemeClr val="tx1"/>
+              </a:solidFill>
+              <a:latin typeface="游ゴシック" panose="020B0400000000000000" pitchFamily="50" charset="-128"/>
+              <a:ea typeface="游ゴシック" panose="020B0400000000000000" pitchFamily="50" charset="-128"/>
+            </a:endParaRPr>
+          </a:p>
+          <a:p>
+            <a:r>
+              <a:rPr lang="ja-JP" altLang="en-US" sz="825" dirty="0">
+                <a:solidFill>
+                  <a:schemeClr val="tx1"/>
+                </a:solidFill>
+                <a:latin typeface="游ゴシック" panose="020B0400000000000000" pitchFamily="50" charset="-128"/>
+                <a:ea typeface="游ゴシック" panose="020B0400000000000000" pitchFamily="50" charset="-128"/>
+              </a:rPr>
+              <a:t>・</a:t>
+            </a:r>
+            <a:r>
+              <a:rPr lang="en-US" altLang="ja-JP" sz="825" dirty="0">
+                <a:solidFill>
+                  <a:schemeClr val="tx1"/>
+                </a:solidFill>
+                <a:latin typeface="游ゴシック" panose="020B0400000000000000" pitchFamily="50" charset="-128"/>
+                <a:ea typeface="游ゴシック" panose="020B0400000000000000" pitchFamily="50" charset="-128"/>
+              </a:rPr>
+              <a:t>PID</a:t>
+            </a:r>
+            <a:r>
+              <a:rPr lang="ja-JP" altLang="en-US" sz="825" dirty="0">
+                <a:solidFill>
+                  <a:schemeClr val="tx1"/>
+                </a:solidFill>
+                <a:latin typeface="游ゴシック" panose="020B0400000000000000" pitchFamily="50" charset="-128"/>
+                <a:ea typeface="游ゴシック" panose="020B0400000000000000" pitchFamily="50" charset="-128"/>
+              </a:rPr>
+              <a:t>制御</a:t>
+            </a:r>
+            <a:endParaRPr lang="en-US" altLang="ja-JP" sz="825" dirty="0">
+              <a:solidFill>
+                <a:schemeClr val="tx1"/>
+              </a:solidFill>
+              <a:latin typeface="游ゴシック" panose="020B0400000000000000" pitchFamily="50" charset="-128"/>
+              <a:ea typeface="游ゴシック" panose="020B0400000000000000" pitchFamily="50" charset="-128"/>
+            </a:endParaRPr>
+          </a:p>
+          <a:p>
+            <a:r>
+              <a:rPr lang="ja-JP" altLang="en-US" sz="825" dirty="0">
+                <a:solidFill>
+                  <a:schemeClr val="tx1"/>
+                </a:solidFill>
+                <a:latin typeface="游ゴシック" panose="020B0400000000000000" pitchFamily="50" charset="-128"/>
+                <a:ea typeface="游ゴシック" panose="020B0400000000000000" pitchFamily="50" charset="-128"/>
+              </a:rPr>
+              <a:t>・速度調整</a:t>
+            </a:r>
+            <a:endParaRPr lang="en-US" altLang="ja-JP" sz="825" dirty="0">
+              <a:solidFill>
+                <a:schemeClr val="tx1"/>
+              </a:solidFill>
+              <a:latin typeface="游ゴシック" panose="020B0400000000000000" pitchFamily="50" charset="-128"/>
+              <a:ea typeface="游ゴシック" panose="020B0400000000000000" pitchFamily="50" charset="-128"/>
+            </a:endParaRPr>
+          </a:p>
+          <a:p>
+            <a:r>
+              <a:rPr lang="ja-JP" altLang="en-US" sz="825" dirty="0">
+                <a:solidFill>
+                  <a:schemeClr val="tx1"/>
+                </a:solidFill>
+                <a:latin typeface="游ゴシック" panose="020B0400000000000000" pitchFamily="50" charset="-128"/>
+                <a:ea typeface="游ゴシック" panose="020B0400000000000000" pitchFamily="50" charset="-128"/>
+              </a:rPr>
+              <a:t>・環境光対策</a:t>
+            </a:r>
+            <a:endParaRPr lang="en-US" altLang="ja-JP" sz="825" dirty="0">
+              <a:solidFill>
+                <a:schemeClr val="tx1"/>
+              </a:solidFill>
+              <a:latin typeface="游ゴシック" panose="020B0400000000000000" pitchFamily="50" charset="-128"/>
+              <a:ea typeface="游ゴシック" panose="020B0400000000000000" pitchFamily="50" charset="-128"/>
+            </a:endParaRPr>
+          </a:p>
         </p:txBody>
       </p:sp>
       <p:pic>
         <p:nvPicPr>
-          <p:cNvPr id="35" name="図 34"/>
+          <p:cNvPr id="29" name="図 28"/>
           <p:cNvPicPr>
             <a:picLocks noChangeAspect="1"/>
           </p:cNvPicPr>
@@ -3434,8 +4357,8 @@
         </p:blipFill>
         <p:spPr>
           <a:xfrm>
-            <a:off x="2548255" y="5418000"/>
-            <a:ext cx="1440000" cy="1440000"/>
+            <a:off x="1911191" y="5778000"/>
+            <a:ext cx="1080000" cy="1080000"/>
           </a:xfrm>
           <a:prstGeom prst="rect">
             <a:avLst/>
@@ -3444,7 +4367,7 @@
       </p:pic>
       <p:pic>
         <p:nvPicPr>
-          <p:cNvPr id="34" name="図 33"/>
+          <p:cNvPr id="30" name="図 29"/>
           <p:cNvPicPr>
             <a:picLocks noChangeAspect="1"/>
           </p:cNvPicPr>
@@ -3464,8 +4387,8 @@
         </p:blipFill>
         <p:spPr>
           <a:xfrm>
-            <a:off x="2232205" y="5418000"/>
-            <a:ext cx="1440000" cy="1440000"/>
+            <a:off x="1674154" y="5778000"/>
+            <a:ext cx="1080000" cy="1080000"/>
           </a:xfrm>
           <a:prstGeom prst="rect">
             <a:avLst/>
@@ -3474,7 +4397,7 @@
       </p:pic>
       <p:pic>
         <p:nvPicPr>
-          <p:cNvPr id="33" name="図 32"/>
+          <p:cNvPr id="37" name="図 36"/>
           <p:cNvPicPr>
             <a:picLocks noChangeAspect="1"/>
           </p:cNvPicPr>
@@ -3494,8 +4417,8 @@
         </p:blipFill>
         <p:spPr>
           <a:xfrm>
-            <a:off x="1828255" y="5418000"/>
-            <a:ext cx="1440000" cy="1440000"/>
+            <a:off x="1371191" y="5778000"/>
+            <a:ext cx="1080000" cy="1080000"/>
           </a:xfrm>
           <a:prstGeom prst="rect">
             <a:avLst/>
@@ -3504,7 +4427,7 @@
       </p:pic>
       <p:pic>
         <p:nvPicPr>
-          <p:cNvPr id="32" name="図 31"/>
+          <p:cNvPr id="38" name="図 37"/>
           <p:cNvPicPr>
             <a:picLocks noChangeAspect="1"/>
           </p:cNvPicPr>
@@ -3524,8 +4447,8 @@
         </p:blipFill>
         <p:spPr>
           <a:xfrm>
-            <a:off x="1354180" y="5418000"/>
-            <a:ext cx="1440000" cy="1440000"/>
+            <a:off x="1015635" y="5778000"/>
+            <a:ext cx="1080000" cy="1080000"/>
           </a:xfrm>
           <a:prstGeom prst="rect">
             <a:avLst/>
@@ -3534,7 +4457,7 @@
       </p:pic>
       <p:pic>
         <p:nvPicPr>
-          <p:cNvPr id="31" name="図 30"/>
+          <p:cNvPr id="39" name="図 38"/>
           <p:cNvPicPr>
             <a:picLocks noChangeAspect="1"/>
           </p:cNvPicPr>
@@ -3554,8 +4477,8 @@
         </p:blipFill>
         <p:spPr>
           <a:xfrm>
-            <a:off x="13900" y="5058000"/>
-            <a:ext cx="1800000" cy="1800000"/>
+            <a:off x="10425" y="5508000"/>
+            <a:ext cx="1350000" cy="1350000"/>
           </a:xfrm>
           <a:prstGeom prst="rect">
             <a:avLst/>
@@ -3564,14 +4487,14 @@
       </p:pic>
       <p:sp>
         <p:nvSpPr>
-          <p:cNvPr id="36" name="角丸四角形吹き出し 35"/>
+          <p:cNvPr id="40" name="角丸四角形吹き出し 39"/>
           <p:cNvSpPr/>
           <p:nvPr/>
         </p:nvSpPr>
         <p:spPr>
           <a:xfrm>
-            <a:off x="121921" y="4226560"/>
-            <a:ext cx="3698240" cy="651440"/>
+            <a:off x="91441" y="4884420"/>
+            <a:ext cx="2773680" cy="488580"/>
           </a:xfrm>
           <a:prstGeom prst="wedgeRoundRectCallout">
             <a:avLst>
@@ -3606,7 +4529,7 @@
           <a:p>
             <a:pPr algn="ctr"/>
             <a:r>
-              <a:rPr lang="ja-JP" altLang="en-US" sz="3200" b="1" dirty="0">
+              <a:rPr lang="ja-JP" altLang="en-US" sz="2400" b="1" dirty="0">
                 <a:solidFill>
                   <a:srgbClr val="0070C0"/>
                 </a:solidFill>
@@ -3615,664 +4538,68 @@
               </a:rPr>
               <a:t>走行戦略</a:t>
             </a:r>
-            <a:endParaRPr kumimoji="1" lang="ja-JP" altLang="en-US" sz="3200" b="1" dirty="0">
-              <a:solidFill>
-                <a:srgbClr val="0070C0"/>
-              </a:solidFill>
-              <a:latin typeface="游ゴシック" panose="020B0400000000000000" pitchFamily="50" charset="-128"/>
-              <a:ea typeface="游ゴシック" panose="020B0400000000000000" pitchFamily="50" charset="-128"/>
-            </a:endParaRPr>
-          </a:p>
-        </p:txBody>
-      </p:sp>
-      <p:sp>
-        <p:nvSpPr>
-          <p:cNvPr id="2" name="角丸四角形 1"/>
+          </a:p>
+        </p:txBody>
+      </p:sp>
+      <p:sp>
+        <p:nvSpPr>
+          <p:cNvPr id="6" name="正方形/長方形 5"/>
           <p:cNvSpPr/>
           <p:nvPr/>
         </p:nvSpPr>
         <p:spPr>
-          <a:xfrm>
-            <a:off x="4249806" y="217518"/>
-            <a:ext cx="7547588" cy="1223868"/>
-          </a:xfrm>
-          <a:prstGeom prst="roundRect">
+          <a:xfrm rot="21423746">
+            <a:off x="269502" y="3657601"/>
+            <a:ext cx="2462614" cy="930728"/>
+          </a:xfrm>
+          <a:prstGeom prst="rect">
             <a:avLst/>
           </a:prstGeom>
           <a:solidFill>
-            <a:schemeClr val="accent1">
-              <a:alpha val="84706"/>
-            </a:schemeClr>
+            <a:srgbClr val="CCFF99"/>
           </a:solidFill>
           <a:ln w="28575">
             <a:solidFill>
               <a:schemeClr val="bg1"/>
             </a:solidFill>
           </a:ln>
+          <a:effectLst>
+            <a:outerShdw blurRad="50800" dist="38100" dir="8100000" algn="tr" rotWithShape="0">
+              <a:prstClr val="black">
+                <a:alpha val="40000"/>
+              </a:prstClr>
+            </a:outerShdw>
+          </a:effectLst>
         </p:spPr>
         <p:style>
           <a:lnRef idx="2">
-            <a:schemeClr val="accent1"/>
+            <a:schemeClr val="accent6"/>
           </a:lnRef>
           <a:fillRef idx="1">
             <a:schemeClr val="lt1"/>
           </a:fillRef>
           <a:effectRef idx="0">
-            <a:schemeClr val="accent1"/>
+            <a:schemeClr val="accent6"/>
           </a:effectRef>
           <a:fontRef idx="minor">
             <a:schemeClr val="dk1"/>
           </a:fontRef>
         </p:style>
         <p:txBody>
-          <a:bodyPr rtlCol="0" anchor="ctr"/>
-          <a:lstStyle/>
-          <a:p>
-            <a:r>
-              <a:rPr kumimoji="1" lang="ja-JP" altLang="en-US" sz="2000" dirty="0" smtClean="0">
-                <a:solidFill>
-                  <a:schemeClr val="bg1"/>
-                </a:solidFill>
-              </a:rPr>
-              <a:t> </a:t>
-            </a:r>
-            <a:r>
-              <a:rPr kumimoji="1" lang="ja-JP" altLang="en-US" sz="2000" dirty="0" smtClean="0">
-                <a:solidFill>
-                  <a:schemeClr val="bg1"/>
-                </a:solidFill>
-                <a:latin typeface="游ゴシック" panose="020B0400000000000000" pitchFamily="50" charset="-128"/>
-                <a:ea typeface="游ゴシック" panose="020B0400000000000000" pitchFamily="50" charset="-128"/>
-              </a:rPr>
-              <a:t>選択課題              </a:t>
-            </a:r>
-            <a:r>
-              <a:rPr kumimoji="1" lang="en-US" altLang="ja-JP" sz="2000" dirty="0" smtClean="0">
-                <a:solidFill>
-                  <a:schemeClr val="bg1"/>
-                </a:solidFill>
-                <a:latin typeface="游ゴシック" panose="020B0400000000000000" pitchFamily="50" charset="-128"/>
-                <a:ea typeface="游ゴシック" panose="020B0400000000000000" pitchFamily="50" charset="-128"/>
-              </a:rPr>
-              <a:t>: </a:t>
-            </a:r>
-            <a:r>
-              <a:rPr kumimoji="1" lang="ja-JP" altLang="en-US" sz="2000" b="1" dirty="0" smtClean="0">
-                <a:solidFill>
-                  <a:schemeClr val="accent4">
-                    <a:lumMod val="60000"/>
-                    <a:lumOff val="40000"/>
-                  </a:schemeClr>
-                </a:solidFill>
-                <a:latin typeface="游ゴシック" panose="020B0400000000000000" pitchFamily="50" charset="-128"/>
-                <a:ea typeface="游ゴシック" panose="020B0400000000000000" pitchFamily="50" charset="-128"/>
-              </a:rPr>
-              <a:t>コースを完走する。</a:t>
-            </a:r>
-            <a:endParaRPr kumimoji="1" lang="en-US" altLang="ja-JP" sz="2000" b="1" dirty="0" smtClean="0">
-              <a:solidFill>
-                <a:schemeClr val="accent4">
-                  <a:lumMod val="60000"/>
-                  <a:lumOff val="40000"/>
-                </a:schemeClr>
-              </a:solidFill>
-              <a:latin typeface="游ゴシック" panose="020B0400000000000000" pitchFamily="50" charset="-128"/>
-              <a:ea typeface="游ゴシック" panose="020B0400000000000000" pitchFamily="50" charset="-128"/>
-            </a:endParaRPr>
-          </a:p>
-          <a:p>
-            <a:r>
-              <a:rPr lang="ja-JP" altLang="en-US" sz="2000" dirty="0" smtClean="0">
-                <a:solidFill>
-                  <a:schemeClr val="bg1"/>
-                </a:solidFill>
-              </a:rPr>
-              <a:t> </a:t>
-            </a:r>
-            <a:r>
-              <a:rPr lang="ja-JP" altLang="en-US" sz="2000" dirty="0" smtClean="0">
-                <a:solidFill>
-                  <a:schemeClr val="bg1"/>
-                </a:solidFill>
-                <a:latin typeface="游ゴシック" panose="020B0400000000000000" pitchFamily="50" charset="-128"/>
-                <a:ea typeface="游ゴシック" panose="020B0400000000000000" pitchFamily="50" charset="-128"/>
-              </a:rPr>
-              <a:t>開発目標              </a:t>
-            </a:r>
-            <a:r>
-              <a:rPr lang="en-US" altLang="ja-JP" sz="2000" dirty="0" smtClean="0">
-                <a:solidFill>
-                  <a:schemeClr val="bg1"/>
-                </a:solidFill>
-                <a:latin typeface="游ゴシック" panose="020B0400000000000000" pitchFamily="50" charset="-128"/>
-                <a:ea typeface="游ゴシック" panose="020B0400000000000000" pitchFamily="50" charset="-128"/>
-              </a:rPr>
-              <a:t>: </a:t>
-            </a:r>
-            <a:r>
-              <a:rPr lang="ja-JP" altLang="en-US" sz="2000" b="1" dirty="0" smtClean="0">
-                <a:solidFill>
-                  <a:schemeClr val="accent4">
-                    <a:lumMod val="60000"/>
-                    <a:lumOff val="40000"/>
-                  </a:schemeClr>
-                </a:solidFill>
-                <a:latin typeface="游ゴシック" panose="020B0400000000000000" pitchFamily="50" charset="-128"/>
-                <a:ea typeface="游ゴシック" panose="020B0400000000000000" pitchFamily="50" charset="-128"/>
-              </a:rPr>
-              <a:t>どんなコースでも変わらない走りを</a:t>
-            </a:r>
-            <a:r>
-              <a:rPr lang="ja-JP" altLang="en-US" sz="2400" b="1" dirty="0" smtClean="0">
-                <a:solidFill>
-                  <a:schemeClr val="accent4">
-                    <a:lumMod val="60000"/>
-                    <a:lumOff val="40000"/>
-                  </a:schemeClr>
-                </a:solidFill>
-                <a:latin typeface="游ゴシック" panose="020B0400000000000000" pitchFamily="50" charset="-128"/>
-                <a:ea typeface="游ゴシック" panose="020B0400000000000000" pitchFamily="50" charset="-128"/>
-              </a:rPr>
-              <a:t>。</a:t>
-            </a:r>
-            <a:r>
-              <a:rPr lang="ja-JP" altLang="en-US" sz="2400" b="1" dirty="0">
-                <a:solidFill>
-                  <a:schemeClr val="accent4">
-                    <a:lumMod val="60000"/>
-                    <a:lumOff val="40000"/>
-                  </a:schemeClr>
-                </a:solidFill>
-                <a:latin typeface="游ゴシック" panose="020B0400000000000000" pitchFamily="50" charset="-128"/>
-                <a:ea typeface="游ゴシック" panose="020B0400000000000000" pitchFamily="50" charset="-128"/>
-              </a:rPr>
-              <a:t>　</a:t>
-            </a:r>
-            <a:r>
-              <a:rPr lang="ja-JP" altLang="en-US" sz="2400" b="1" dirty="0" smtClean="0">
-                <a:solidFill>
-                  <a:schemeClr val="accent4">
-                    <a:lumMod val="60000"/>
-                    <a:lumOff val="40000"/>
-                  </a:schemeClr>
-                </a:solidFill>
-                <a:latin typeface="游ゴシック" panose="020B0400000000000000" pitchFamily="50" charset="-128"/>
-                <a:ea typeface="游ゴシック" panose="020B0400000000000000" pitchFamily="50" charset="-128"/>
-              </a:rPr>
-              <a:t>　　　 </a:t>
-            </a:r>
-            <a:endParaRPr lang="en-US" altLang="ja-JP" sz="2400" b="1" dirty="0" smtClean="0">
-              <a:solidFill>
-                <a:schemeClr val="accent4">
-                  <a:lumMod val="60000"/>
-                  <a:lumOff val="40000"/>
-                </a:schemeClr>
-              </a:solidFill>
-              <a:latin typeface="游ゴシック" panose="020B0400000000000000" pitchFamily="50" charset="-128"/>
-              <a:ea typeface="游ゴシック" panose="020B0400000000000000" pitchFamily="50" charset="-128"/>
-            </a:endParaRPr>
-          </a:p>
-          <a:p>
-            <a:r>
-              <a:rPr lang="ja-JP" altLang="en-US" sz="2000" dirty="0" smtClean="0">
-                <a:solidFill>
-                  <a:schemeClr val="bg1"/>
-                </a:solidFill>
-                <a:latin typeface="游ゴシック" panose="020B0400000000000000" pitchFamily="50" charset="-128"/>
-                <a:ea typeface="游ゴシック" panose="020B0400000000000000" pitchFamily="50" charset="-128"/>
-              </a:rPr>
-              <a:t>シートコンセプト </a:t>
-            </a:r>
-            <a:r>
-              <a:rPr lang="en-US" altLang="ja-JP" sz="2400" dirty="0" smtClean="0">
-                <a:solidFill>
-                  <a:schemeClr val="bg1"/>
-                </a:solidFill>
-                <a:latin typeface="游ゴシック" panose="020B0400000000000000" pitchFamily="50" charset="-128"/>
-                <a:ea typeface="游ゴシック" panose="020B0400000000000000" pitchFamily="50" charset="-128"/>
-              </a:rPr>
-              <a:t>: </a:t>
-            </a:r>
-            <a:r>
-              <a:rPr lang="ja-JP" altLang="en-US" sz="2000" b="1" dirty="0" smtClean="0">
-                <a:solidFill>
-                  <a:schemeClr val="accent4">
-                    <a:lumMod val="60000"/>
-                    <a:lumOff val="40000"/>
-                  </a:schemeClr>
-                </a:solidFill>
-                <a:latin typeface="游ゴシック" panose="020B0400000000000000" pitchFamily="50" charset="-128"/>
-                <a:ea typeface="游ゴシック" panose="020B0400000000000000" pitchFamily="50" charset="-128"/>
-              </a:rPr>
-              <a:t>中学生に見せるつもりで。</a:t>
-            </a:r>
-            <a:endParaRPr kumimoji="1" lang="ja-JP" altLang="en-US" sz="2000" b="1" dirty="0">
-              <a:solidFill>
-                <a:schemeClr val="accent4">
-                  <a:lumMod val="60000"/>
-                  <a:lumOff val="40000"/>
-                </a:schemeClr>
-              </a:solidFill>
-              <a:latin typeface="游ゴシック" panose="020B0400000000000000" pitchFamily="50" charset="-128"/>
-              <a:ea typeface="游ゴシック" panose="020B0400000000000000" pitchFamily="50" charset="-128"/>
-            </a:endParaRPr>
-          </a:p>
-        </p:txBody>
-      </p:sp>
-      <p:sp>
-        <p:nvSpPr>
-          <p:cNvPr id="3" name="正方形/長方形 2"/>
-          <p:cNvSpPr/>
-          <p:nvPr/>
-        </p:nvSpPr>
-        <p:spPr>
-          <a:xfrm>
-            <a:off x="13900" y="1449578"/>
-            <a:ext cx="3974355" cy="2665221"/>
-          </a:xfrm>
-          <a:prstGeom prst="rect">
-            <a:avLst/>
-          </a:prstGeom>
-          <a:solidFill>
-            <a:schemeClr val="bg1">
-              <a:alpha val="85098"/>
-            </a:schemeClr>
-          </a:solidFill>
-          <a:ln w="38100">
-            <a:solidFill>
-              <a:schemeClr val="accent1"/>
-            </a:solidFill>
-            <a:prstDash val="dash"/>
-          </a:ln>
-        </p:spPr>
-        <p:style>
-          <a:lnRef idx="2">
-            <a:schemeClr val="accent1">
-              <a:shade val="50000"/>
-            </a:schemeClr>
-          </a:lnRef>
-          <a:fillRef idx="1">
-            <a:schemeClr val="accent1"/>
-          </a:fillRef>
-          <a:effectRef idx="0">
-            <a:schemeClr val="accent1"/>
-          </a:effectRef>
-          <a:fontRef idx="minor">
-            <a:schemeClr val="lt1"/>
-          </a:fontRef>
-        </p:style>
-        <p:txBody>
           <a:bodyPr rtlCol="0" anchor="t"/>
           <a:lstStyle/>
           <a:p>
-            <a:endParaRPr lang="en-US" altLang="ja-JP" dirty="0" smtClean="0">
-              <a:solidFill>
-                <a:schemeClr val="bg1"/>
-              </a:solidFill>
-              <a:latin typeface="游ゴシック" panose="020B0400000000000000" pitchFamily="50" charset="-128"/>
-              <a:ea typeface="游ゴシック" panose="020B0400000000000000" pitchFamily="50" charset="-128"/>
-            </a:endParaRPr>
-          </a:p>
-          <a:p>
-            <a:r>
-              <a:rPr lang="ja-JP" altLang="en-US" b="1" dirty="0" smtClean="0">
-                <a:solidFill>
-                  <a:schemeClr val="accent1"/>
-                </a:solidFill>
-                <a:latin typeface="游ゴシック" panose="020B0400000000000000" pitchFamily="50" charset="-128"/>
-                <a:ea typeface="游ゴシック" panose="020B0400000000000000" pitchFamily="50" charset="-128"/>
-              </a:rPr>
-              <a:t>走行戦略の設定</a:t>
-            </a:r>
-            <a:endParaRPr lang="en-US" altLang="ja-JP" b="1" dirty="0" smtClean="0">
-              <a:solidFill>
-                <a:schemeClr val="accent1"/>
-              </a:solidFill>
-              <a:latin typeface="游ゴシック" panose="020B0400000000000000" pitchFamily="50" charset="-128"/>
-              <a:ea typeface="游ゴシック" panose="020B0400000000000000" pitchFamily="50" charset="-128"/>
-            </a:endParaRPr>
-          </a:p>
-          <a:p>
-            <a:r>
-              <a:rPr lang="ja-JP" altLang="en-US" sz="1400" dirty="0" smtClean="0">
-                <a:solidFill>
-                  <a:schemeClr val="tx1"/>
-                </a:solidFill>
-                <a:latin typeface="游ゴシック" panose="020B0400000000000000" pitchFamily="50" charset="-128"/>
-                <a:ea typeface="游ゴシック" panose="020B0400000000000000" pitchFamily="50" charset="-128"/>
-              </a:rPr>
-              <a:t>開発目標を達成するために、必要となることを考えました。</a:t>
-            </a:r>
-            <a:endParaRPr lang="en-US" altLang="ja-JP" sz="1400" dirty="0" smtClean="0">
-              <a:solidFill>
-                <a:schemeClr val="tx1"/>
-              </a:solidFill>
-              <a:latin typeface="游ゴシック" panose="020B0400000000000000" pitchFamily="50" charset="-128"/>
-              <a:ea typeface="游ゴシック" panose="020B0400000000000000" pitchFamily="50" charset="-128"/>
-            </a:endParaRPr>
-          </a:p>
-          <a:p>
-            <a:endParaRPr kumimoji="1" lang="en-US" altLang="ja-JP" sz="1400" dirty="0">
-              <a:solidFill>
-                <a:schemeClr val="tx1"/>
-              </a:solidFill>
-              <a:latin typeface="游ゴシック" panose="020B0400000000000000" pitchFamily="50" charset="-128"/>
-              <a:ea typeface="游ゴシック" panose="020B0400000000000000" pitchFamily="50" charset="-128"/>
-            </a:endParaRPr>
-          </a:p>
-          <a:p>
-            <a:endParaRPr lang="en-US" altLang="ja-JP" sz="1400" dirty="0" smtClean="0">
-              <a:solidFill>
-                <a:schemeClr val="tx1"/>
-              </a:solidFill>
-              <a:latin typeface="游ゴシック" panose="020B0400000000000000" pitchFamily="50" charset="-128"/>
-              <a:ea typeface="游ゴシック" panose="020B0400000000000000" pitchFamily="50" charset="-128"/>
-            </a:endParaRPr>
-          </a:p>
-          <a:p>
-            <a:endParaRPr kumimoji="1" lang="en-US" altLang="ja-JP" sz="1400" dirty="0">
-              <a:solidFill>
-                <a:schemeClr val="tx1"/>
-              </a:solidFill>
-              <a:latin typeface="游ゴシック" panose="020B0400000000000000" pitchFamily="50" charset="-128"/>
-              <a:ea typeface="游ゴシック" panose="020B0400000000000000" pitchFamily="50" charset="-128"/>
-            </a:endParaRPr>
-          </a:p>
-          <a:p>
-            <a:endParaRPr lang="en-US" altLang="ja-JP" sz="1400" dirty="0" smtClean="0">
-              <a:solidFill>
-                <a:schemeClr val="tx1"/>
-              </a:solidFill>
-              <a:latin typeface="游ゴシック" panose="020B0400000000000000" pitchFamily="50" charset="-128"/>
-              <a:ea typeface="游ゴシック" panose="020B0400000000000000" pitchFamily="50" charset="-128"/>
-            </a:endParaRPr>
-          </a:p>
-          <a:p>
-            <a:endParaRPr kumimoji="1" lang="en-US" altLang="ja-JP" sz="1400" dirty="0">
-              <a:solidFill>
-                <a:schemeClr val="tx1"/>
-              </a:solidFill>
-              <a:latin typeface="游ゴシック" panose="020B0400000000000000" pitchFamily="50" charset="-128"/>
-              <a:ea typeface="游ゴシック" panose="020B0400000000000000" pitchFamily="50" charset="-128"/>
-            </a:endParaRPr>
-          </a:p>
-          <a:p>
-            <a:r>
-              <a:rPr lang="ja-JP" altLang="en-US" sz="1400" dirty="0" smtClean="0">
-                <a:solidFill>
-                  <a:schemeClr val="tx1"/>
-                </a:solidFill>
-                <a:latin typeface="游ゴシック" panose="020B0400000000000000" pitchFamily="50" charset="-128"/>
-                <a:ea typeface="游ゴシック" panose="020B0400000000000000" pitchFamily="50" charset="-128"/>
-              </a:rPr>
-              <a:t>たったこれだけです。</a:t>
-            </a:r>
-            <a:endParaRPr lang="en-US" altLang="ja-JP" sz="1400" dirty="0" smtClean="0">
-              <a:solidFill>
-                <a:schemeClr val="tx1"/>
-              </a:solidFill>
-              <a:latin typeface="游ゴシック" panose="020B0400000000000000" pitchFamily="50" charset="-128"/>
-              <a:ea typeface="游ゴシック" panose="020B0400000000000000" pitchFamily="50" charset="-128"/>
-            </a:endParaRPr>
-          </a:p>
-          <a:p>
-            <a:r>
-              <a:rPr lang="ja-JP" altLang="en-US" sz="1400" dirty="0" smtClean="0">
-                <a:solidFill>
-                  <a:schemeClr val="tx1"/>
-                </a:solidFill>
-                <a:latin typeface="游ゴシック" panose="020B0400000000000000" pitchFamily="50" charset="-128"/>
-                <a:ea typeface="游ゴシック" panose="020B0400000000000000" pitchFamily="50" charset="-128"/>
-              </a:rPr>
-              <a:t>これだけ</a:t>
-            </a:r>
-            <a:r>
-              <a:rPr lang="ja-JP" altLang="en-US" sz="1400" dirty="0">
-                <a:solidFill>
-                  <a:schemeClr val="tx1"/>
-                </a:solidFill>
-                <a:latin typeface="游ゴシック" panose="020B0400000000000000" pitchFamily="50" charset="-128"/>
-                <a:ea typeface="游ゴシック" panose="020B0400000000000000" pitchFamily="50" charset="-128"/>
-              </a:rPr>
-              <a:t>で</a:t>
-            </a:r>
-            <a:r>
-              <a:rPr lang="ja-JP" altLang="en-US" sz="1400" dirty="0" smtClean="0">
-                <a:solidFill>
-                  <a:schemeClr val="tx1"/>
-                </a:solidFill>
-                <a:latin typeface="游ゴシック" panose="020B0400000000000000" pitchFamily="50" charset="-128"/>
-                <a:ea typeface="游ゴシック" panose="020B0400000000000000" pitchFamily="50" charset="-128"/>
-              </a:rPr>
-              <a:t>語れると判断しました。</a:t>
-            </a:r>
-            <a:endParaRPr kumimoji="1" lang="ja-JP" altLang="en-US" sz="1400" dirty="0">
-              <a:solidFill>
-                <a:schemeClr val="tx1"/>
-              </a:solidFill>
-              <a:latin typeface="游ゴシック" panose="020B0400000000000000" pitchFamily="50" charset="-128"/>
-              <a:ea typeface="游ゴシック" panose="020B0400000000000000" pitchFamily="50" charset="-128"/>
-            </a:endParaRPr>
-          </a:p>
-        </p:txBody>
-      </p:sp>
-      <p:graphicFrame>
-        <p:nvGraphicFramePr>
-          <p:cNvPr id="4" name="表 3"/>
-          <p:cNvGraphicFramePr>
-            <a:graphicFrameLocks noGrp="1"/>
-          </p:cNvGraphicFramePr>
-          <p:nvPr>
-            <p:extLst>
-              <p:ext uri="{D42A27DB-BD31-4B8C-83A1-F6EECF244321}">
-                <p14:modId xmlns:p14="http://schemas.microsoft.com/office/powerpoint/2010/main" val="4226862479"/>
-              </p:ext>
-            </p:extLst>
-          </p:nvPr>
-        </p:nvGraphicFramePr>
-        <p:xfrm>
-          <a:off x="252655" y="2575560"/>
-          <a:ext cx="3283484" cy="853440"/>
-        </p:xfrm>
-        <a:graphic>
-          <a:graphicData uri="http://schemas.openxmlformats.org/drawingml/2006/table">
-            <a:tbl>
-              <a:tblPr firstRow="1">
-                <a:tableStyleId>{5C22544A-7EE6-4342-B048-85BDC9FD1C3A}</a:tableStyleId>
-              </a:tblPr>
-              <a:tblGrid>
-                <a:gridCol w="1641742"/>
-                <a:gridCol w="1641742"/>
-              </a:tblGrid>
-              <a:tr h="0">
-                <a:tc>
-                  <a:txBody>
-                    <a:bodyPr/>
-                    <a:lstStyle/>
-                    <a:p>
-                      <a:pPr algn="ctr"/>
-                      <a:r>
-                        <a:rPr kumimoji="1" lang="ja-JP" altLang="en-US" sz="1100" dirty="0" smtClean="0">
-                          <a:latin typeface="游ゴシック" panose="020B0400000000000000" pitchFamily="50" charset="-128"/>
-                          <a:ea typeface="游ゴシック" panose="020B0400000000000000" pitchFamily="50" charset="-128"/>
-                        </a:rPr>
-                        <a:t>開発目標の達成に必要なこと</a:t>
-                      </a:r>
-                      <a:endParaRPr kumimoji="1" lang="ja-JP" altLang="en-US" sz="1100" dirty="0">
-                        <a:latin typeface="游ゴシック" panose="020B0400000000000000" pitchFamily="50" charset="-128"/>
-                        <a:ea typeface="游ゴシック" panose="020B0400000000000000" pitchFamily="50" charset="-128"/>
-                      </a:endParaRPr>
-                    </a:p>
-                  </a:txBody>
-                  <a:tcPr anchor="ctr"/>
-                </a:tc>
-                <a:tc>
-                  <a:txBody>
-                    <a:bodyPr/>
-                    <a:lstStyle/>
-                    <a:p>
-                      <a:pPr lvl="0" algn="ctr"/>
-                      <a:r>
-                        <a:rPr kumimoji="1" lang="ja-JP" altLang="en-US" sz="1100" dirty="0" smtClean="0">
-                          <a:latin typeface="游ゴシック" panose="020B0400000000000000" pitchFamily="50" charset="-128"/>
-                          <a:ea typeface="游ゴシック" panose="020B0400000000000000" pitchFamily="50" charset="-128"/>
-                        </a:rPr>
-                        <a:t>走行戦略</a:t>
-                      </a:r>
-                      <a:endParaRPr kumimoji="1" lang="ja-JP" altLang="en-US" sz="1100" dirty="0">
-                        <a:latin typeface="游ゴシック" panose="020B0400000000000000" pitchFamily="50" charset="-128"/>
-                        <a:ea typeface="游ゴシック" panose="020B0400000000000000" pitchFamily="50" charset="-128"/>
-                      </a:endParaRPr>
-                    </a:p>
-                  </a:txBody>
-                  <a:tcPr anchor="ctr"/>
-                </a:tc>
-              </a:tr>
-              <a:tr h="401673">
-                <a:tc>
-                  <a:txBody>
-                    <a:bodyPr/>
-                    <a:lstStyle/>
-                    <a:p>
-                      <a:r>
-                        <a:rPr kumimoji="1" lang="en-US" altLang="ja-JP" sz="1100" b="1" dirty="0" smtClean="0"/>
-                        <a:t>A.</a:t>
-                      </a:r>
-                    </a:p>
-                    <a:p>
-                      <a:r>
-                        <a:rPr kumimoji="1" lang="en-US" altLang="ja-JP" sz="1100" b="1" dirty="0" smtClean="0"/>
-                        <a:t>100%</a:t>
-                      </a:r>
-                      <a:r>
-                        <a:rPr kumimoji="1" lang="ja-JP" altLang="en-US" sz="1100" b="1" dirty="0" smtClean="0"/>
-                        <a:t>完走できる。</a:t>
-                      </a:r>
-                      <a:endParaRPr kumimoji="1" lang="ja-JP" altLang="en-US" sz="1100" b="1" dirty="0"/>
-                    </a:p>
-                  </a:txBody>
-                  <a:tcPr/>
-                </a:tc>
-                <a:tc>
-                  <a:txBody>
-                    <a:bodyPr/>
-                    <a:lstStyle/>
-                    <a:p>
-                      <a:r>
-                        <a:rPr kumimoji="1" lang="en-US" altLang="ja-JP" sz="1100" b="1" dirty="0" smtClean="0"/>
-                        <a:t>A – 1.</a:t>
-                      </a:r>
-                    </a:p>
-                    <a:p>
-                      <a:r>
-                        <a:rPr kumimoji="1" lang="ja-JP" altLang="en-US" sz="1100" b="1" dirty="0" smtClean="0"/>
-                        <a:t>ラインにそって走行する。</a:t>
-                      </a:r>
-                      <a:endParaRPr kumimoji="1" lang="ja-JP" altLang="en-US" sz="1100" b="1" dirty="0"/>
-                    </a:p>
-                  </a:txBody>
-                  <a:tcPr/>
-                </a:tc>
-              </a:tr>
-            </a:tbl>
-          </a:graphicData>
-        </a:graphic>
-      </p:graphicFrame>
-      <p:sp>
-        <p:nvSpPr>
-          <p:cNvPr id="5" name="正方形/長方形 4"/>
-          <p:cNvSpPr/>
-          <p:nvPr/>
-        </p:nvSpPr>
-        <p:spPr>
-          <a:xfrm>
-            <a:off x="4134460" y="1658905"/>
-            <a:ext cx="8031844" cy="4979048"/>
-          </a:xfrm>
-          <a:prstGeom prst="rect">
-            <a:avLst/>
-          </a:prstGeom>
-          <a:solidFill>
-            <a:schemeClr val="bg1">
-              <a:alpha val="85098"/>
-            </a:schemeClr>
-          </a:solidFill>
-          <a:ln w="38100">
-            <a:solidFill>
-              <a:schemeClr val="accent1"/>
-            </a:solidFill>
-            <a:prstDash val="dash"/>
-          </a:ln>
-        </p:spPr>
-        <p:style>
-          <a:lnRef idx="2">
-            <a:schemeClr val="accent1">
-              <a:shade val="50000"/>
-            </a:schemeClr>
-          </a:lnRef>
-          <a:fillRef idx="1">
-            <a:schemeClr val="accent1"/>
-          </a:fillRef>
-          <a:effectRef idx="0">
-            <a:schemeClr val="accent1"/>
-          </a:effectRef>
-          <a:fontRef idx="minor">
-            <a:schemeClr val="lt1"/>
-          </a:fontRef>
-        </p:style>
-        <p:txBody>
-          <a:bodyPr rtlCol="0" anchor="t"/>
-          <a:lstStyle/>
-          <a:p>
-            <a:endParaRPr lang="en-US" altLang="ja-JP" b="1" dirty="0" smtClean="0">
-              <a:solidFill>
-                <a:schemeClr val="accent1"/>
-              </a:solidFill>
-              <a:latin typeface="游ゴシック" panose="020B0400000000000000" pitchFamily="50" charset="-128"/>
-              <a:ea typeface="游ゴシック" panose="020B0400000000000000" pitchFamily="50" charset="-128"/>
-            </a:endParaRPr>
-          </a:p>
-          <a:p>
-            <a:r>
-              <a:rPr lang="ja-JP" altLang="en-US" b="1" dirty="0" smtClean="0">
-                <a:solidFill>
-                  <a:schemeClr val="accent1"/>
-                </a:solidFill>
-                <a:latin typeface="游ゴシック" panose="020B0400000000000000" pitchFamily="50" charset="-128"/>
-                <a:ea typeface="游ゴシック" panose="020B0400000000000000" pitchFamily="50" charset="-128"/>
-              </a:rPr>
-              <a:t>走行戦略の概要</a:t>
-            </a:r>
-            <a:endParaRPr lang="en-US" altLang="ja-JP" b="1" dirty="0" smtClean="0">
-              <a:solidFill>
-                <a:schemeClr val="accent1"/>
-              </a:solidFill>
-              <a:latin typeface="游ゴシック" panose="020B0400000000000000" pitchFamily="50" charset="-128"/>
-              <a:ea typeface="游ゴシック" panose="020B0400000000000000" pitchFamily="50" charset="-128"/>
-            </a:endParaRPr>
-          </a:p>
-          <a:p>
-            <a:r>
-              <a:rPr kumimoji="1" lang="en-US" altLang="ja-JP" sz="1400" b="1" dirty="0" smtClean="0">
+            <a:r>
+              <a:rPr kumimoji="1" lang="ja-JP" altLang="en-US" sz="1200" b="1" u="sng" dirty="0" smtClean="0">
                 <a:solidFill>
                   <a:srgbClr val="C00000"/>
                 </a:solidFill>
                 <a:latin typeface="游ゴシック" panose="020B0400000000000000" pitchFamily="50" charset="-128"/>
                 <a:ea typeface="游ゴシック" panose="020B0400000000000000" pitchFamily="50" charset="-128"/>
               </a:rPr>
-              <a:t>A – 1. </a:t>
-            </a:r>
-            <a:r>
-              <a:rPr kumimoji="1" lang="ja-JP" altLang="en-US" sz="1400" b="1" dirty="0" smtClean="0">
-                <a:solidFill>
-                  <a:srgbClr val="C00000"/>
-                </a:solidFill>
-                <a:latin typeface="游ゴシック" panose="020B0400000000000000" pitchFamily="50" charset="-128"/>
-                <a:ea typeface="游ゴシック" panose="020B0400000000000000" pitchFamily="50" charset="-128"/>
-              </a:rPr>
-              <a:t>ラインにそって走行する。</a:t>
-            </a:r>
-            <a:endParaRPr kumimoji="1" lang="en-US" altLang="ja-JP" sz="1400" b="1" dirty="0" smtClean="0">
+              <a:t>ショートカットはしない</a:t>
+            </a:r>
+            <a:endParaRPr kumimoji="1" lang="en-US" altLang="ja-JP" sz="1200" b="1" u="sng" dirty="0" smtClean="0">
               <a:solidFill>
                 <a:srgbClr val="C00000"/>
               </a:solidFill>
@@ -4281,220 +4608,27 @@
             </a:endParaRPr>
           </a:p>
           <a:p>
-            <a:endParaRPr lang="en-US" altLang="ja-JP" sz="1400" dirty="0">
-              <a:solidFill>
-                <a:srgbClr val="C00000"/>
-              </a:solidFill>
+            <a:r>
+              <a:rPr lang="ja-JP" altLang="en-US" sz="1200" b="1" dirty="0" smtClean="0">
+                <a:latin typeface="游ゴシック" panose="020B0400000000000000" pitchFamily="50" charset="-128"/>
+                <a:ea typeface="游ゴシック" panose="020B0400000000000000" pitchFamily="50" charset="-128"/>
+              </a:rPr>
+              <a:t>理由</a:t>
+            </a:r>
+            <a:endParaRPr lang="en-US" altLang="ja-JP" sz="1200" b="1" dirty="0" smtClean="0">
               <a:latin typeface="游ゴシック" panose="020B0400000000000000" pitchFamily="50" charset="-128"/>
               <a:ea typeface="游ゴシック" panose="020B0400000000000000" pitchFamily="50" charset="-128"/>
             </a:endParaRPr>
           </a:p>
           <a:p>
             <a:r>
-              <a:rPr kumimoji="1" lang="en-US" altLang="ja-JP" sz="1400" u="sng" dirty="0" smtClean="0">
-                <a:solidFill>
-                  <a:srgbClr val="C00000"/>
-                </a:solidFill>
+              <a:rPr lang="ja-JP" altLang="en-US" sz="1200" dirty="0" smtClean="0">
                 <a:latin typeface="游ゴシック" panose="020B0400000000000000" pitchFamily="50" charset="-128"/>
                 <a:ea typeface="游ゴシック" panose="020B0400000000000000" pitchFamily="50" charset="-128"/>
               </a:rPr>
-              <a:t>1. </a:t>
-            </a:r>
-            <a:r>
-              <a:rPr kumimoji="1" lang="ja-JP" altLang="en-US" sz="1400" u="sng" dirty="0" smtClean="0">
-                <a:solidFill>
-                  <a:srgbClr val="C00000"/>
-                </a:solidFill>
-                <a:latin typeface="游ゴシック" panose="020B0400000000000000" pitchFamily="50" charset="-128"/>
-                <a:ea typeface="游ゴシック" panose="020B0400000000000000" pitchFamily="50" charset="-128"/>
-              </a:rPr>
-              <a:t>ライントレース</a:t>
-            </a:r>
-            <a:endParaRPr kumimoji="1" lang="en-US" altLang="ja-JP" sz="1400" u="sng" dirty="0" smtClean="0">
-              <a:solidFill>
-                <a:srgbClr val="C00000"/>
-              </a:solidFill>
-              <a:latin typeface="游ゴシック" panose="020B0400000000000000" pitchFamily="50" charset="-128"/>
-              <a:ea typeface="游ゴシック" panose="020B0400000000000000" pitchFamily="50" charset="-128"/>
-            </a:endParaRPr>
-          </a:p>
-          <a:p>
-            <a:endParaRPr lang="en-US" altLang="ja-JP" sz="1100" dirty="0">
-              <a:solidFill>
-                <a:schemeClr val="tx1"/>
-              </a:solidFill>
-              <a:latin typeface="游ゴシック" panose="020B0400000000000000" pitchFamily="50" charset="-128"/>
-              <a:ea typeface="游ゴシック" panose="020B0400000000000000" pitchFamily="50" charset="-128"/>
-            </a:endParaRPr>
-          </a:p>
-          <a:p>
-            <a:r>
-              <a:rPr lang="ja-JP" altLang="en-US" sz="1100" dirty="0" smtClean="0">
-                <a:solidFill>
-                  <a:schemeClr val="tx1"/>
-                </a:solidFill>
-                <a:latin typeface="游ゴシック" panose="020B0400000000000000" pitchFamily="50" charset="-128"/>
-                <a:ea typeface="游ゴシック" panose="020B0400000000000000" pitchFamily="50" charset="-128"/>
-              </a:rPr>
-              <a:t>ゴールまでたどり着くのにも、</a:t>
-            </a:r>
-            <a:endParaRPr lang="en-US" altLang="ja-JP" sz="1100" dirty="0" smtClean="0">
-              <a:solidFill>
-                <a:schemeClr val="tx1"/>
-              </a:solidFill>
-              <a:latin typeface="游ゴシック" panose="020B0400000000000000" pitchFamily="50" charset="-128"/>
-              <a:ea typeface="游ゴシック" panose="020B0400000000000000" pitchFamily="50" charset="-128"/>
-            </a:endParaRPr>
-          </a:p>
-          <a:p>
-            <a:r>
-              <a:rPr kumimoji="1" lang="ja-JP" altLang="en-US" sz="1100" dirty="0" smtClean="0">
-                <a:solidFill>
-                  <a:schemeClr val="tx1"/>
-                </a:solidFill>
-                <a:latin typeface="游ゴシック" panose="020B0400000000000000" pitchFamily="50" charset="-128"/>
-                <a:ea typeface="游ゴシック" panose="020B0400000000000000" pitchFamily="50" charset="-128"/>
-              </a:rPr>
-              <a:t>どんなコースでも走れるようにするにも</a:t>
-            </a:r>
-            <a:r>
-              <a:rPr lang="ja-JP" altLang="en-US" sz="1100" dirty="0" smtClean="0">
-                <a:solidFill>
-                  <a:schemeClr val="tx1"/>
-                </a:solidFill>
-                <a:latin typeface="游ゴシック" panose="020B0400000000000000" pitchFamily="50" charset="-128"/>
-                <a:ea typeface="游ゴシック" panose="020B0400000000000000" pitchFamily="50" charset="-128"/>
-              </a:rPr>
-              <a:t>、</a:t>
-            </a:r>
-            <a:endParaRPr lang="en-US" altLang="ja-JP" sz="1100" dirty="0" smtClean="0">
-              <a:solidFill>
-                <a:schemeClr val="tx1"/>
-              </a:solidFill>
-              <a:latin typeface="游ゴシック" panose="020B0400000000000000" pitchFamily="50" charset="-128"/>
-              <a:ea typeface="游ゴシック" panose="020B0400000000000000" pitchFamily="50" charset="-128"/>
-            </a:endParaRPr>
-          </a:p>
-          <a:p>
-            <a:r>
-              <a:rPr kumimoji="1" lang="ja-JP" altLang="en-US" sz="1100" dirty="0" smtClean="0">
-                <a:solidFill>
-                  <a:schemeClr val="tx1"/>
-                </a:solidFill>
-                <a:latin typeface="游ゴシック" panose="020B0400000000000000" pitchFamily="50" charset="-128"/>
-                <a:ea typeface="游ゴシック" panose="020B0400000000000000" pitchFamily="50" charset="-128"/>
-              </a:rPr>
-              <a:t>必要不可欠なものです。</a:t>
-            </a:r>
-            <a:endParaRPr kumimoji="1" lang="en-US" altLang="ja-JP" sz="1100" dirty="0" smtClean="0">
-              <a:solidFill>
-                <a:schemeClr val="tx1"/>
-              </a:solidFill>
-              <a:latin typeface="游ゴシック" panose="020B0400000000000000" pitchFamily="50" charset="-128"/>
-              <a:ea typeface="游ゴシック" panose="020B0400000000000000" pitchFamily="50" charset="-128"/>
-            </a:endParaRPr>
-          </a:p>
-          <a:p>
-            <a:endParaRPr lang="en-US" altLang="ja-JP" sz="1100" dirty="0">
-              <a:solidFill>
-                <a:schemeClr val="tx1"/>
-              </a:solidFill>
-              <a:latin typeface="游ゴシック" panose="020B0400000000000000" pitchFamily="50" charset="-128"/>
-              <a:ea typeface="游ゴシック" panose="020B0400000000000000" pitchFamily="50" charset="-128"/>
-            </a:endParaRPr>
-          </a:p>
-          <a:p>
-            <a:r>
-              <a:rPr lang="ja-JP" altLang="en-US" sz="1100" dirty="0" smtClean="0">
-                <a:solidFill>
-                  <a:schemeClr val="tx1"/>
-                </a:solidFill>
-                <a:latin typeface="游ゴシック" panose="020B0400000000000000" pitchFamily="50" charset="-128"/>
-                <a:ea typeface="游ゴシック" panose="020B0400000000000000" pitchFamily="50" charset="-128"/>
-              </a:rPr>
-              <a:t>ライントレースには、</a:t>
-            </a:r>
-            <a:endParaRPr lang="en-US" altLang="ja-JP" sz="1100" dirty="0" smtClean="0">
-              <a:solidFill>
-                <a:schemeClr val="tx1"/>
-              </a:solidFill>
-              <a:latin typeface="游ゴシック" panose="020B0400000000000000" pitchFamily="50" charset="-128"/>
-              <a:ea typeface="游ゴシック" panose="020B0400000000000000" pitchFamily="50" charset="-128"/>
-            </a:endParaRPr>
-          </a:p>
-          <a:p>
-            <a:r>
-              <a:rPr lang="ja-JP" altLang="en-US" sz="1100" dirty="0" smtClean="0">
-                <a:solidFill>
-                  <a:schemeClr val="tx1"/>
-                </a:solidFill>
-                <a:latin typeface="游ゴシック" panose="020B0400000000000000" pitchFamily="50" charset="-128"/>
-                <a:ea typeface="游ゴシック" panose="020B0400000000000000" pitchFamily="50" charset="-128"/>
-              </a:rPr>
-              <a:t>・</a:t>
-            </a:r>
-            <a:r>
-              <a:rPr lang="en-US" altLang="ja-JP" sz="1100" dirty="0" smtClean="0">
-                <a:solidFill>
-                  <a:schemeClr val="tx1"/>
-                </a:solidFill>
-                <a:latin typeface="游ゴシック" panose="020B0400000000000000" pitchFamily="50" charset="-128"/>
-                <a:ea typeface="游ゴシック" panose="020B0400000000000000" pitchFamily="50" charset="-128"/>
-              </a:rPr>
-              <a:t>PID</a:t>
-            </a:r>
-            <a:r>
-              <a:rPr lang="ja-JP" altLang="en-US" sz="1100" dirty="0" smtClean="0">
-                <a:solidFill>
-                  <a:schemeClr val="tx1"/>
-                </a:solidFill>
-                <a:latin typeface="游ゴシック" panose="020B0400000000000000" pitchFamily="50" charset="-128"/>
-                <a:ea typeface="游ゴシック" panose="020B0400000000000000" pitchFamily="50" charset="-128"/>
-              </a:rPr>
-              <a:t>制御</a:t>
-            </a:r>
-            <a:endParaRPr lang="en-US" altLang="ja-JP" sz="1100" dirty="0" smtClean="0">
-              <a:solidFill>
-                <a:schemeClr val="tx1"/>
-              </a:solidFill>
-              <a:latin typeface="游ゴシック" panose="020B0400000000000000" pitchFamily="50" charset="-128"/>
-              <a:ea typeface="游ゴシック" panose="020B0400000000000000" pitchFamily="50" charset="-128"/>
-            </a:endParaRPr>
-          </a:p>
-          <a:p>
-            <a:r>
-              <a:rPr lang="ja-JP" altLang="en-US" sz="1100" dirty="0" smtClean="0">
-                <a:solidFill>
-                  <a:schemeClr val="tx1"/>
-                </a:solidFill>
-                <a:latin typeface="游ゴシック" panose="020B0400000000000000" pitchFamily="50" charset="-128"/>
-                <a:ea typeface="游ゴシック" panose="020B0400000000000000" pitchFamily="50" charset="-128"/>
-              </a:rPr>
-              <a:t>・速度調整</a:t>
-            </a:r>
-            <a:endParaRPr lang="en-US" altLang="ja-JP" sz="1100" dirty="0" smtClean="0">
-              <a:solidFill>
-                <a:schemeClr val="tx1"/>
-              </a:solidFill>
-              <a:latin typeface="游ゴシック" panose="020B0400000000000000" pitchFamily="50" charset="-128"/>
-              <a:ea typeface="游ゴシック" panose="020B0400000000000000" pitchFamily="50" charset="-128"/>
-            </a:endParaRPr>
-          </a:p>
-          <a:p>
-            <a:r>
-              <a:rPr kumimoji="1" lang="ja-JP" altLang="en-US" sz="1100" dirty="0" smtClean="0">
-                <a:solidFill>
-                  <a:schemeClr val="tx1"/>
-                </a:solidFill>
-                <a:latin typeface="游ゴシック" panose="020B0400000000000000" pitchFamily="50" charset="-128"/>
-                <a:ea typeface="游ゴシック" panose="020B0400000000000000" pitchFamily="50" charset="-128"/>
-              </a:rPr>
-              <a:t>・環境光対策</a:t>
-            </a:r>
-            <a:endParaRPr kumimoji="1" lang="en-US" altLang="ja-JP" sz="1100" dirty="0" smtClean="0">
-              <a:solidFill>
-                <a:schemeClr val="tx1"/>
-              </a:solidFill>
+              <a:t>同じコースの同じ場所でしか使えないため、汎用性がない。</a:t>
+            </a:r>
+            <a:endParaRPr kumimoji="1" lang="ja-JP" altLang="en-US" sz="1200" dirty="0">
               <a:latin typeface="游ゴシック" panose="020B0400000000000000" pitchFamily="50" charset="-128"/>
               <a:ea typeface="游ゴシック" panose="020B0400000000000000" pitchFamily="50" charset="-128"/>
             </a:endParaRPr>
@@ -4568,7 +4702,7 @@
         </p:blipFill>
         <p:spPr>
           <a:xfrm>
-            <a:off x="5334000" y="0"/>
+            <a:off x="2286000" y="0"/>
             <a:ext cx="6858000" cy="6858000"/>
           </a:xfrm>
           <a:prstGeom prst="rect">
@@ -4585,7 +4719,7 @@
         <p:spPr>
           <a:xfrm>
             <a:off x="0" y="0"/>
-            <a:ext cx="12192000" cy="6858000"/>
+            <a:ext cx="9144000" cy="6858000"/>
           </a:xfrm>
           <a:prstGeom prst="rect">
             <a:avLst/>
@@ -4617,20 +4751,20 @@
           <a:lstStyle/>
           <a:p>
             <a:pPr algn="ctr"/>
-            <a:endParaRPr kumimoji="1" lang="ja-JP" altLang="en-US"/>
-          </a:p>
-        </p:txBody>
-      </p:sp>
-      <p:sp>
-        <p:nvSpPr>
-          <p:cNvPr id="6" name="涙形 5"/>
+            <a:endParaRPr lang="ja-JP" altLang="en-US" sz="1350"/>
+          </a:p>
+        </p:txBody>
+      </p:sp>
+      <p:sp>
+        <p:nvSpPr>
+          <p:cNvPr id="32" name="涙形 31"/>
           <p:cNvSpPr/>
           <p:nvPr/>
         </p:nvSpPr>
         <p:spPr>
           <a:xfrm flipH="1">
-            <a:off x="0" y="3480"/>
-            <a:ext cx="3820160" cy="1382520"/>
+            <a:off x="10425" y="0"/>
+            <a:ext cx="2865120" cy="1036890"/>
           </a:xfrm>
           <a:prstGeom prst="teardrop">
             <a:avLst/>
@@ -4676,22 +4810,18 @@
           <a:p>
             <a:pPr algn="ctr"/>
             <a:r>
-              <a:rPr kumimoji="1" lang="ja-JP" altLang="en-US" sz="3200" b="1" dirty="0" smtClean="0">
+              <a:rPr lang="ja-JP" altLang="en-US" sz="2400" b="1" dirty="0">
                 <a:latin typeface="游ゴシック" panose="020B0400000000000000" pitchFamily="50" charset="-128"/>
                 <a:ea typeface="游ゴシック" panose="020B0400000000000000" pitchFamily="50" charset="-128"/>
               </a:rPr>
               <a:t>森のくまさん</a:t>
             </a:r>
-            <a:endParaRPr kumimoji="1" lang="ja-JP" altLang="en-US" sz="3200" b="1" dirty="0">
-              <a:latin typeface="游ゴシック" panose="020B0400000000000000" pitchFamily="50" charset="-128"/>
-              <a:ea typeface="游ゴシック" panose="020B0400000000000000" pitchFamily="50" charset="-128"/>
-            </a:endParaRPr>
           </a:p>
         </p:txBody>
       </p:sp>
       <p:pic>
         <p:nvPicPr>
-          <p:cNvPr id="12" name="図 11"/>
+          <p:cNvPr id="45" name="図 44"/>
           <p:cNvPicPr>
             <a:picLocks noChangeAspect="1"/>
           </p:cNvPicPr>
@@ -4711,8 +4841,8 @@
         </p:blipFill>
         <p:spPr>
           <a:xfrm>
-            <a:off x="2548255" y="5418000"/>
-            <a:ext cx="1440000" cy="1440000"/>
+            <a:off x="1911191" y="5778000"/>
+            <a:ext cx="1080000" cy="1080000"/>
           </a:xfrm>
           <a:prstGeom prst="rect">
             <a:avLst/>
@@ -4721,7 +4851,7 @@
       </p:pic>
       <p:pic>
         <p:nvPicPr>
-          <p:cNvPr id="13" name="図 12"/>
+          <p:cNvPr id="46" name="図 45"/>
           <p:cNvPicPr>
             <a:picLocks noChangeAspect="1"/>
           </p:cNvPicPr>
@@ -4741,8 +4871,8 @@
         </p:blipFill>
         <p:spPr>
           <a:xfrm>
-            <a:off x="2232205" y="5418000"/>
-            <a:ext cx="1440000" cy="1440000"/>
+            <a:off x="1674154" y="5778000"/>
+            <a:ext cx="1080000" cy="1080000"/>
           </a:xfrm>
           <a:prstGeom prst="rect">
             <a:avLst/>
@@ -4751,7 +4881,7 @@
       </p:pic>
       <p:pic>
         <p:nvPicPr>
-          <p:cNvPr id="14" name="図 13"/>
+          <p:cNvPr id="47" name="図 46"/>
           <p:cNvPicPr>
             <a:picLocks noChangeAspect="1"/>
           </p:cNvPicPr>
@@ -4771,8 +4901,8 @@
         </p:blipFill>
         <p:spPr>
           <a:xfrm>
-            <a:off x="1828255" y="5418000"/>
-            <a:ext cx="1440000" cy="1440000"/>
+            <a:off x="1371191" y="5778000"/>
+            <a:ext cx="1080000" cy="1080000"/>
           </a:xfrm>
           <a:prstGeom prst="rect">
             <a:avLst/>
@@ -4781,7 +4911,7 @@
       </p:pic>
       <p:pic>
         <p:nvPicPr>
-          <p:cNvPr id="15" name="図 14"/>
+          <p:cNvPr id="48" name="図 47"/>
           <p:cNvPicPr>
             <a:picLocks noChangeAspect="1"/>
           </p:cNvPicPr>
@@ -4801,8 +4931,8 @@
         </p:blipFill>
         <p:spPr>
           <a:xfrm>
-            <a:off x="1354180" y="5418000"/>
-            <a:ext cx="1440000" cy="1440000"/>
+            <a:off x="1015635" y="5778000"/>
+            <a:ext cx="1080000" cy="1080000"/>
           </a:xfrm>
           <a:prstGeom prst="rect">
             <a:avLst/>
@@ -4811,7 +4941,7 @@
       </p:pic>
       <p:pic>
         <p:nvPicPr>
-          <p:cNvPr id="16" name="図 15"/>
+          <p:cNvPr id="49" name="図 48"/>
           <p:cNvPicPr>
             <a:picLocks noChangeAspect="1"/>
           </p:cNvPicPr>
@@ -4831,8 +4961,8 @@
         </p:blipFill>
         <p:spPr>
           <a:xfrm flipH="1">
-            <a:off x="13900" y="5058000"/>
-            <a:ext cx="1800000" cy="1800000"/>
+            <a:off x="10425" y="5508000"/>
+            <a:ext cx="1350000" cy="1350000"/>
           </a:xfrm>
           <a:prstGeom prst="rect">
             <a:avLst/>
@@ -4841,14 +4971,14 @@
       </p:pic>
       <p:sp>
         <p:nvSpPr>
-          <p:cNvPr id="17" name="角丸四角形吹き出し 16"/>
+          <p:cNvPr id="50" name="角丸四角形吹き出し 49"/>
           <p:cNvSpPr/>
           <p:nvPr/>
         </p:nvSpPr>
         <p:spPr>
           <a:xfrm>
-            <a:off x="121921" y="4226560"/>
-            <a:ext cx="3698240" cy="651440"/>
+            <a:off x="91441" y="4884420"/>
+            <a:ext cx="2773680" cy="488580"/>
           </a:xfrm>
           <a:prstGeom prst="wedgeRoundRectCallout">
             <a:avLst>
@@ -4860,6 +4990,13 @@
           <a:solidFill>
             <a:schemeClr val="bg1"/>
           </a:solidFill>
+          <a:ln>
+            <a:solidFill>
+              <a:schemeClr val="accent6">
+                <a:lumMod val="50000"/>
+              </a:schemeClr>
+            </a:solidFill>
+          </a:ln>
         </p:spPr>
         <p:style>
           <a:lnRef idx="2">
@@ -4883,35 +5020,28 @@
           <a:p>
             <a:pPr algn="ctr"/>
             <a:r>
-              <a:rPr lang="ja-JP" altLang="en-US" sz="3200" b="1" dirty="0">
+              <a:rPr lang="ja-JP" altLang="en-US" sz="2400" b="1" dirty="0">
                 <a:solidFill>
-                  <a:srgbClr val="00B050"/>
+                  <a:schemeClr val="accent6"/>
                 </a:solidFill>
                 <a:latin typeface="游ゴシック" panose="020B0400000000000000" pitchFamily="50" charset="-128"/>
                 <a:ea typeface="游ゴシック" panose="020B0400000000000000" pitchFamily="50" charset="-128"/>
               </a:rPr>
               <a:t>機能</a:t>
             </a:r>
-            <a:endParaRPr kumimoji="1" lang="ja-JP" altLang="en-US" sz="3200" b="1" dirty="0">
-              <a:solidFill>
-                <a:srgbClr val="00B050"/>
-              </a:solidFill>
-              <a:latin typeface="游ゴシック" panose="020B0400000000000000" pitchFamily="50" charset="-128"/>
-              <a:ea typeface="游ゴシック" panose="020B0400000000000000" pitchFamily="50" charset="-128"/>
-            </a:endParaRPr>
-          </a:p>
-        </p:txBody>
-      </p:sp>
-      <p:sp>
-        <p:nvSpPr>
-          <p:cNvPr id="18" name="正方形/長方形 17"/>
+          </a:p>
+        </p:txBody>
+      </p:sp>
+      <p:sp>
+        <p:nvSpPr>
+          <p:cNvPr id="51" name="正方形/長方形 50"/>
           <p:cNvSpPr/>
           <p:nvPr/>
         </p:nvSpPr>
         <p:spPr>
           <a:xfrm>
-            <a:off x="13900" y="1449578"/>
-            <a:ext cx="3974355" cy="2665221"/>
+            <a:off x="10426" y="1171890"/>
+            <a:ext cx="2980766" cy="3577530"/>
           </a:xfrm>
           <a:prstGeom prst="rect">
             <a:avLst/>
@@ -4923,7 +5053,7 @@
           </a:solidFill>
           <a:ln w="38100">
             <a:solidFill>
-              <a:schemeClr val="accent6"/>
+              <a:srgbClr val="92D050"/>
             </a:solidFill>
             <a:prstDash val="dash"/>
           </a:ln>
@@ -4948,9 +5078,9 @@
           <a:bodyPr rtlCol="0" anchor="t"/>
           <a:lstStyle/>
           <a:p>
-            <a:endParaRPr kumimoji="1" lang="ja-JP" altLang="en-US" sz="1400" dirty="0">
+            <a:endParaRPr lang="en-US" altLang="ja-JP" sz="1350" dirty="0">
               <a:solidFill>
-                <a:schemeClr val="tx1"/>
+                <a:schemeClr val="bg1"/>
               </a:solidFill>
               <a:latin typeface="游ゴシック" panose="020B0400000000000000" pitchFamily="50" charset="-128"/>
               <a:ea typeface="游ゴシック" panose="020B0400000000000000" pitchFamily="50" charset="-128"/>
@@ -4960,26 +5090,26 @@
       </p:sp>
       <p:sp>
         <p:nvSpPr>
-          <p:cNvPr id="19" name="正方形/長方形 18"/>
+          <p:cNvPr id="52" name="正方形/長方形 51"/>
           <p:cNvSpPr/>
           <p:nvPr/>
         </p:nvSpPr>
         <p:spPr>
           <a:xfrm>
-            <a:off x="4134460" y="220436"/>
-            <a:ext cx="8031844" cy="6417517"/>
+            <a:off x="3100845" y="138794"/>
+            <a:ext cx="6023883" cy="6580414"/>
           </a:xfrm>
           <a:prstGeom prst="rect">
             <a:avLst/>
           </a:prstGeom>
           <a:solidFill>
-            <a:schemeClr val="bg1">
-              <a:alpha val="85098"/>
-            </a:schemeClr>
+            <a:srgbClr val="FFFFFF">
+              <a:alpha val="80000"/>
+            </a:srgbClr>
           </a:solidFill>
           <a:ln w="38100">
             <a:solidFill>
-              <a:schemeClr val="accent6"/>
+              <a:srgbClr val="92D050"/>
             </a:solidFill>
             <a:prstDash val="dash"/>
           </a:ln>
@@ -5004,9 +5134,9 @@
           <a:bodyPr rtlCol="0" anchor="t"/>
           <a:lstStyle/>
           <a:p>
-            <a:endParaRPr kumimoji="1" lang="en-US" altLang="ja-JP" sz="1100" dirty="0" smtClean="0">
+            <a:endParaRPr lang="en-US" altLang="ja-JP" sz="1350" b="1" dirty="0">
               <a:solidFill>
-                <a:schemeClr val="tx1"/>
+                <a:schemeClr val="accent1"/>
               </a:solidFill>
               <a:latin typeface="游ゴシック" panose="020B0400000000000000" pitchFamily="50" charset="-128"/>
               <a:ea typeface="游ゴシック" panose="020B0400000000000000" pitchFamily="50" charset="-128"/>
@@ -5081,7 +5211,7 @@
         </p:blipFill>
         <p:spPr>
           <a:xfrm>
-            <a:off x="5334000" y="0"/>
+            <a:off x="2286000" y="0"/>
             <a:ext cx="6858000" cy="6858000"/>
           </a:xfrm>
           <a:prstGeom prst="rect">
@@ -5098,7 +5228,7 @@
         <p:spPr>
           <a:xfrm>
             <a:off x="0" y="0"/>
-            <a:ext cx="12192000" cy="6858000"/>
+            <a:ext cx="9144000" cy="6858000"/>
           </a:xfrm>
           <a:prstGeom prst="rect">
             <a:avLst/>
@@ -5131,20 +5261,20 @@
           <a:lstStyle/>
           <a:p>
             <a:pPr algn="ctr"/>
-            <a:endParaRPr kumimoji="1" lang="ja-JP" altLang="en-US"/>
-          </a:p>
-        </p:txBody>
-      </p:sp>
-      <p:sp>
-        <p:nvSpPr>
-          <p:cNvPr id="6" name="涙形 5"/>
+            <a:endParaRPr lang="ja-JP" altLang="en-US" sz="1350"/>
+          </a:p>
+        </p:txBody>
+      </p:sp>
+      <p:sp>
+        <p:nvSpPr>
+          <p:cNvPr id="15" name="涙形 14"/>
           <p:cNvSpPr/>
           <p:nvPr/>
         </p:nvSpPr>
         <p:spPr>
           <a:xfrm flipH="1">
-            <a:off x="0" y="3480"/>
-            <a:ext cx="3820160" cy="1382520"/>
+            <a:off x="10425" y="0"/>
+            <a:ext cx="2865120" cy="1036890"/>
           </a:xfrm>
           <a:prstGeom prst="teardrop">
             <a:avLst/>
@@ -5190,22 +5320,18 @@
           <a:p>
             <a:pPr algn="ctr"/>
             <a:r>
-              <a:rPr kumimoji="1" lang="ja-JP" altLang="en-US" sz="3200" b="1" dirty="0" smtClean="0">
+              <a:rPr lang="ja-JP" altLang="en-US" sz="2400" b="1" dirty="0">
                 <a:latin typeface="游ゴシック" panose="020B0400000000000000" pitchFamily="50" charset="-128"/>
                 <a:ea typeface="游ゴシック" panose="020B0400000000000000" pitchFamily="50" charset="-128"/>
               </a:rPr>
               <a:t>森のくまさん</a:t>
             </a:r>
-            <a:endParaRPr kumimoji="1" lang="ja-JP" altLang="en-US" sz="3200" b="1" dirty="0">
-              <a:latin typeface="游ゴシック" panose="020B0400000000000000" pitchFamily="50" charset="-128"/>
-              <a:ea typeface="游ゴシック" panose="020B0400000000000000" pitchFamily="50" charset="-128"/>
-            </a:endParaRPr>
           </a:p>
         </p:txBody>
       </p:sp>
       <p:pic>
         <p:nvPicPr>
-          <p:cNvPr id="7" name="図 6"/>
+          <p:cNvPr id="16" name="図 15"/>
           <p:cNvPicPr>
             <a:picLocks noChangeAspect="1"/>
           </p:cNvPicPr>
@@ -5225,8 +5351,8 @@
         </p:blipFill>
         <p:spPr>
           <a:xfrm>
-            <a:off x="2548255" y="5418000"/>
-            <a:ext cx="1440000" cy="1440000"/>
+            <a:off x="1911191" y="5778000"/>
+            <a:ext cx="1080000" cy="1080000"/>
           </a:xfrm>
           <a:prstGeom prst="rect">
             <a:avLst/>
@@ -5235,7 +5361,7 @@
       </p:pic>
       <p:pic>
         <p:nvPicPr>
-          <p:cNvPr id="8" name="図 7"/>
+          <p:cNvPr id="17" name="図 16"/>
           <p:cNvPicPr>
             <a:picLocks noChangeAspect="1"/>
           </p:cNvPicPr>
@@ -5255,8 +5381,8 @@
         </p:blipFill>
         <p:spPr>
           <a:xfrm>
-            <a:off x="2232205" y="5418000"/>
-            <a:ext cx="1440000" cy="1440000"/>
+            <a:off x="1674154" y="5778000"/>
+            <a:ext cx="1080000" cy="1080000"/>
           </a:xfrm>
           <a:prstGeom prst="rect">
             <a:avLst/>
@@ -5265,7 +5391,7 @@
       </p:pic>
       <p:pic>
         <p:nvPicPr>
-          <p:cNvPr id="9" name="図 8"/>
+          <p:cNvPr id="18" name="図 17"/>
           <p:cNvPicPr>
             <a:picLocks noChangeAspect="1"/>
           </p:cNvPicPr>
@@ -5285,8 +5411,8 @@
         </p:blipFill>
         <p:spPr>
           <a:xfrm>
-            <a:off x="1828255" y="5418000"/>
-            <a:ext cx="1440000" cy="1440000"/>
+            <a:off x="1371191" y="5778000"/>
+            <a:ext cx="1080000" cy="1080000"/>
           </a:xfrm>
           <a:prstGeom prst="rect">
             <a:avLst/>
@@ -5295,7 +5421,7 @@
       </p:pic>
       <p:pic>
         <p:nvPicPr>
-          <p:cNvPr id="10" name="図 9"/>
+          <p:cNvPr id="19" name="図 18"/>
           <p:cNvPicPr>
             <a:picLocks noChangeAspect="1"/>
           </p:cNvPicPr>
@@ -5315,8 +5441,8 @@
         </p:blipFill>
         <p:spPr>
           <a:xfrm>
-            <a:off x="1354180" y="5418000"/>
-            <a:ext cx="1440000" cy="1440000"/>
+            <a:off x="1015635" y="5778000"/>
+            <a:ext cx="1080000" cy="1080000"/>
           </a:xfrm>
           <a:prstGeom prst="rect">
             <a:avLst/>
@@ -5325,7 +5451,7 @@
       </p:pic>
       <p:pic>
         <p:nvPicPr>
-          <p:cNvPr id="11" name="図 10"/>
+          <p:cNvPr id="20" name="図 19"/>
           <p:cNvPicPr>
             <a:picLocks noChangeAspect="1"/>
           </p:cNvPicPr>
@@ -5345,8 +5471,8 @@
         </p:blipFill>
         <p:spPr>
           <a:xfrm>
-            <a:off x="13900" y="5058000"/>
-            <a:ext cx="1800000" cy="1800000"/>
+            <a:off x="10425" y="5508000"/>
+            <a:ext cx="1350000" cy="1350000"/>
           </a:xfrm>
           <a:prstGeom prst="rect">
             <a:avLst/>
@@ -5355,14 +5481,14 @@
       </p:pic>
       <p:sp>
         <p:nvSpPr>
-          <p:cNvPr id="12" name="角丸四角形吹き出し 11"/>
+          <p:cNvPr id="21" name="角丸四角形吹き出し 20"/>
           <p:cNvSpPr/>
           <p:nvPr/>
         </p:nvSpPr>
         <p:spPr>
           <a:xfrm>
-            <a:off x="121921" y="4226560"/>
-            <a:ext cx="3698240" cy="651440"/>
+            <a:off x="91441" y="4884420"/>
+            <a:ext cx="2773680" cy="488580"/>
           </a:xfrm>
           <a:prstGeom prst="wedgeRoundRectCallout">
             <a:avLst>
@@ -5374,6 +5500,11 @@
           <a:solidFill>
             <a:schemeClr val="bg1"/>
           </a:solidFill>
+          <a:ln>
+            <a:solidFill>
+              <a:srgbClr val="0070C0"/>
+            </a:solidFill>
+          </a:ln>
         </p:spPr>
         <p:style>
           <a:lnRef idx="2">
@@ -5397,7 +5528,7 @@
           <a:p>
             <a:pPr algn="ctr"/>
             <a:r>
-              <a:rPr kumimoji="1" lang="ja-JP" altLang="en-US" sz="3200" b="1" dirty="0" smtClean="0">
+              <a:rPr lang="ja-JP" altLang="en-US" sz="2400" b="1" dirty="0">
                 <a:solidFill>
                   <a:srgbClr val="002060"/>
                 </a:solidFill>
@@ -5406,38 +5537,31 @@
               </a:rPr>
               <a:t>構造</a:t>
             </a:r>
-            <a:endParaRPr kumimoji="1" lang="ja-JP" altLang="en-US" sz="3200" b="1" dirty="0">
-              <a:solidFill>
-                <a:srgbClr val="002060"/>
-              </a:solidFill>
-              <a:latin typeface="游ゴシック" panose="020B0400000000000000" pitchFamily="50" charset="-128"/>
-              <a:ea typeface="游ゴシック" panose="020B0400000000000000" pitchFamily="50" charset="-128"/>
-            </a:endParaRPr>
-          </a:p>
-        </p:txBody>
-      </p:sp>
-      <p:sp>
-        <p:nvSpPr>
-          <p:cNvPr id="13" name="正方形/長方形 12"/>
+          </a:p>
+        </p:txBody>
+      </p:sp>
+      <p:sp>
+        <p:nvSpPr>
+          <p:cNvPr id="22" name="正方形/長方形 21"/>
           <p:cNvSpPr/>
           <p:nvPr/>
         </p:nvSpPr>
         <p:spPr>
           <a:xfrm>
-            <a:off x="13900" y="1449578"/>
-            <a:ext cx="3974355" cy="2665221"/>
+            <a:off x="10426" y="1171890"/>
+            <a:ext cx="2980766" cy="3577530"/>
           </a:xfrm>
           <a:prstGeom prst="rect">
             <a:avLst/>
           </a:prstGeom>
           <a:solidFill>
-            <a:schemeClr val="bg1">
-              <a:alpha val="85098"/>
-            </a:schemeClr>
+            <a:srgbClr val="FFFFFF">
+              <a:alpha val="80000"/>
+            </a:srgbClr>
           </a:solidFill>
           <a:ln w="38100">
             <a:solidFill>
-              <a:schemeClr val="accent5"/>
+              <a:srgbClr val="00B0F0"/>
             </a:solidFill>
             <a:prstDash val="dash"/>
           </a:ln>
@@ -5462,9 +5586,9 @@
           <a:bodyPr rtlCol="0" anchor="t"/>
           <a:lstStyle/>
           <a:p>
-            <a:endParaRPr kumimoji="1" lang="ja-JP" altLang="en-US" sz="1400" dirty="0">
+            <a:endParaRPr lang="en-US" altLang="ja-JP" sz="1350" dirty="0">
               <a:solidFill>
-                <a:schemeClr val="tx1"/>
+                <a:schemeClr val="bg1"/>
               </a:solidFill>
               <a:latin typeface="游ゴシック" panose="020B0400000000000000" pitchFamily="50" charset="-128"/>
               <a:ea typeface="游ゴシック" panose="020B0400000000000000" pitchFamily="50" charset="-128"/>
@@ -5474,26 +5598,26 @@
       </p:sp>
       <p:sp>
         <p:nvSpPr>
-          <p:cNvPr id="14" name="正方形/長方形 13"/>
+          <p:cNvPr id="23" name="正方形/長方形 22"/>
           <p:cNvSpPr/>
           <p:nvPr/>
         </p:nvSpPr>
         <p:spPr>
           <a:xfrm>
-            <a:off x="4134460" y="220436"/>
-            <a:ext cx="8031844" cy="6417517"/>
+            <a:off x="3100845" y="138794"/>
+            <a:ext cx="6023883" cy="6580414"/>
           </a:xfrm>
           <a:prstGeom prst="rect">
             <a:avLst/>
           </a:prstGeom>
           <a:solidFill>
-            <a:schemeClr val="bg1">
-              <a:alpha val="85098"/>
-            </a:schemeClr>
+            <a:srgbClr val="FFFFFF">
+              <a:alpha val="80000"/>
+            </a:srgbClr>
           </a:solidFill>
           <a:ln w="38100">
             <a:solidFill>
-              <a:schemeClr val="accent5"/>
+              <a:srgbClr val="00B0F0"/>
             </a:solidFill>
             <a:prstDash val="dash"/>
           </a:ln>
@@ -5518,9 +5642,9 @@
           <a:bodyPr rtlCol="0" anchor="t"/>
           <a:lstStyle/>
           <a:p>
-            <a:endParaRPr kumimoji="1" lang="en-US" altLang="ja-JP" sz="1100" dirty="0" smtClean="0">
+            <a:endParaRPr lang="en-US" altLang="ja-JP" sz="1350" b="1" dirty="0">
               <a:solidFill>
-                <a:schemeClr val="tx1"/>
+                <a:schemeClr val="accent1"/>
               </a:solidFill>
               <a:latin typeface="游ゴシック" panose="020B0400000000000000" pitchFamily="50" charset="-128"/>
               <a:ea typeface="游ゴシック" panose="020B0400000000000000" pitchFamily="50" charset="-128"/>
@@ -5595,7 +5719,7 @@
         </p:blipFill>
         <p:spPr>
           <a:xfrm>
-            <a:off x="5334000" y="0"/>
+            <a:off x="2286000" y="0"/>
             <a:ext cx="6858000" cy="6858000"/>
           </a:xfrm>
           <a:prstGeom prst="rect">
@@ -5612,7 +5736,7 @@
         <p:spPr>
           <a:xfrm>
             <a:off x="0" y="0"/>
-            <a:ext cx="12192000" cy="6858000"/>
+            <a:ext cx="9144000" cy="6858000"/>
           </a:xfrm>
           <a:prstGeom prst="rect">
             <a:avLst/>
@@ -5644,20 +5768,20 @@
           <a:lstStyle/>
           <a:p>
             <a:pPr algn="ctr"/>
-            <a:endParaRPr kumimoji="1" lang="ja-JP" altLang="en-US"/>
-          </a:p>
-        </p:txBody>
-      </p:sp>
-      <p:sp>
-        <p:nvSpPr>
-          <p:cNvPr id="6" name="涙形 5"/>
+            <a:endParaRPr lang="ja-JP" altLang="en-US" sz="1350"/>
+          </a:p>
+        </p:txBody>
+      </p:sp>
+      <p:sp>
+        <p:nvSpPr>
+          <p:cNvPr id="18" name="涙形 17"/>
           <p:cNvSpPr/>
           <p:nvPr/>
         </p:nvSpPr>
         <p:spPr>
           <a:xfrm flipH="1">
-            <a:off x="0" y="3480"/>
-            <a:ext cx="3820160" cy="1382520"/>
+            <a:off x="10425" y="0"/>
+            <a:ext cx="2865120" cy="1036890"/>
           </a:xfrm>
           <a:prstGeom prst="teardrop">
             <a:avLst/>
@@ -5703,22 +5827,18 @@
           <a:p>
             <a:pPr algn="ctr"/>
             <a:r>
-              <a:rPr kumimoji="1" lang="ja-JP" altLang="en-US" sz="3200" b="1" dirty="0" smtClean="0">
+              <a:rPr lang="ja-JP" altLang="en-US" sz="2400" b="1" dirty="0">
                 <a:latin typeface="游ゴシック" panose="020B0400000000000000" pitchFamily="50" charset="-128"/>
                 <a:ea typeface="游ゴシック" panose="020B0400000000000000" pitchFamily="50" charset="-128"/>
               </a:rPr>
               <a:t>森のくまさん</a:t>
             </a:r>
-            <a:endParaRPr kumimoji="1" lang="ja-JP" altLang="en-US" sz="3200" b="1" dirty="0">
-              <a:latin typeface="游ゴシック" panose="020B0400000000000000" pitchFamily="50" charset="-128"/>
-              <a:ea typeface="游ゴシック" panose="020B0400000000000000" pitchFamily="50" charset="-128"/>
-            </a:endParaRPr>
           </a:p>
         </p:txBody>
       </p:sp>
       <p:pic>
         <p:nvPicPr>
-          <p:cNvPr id="7" name="図 6"/>
+          <p:cNvPr id="19" name="図 18"/>
           <p:cNvPicPr>
             <a:picLocks noChangeAspect="1"/>
           </p:cNvPicPr>
@@ -5738,8 +5858,8 @@
         </p:blipFill>
         <p:spPr>
           <a:xfrm>
-            <a:off x="2548255" y="5418000"/>
-            <a:ext cx="1440000" cy="1440000"/>
+            <a:off x="1911191" y="5778000"/>
+            <a:ext cx="1080000" cy="1080000"/>
           </a:xfrm>
           <a:prstGeom prst="rect">
             <a:avLst/>
@@ -5748,7 +5868,7 @@
       </p:pic>
       <p:pic>
         <p:nvPicPr>
-          <p:cNvPr id="8" name="図 7"/>
+          <p:cNvPr id="20" name="図 19"/>
           <p:cNvPicPr>
             <a:picLocks noChangeAspect="1"/>
           </p:cNvPicPr>
@@ -5768,8 +5888,8 @@
         </p:blipFill>
         <p:spPr>
           <a:xfrm>
-            <a:off x="2232205" y="5418000"/>
-            <a:ext cx="1440000" cy="1440000"/>
+            <a:off x="1674154" y="5778000"/>
+            <a:ext cx="1080000" cy="1080000"/>
           </a:xfrm>
           <a:prstGeom prst="rect">
             <a:avLst/>
@@ -5778,7 +5898,7 @@
       </p:pic>
       <p:pic>
         <p:nvPicPr>
-          <p:cNvPr id="9" name="図 8"/>
+          <p:cNvPr id="21" name="図 20"/>
           <p:cNvPicPr>
             <a:picLocks noChangeAspect="1"/>
           </p:cNvPicPr>
@@ -5798,8 +5918,8 @@
         </p:blipFill>
         <p:spPr>
           <a:xfrm>
-            <a:off x="1828255" y="5418000"/>
-            <a:ext cx="1440000" cy="1440000"/>
+            <a:off x="1371191" y="5778000"/>
+            <a:ext cx="1080000" cy="1080000"/>
           </a:xfrm>
           <a:prstGeom prst="rect">
             <a:avLst/>
@@ -5808,7 +5928,7 @@
       </p:pic>
       <p:pic>
         <p:nvPicPr>
-          <p:cNvPr id="10" name="図 9"/>
+          <p:cNvPr id="22" name="図 21"/>
           <p:cNvPicPr>
             <a:picLocks noChangeAspect="1"/>
           </p:cNvPicPr>
@@ -5828,8 +5948,8 @@
         </p:blipFill>
         <p:spPr>
           <a:xfrm>
-            <a:off x="1354180" y="5418000"/>
-            <a:ext cx="1440000" cy="1440000"/>
+            <a:off x="1015635" y="5778000"/>
+            <a:ext cx="1080000" cy="1080000"/>
           </a:xfrm>
           <a:prstGeom prst="rect">
             <a:avLst/>
@@ -5838,7 +5958,7 @@
       </p:pic>
       <p:pic>
         <p:nvPicPr>
-          <p:cNvPr id="11" name="図 10"/>
+          <p:cNvPr id="23" name="図 22"/>
           <p:cNvPicPr>
             <a:picLocks noChangeAspect="1"/>
           </p:cNvPicPr>
@@ -5858,8 +5978,8 @@
         </p:blipFill>
         <p:spPr>
           <a:xfrm flipH="1">
-            <a:off x="13900" y="5058000"/>
-            <a:ext cx="1800000" cy="1800000"/>
+            <a:off x="10425" y="5508000"/>
+            <a:ext cx="1350000" cy="1350000"/>
           </a:xfrm>
           <a:prstGeom prst="rect">
             <a:avLst/>
@@ -5868,14 +5988,14 @@
       </p:pic>
       <p:sp>
         <p:nvSpPr>
-          <p:cNvPr id="12" name="角丸四角形吹き出し 11"/>
+          <p:cNvPr id="24" name="角丸四角形吹き出し 23"/>
           <p:cNvSpPr/>
           <p:nvPr/>
         </p:nvSpPr>
         <p:spPr>
           <a:xfrm>
-            <a:off x="121921" y="4226560"/>
-            <a:ext cx="3698240" cy="651440"/>
+            <a:off x="91441" y="4884420"/>
+            <a:ext cx="2773680" cy="488580"/>
           </a:xfrm>
           <a:prstGeom prst="wedgeRoundRectCallout">
             <a:avLst>
@@ -5887,6 +6007,11 @@
           <a:solidFill>
             <a:schemeClr val="bg1"/>
           </a:solidFill>
+          <a:ln>
+            <a:solidFill>
+              <a:srgbClr val="FFFF00"/>
+            </a:solidFill>
+          </a:ln>
         </p:spPr>
         <p:style>
           <a:lnRef idx="2">
@@ -5910,47 +6035,50 @@
           <a:p>
             <a:pPr algn="ctr"/>
             <a:r>
-              <a:rPr kumimoji="1" lang="ja-JP" altLang="en-US" sz="3200" b="1" dirty="0" smtClean="0">
+              <a:rPr lang="ja-JP" altLang="en-US" sz="2400" b="1" dirty="0" smtClean="0">
                 <a:solidFill>
                   <a:srgbClr val="FFC000"/>
                 </a:solidFill>
                 <a:latin typeface="游ゴシック" panose="020B0400000000000000" pitchFamily="50" charset="-128"/>
                 <a:ea typeface="游ゴシック" panose="020B0400000000000000" pitchFamily="50" charset="-128"/>
               </a:rPr>
-              <a:t>ふるまい</a:t>
-            </a:r>
-            <a:endParaRPr kumimoji="1" lang="ja-JP" altLang="en-US" sz="3200" b="1" dirty="0">
-              <a:solidFill>
-                <a:srgbClr val="FFC000"/>
-              </a:solidFill>
-              <a:latin typeface="游ゴシック" panose="020B0400000000000000" pitchFamily="50" charset="-128"/>
-              <a:ea typeface="游ゴシック" panose="020B0400000000000000" pitchFamily="50" charset="-128"/>
-            </a:endParaRPr>
-          </a:p>
-        </p:txBody>
-      </p:sp>
-      <p:sp>
-        <p:nvSpPr>
-          <p:cNvPr id="13" name="正方形/長方形 12"/>
+              <a:t>ふるま</a:t>
+            </a:r>
+            <a:r>
+              <a:rPr lang="ja-JP" altLang="en-US" sz="2400" b="1" dirty="0">
+                <a:solidFill>
+                  <a:srgbClr val="FFC000"/>
+                </a:solidFill>
+                <a:latin typeface="游ゴシック" panose="020B0400000000000000" pitchFamily="50" charset="-128"/>
+                <a:ea typeface="游ゴシック" panose="020B0400000000000000" pitchFamily="50" charset="-128"/>
+              </a:rPr>
+              <a:t>い</a:t>
+            </a:r>
+          </a:p>
+        </p:txBody>
+      </p:sp>
+      <p:sp>
+        <p:nvSpPr>
+          <p:cNvPr id="25" name="正方形/長方形 24"/>
           <p:cNvSpPr/>
           <p:nvPr/>
         </p:nvSpPr>
         <p:spPr>
           <a:xfrm>
-            <a:off x="13900" y="1449578"/>
-            <a:ext cx="3974355" cy="2665221"/>
+            <a:off x="10426" y="1171890"/>
+            <a:ext cx="2980766" cy="3577530"/>
           </a:xfrm>
           <a:prstGeom prst="rect">
             <a:avLst/>
           </a:prstGeom>
           <a:solidFill>
-            <a:schemeClr val="bg1">
-              <a:alpha val="85098"/>
-            </a:schemeClr>
+            <a:srgbClr val="FFFFFF">
+              <a:alpha val="80000"/>
+            </a:srgbClr>
           </a:solidFill>
           <a:ln w="38100">
             <a:solidFill>
-              <a:schemeClr val="accent4"/>
+              <a:srgbClr val="FFFF00"/>
             </a:solidFill>
             <a:prstDash val="dash"/>
           </a:ln>
@@ -5975,9 +6103,9 @@
           <a:bodyPr rtlCol="0" anchor="t"/>
           <a:lstStyle/>
           <a:p>
-            <a:endParaRPr kumimoji="1" lang="ja-JP" altLang="en-US" sz="1400" dirty="0">
+            <a:endParaRPr lang="en-US" altLang="ja-JP" sz="1350" dirty="0">
               <a:solidFill>
-                <a:schemeClr val="tx1"/>
+                <a:schemeClr val="bg1"/>
               </a:solidFill>
               <a:latin typeface="游ゴシック" panose="020B0400000000000000" pitchFamily="50" charset="-128"/>
               <a:ea typeface="游ゴシック" panose="020B0400000000000000" pitchFamily="50" charset="-128"/>
@@ -5987,26 +6115,26 @@
       </p:sp>
       <p:sp>
         <p:nvSpPr>
-          <p:cNvPr id="14" name="正方形/長方形 13"/>
+          <p:cNvPr id="26" name="正方形/長方形 25"/>
           <p:cNvSpPr/>
           <p:nvPr/>
         </p:nvSpPr>
         <p:spPr>
           <a:xfrm>
-            <a:off x="4134460" y="220436"/>
-            <a:ext cx="8031844" cy="6417517"/>
+            <a:off x="3100845" y="138794"/>
+            <a:ext cx="6023883" cy="6580414"/>
           </a:xfrm>
           <a:prstGeom prst="rect">
             <a:avLst/>
           </a:prstGeom>
           <a:solidFill>
-            <a:schemeClr val="bg1">
-              <a:alpha val="85098"/>
-            </a:schemeClr>
+            <a:srgbClr val="FFFFFF">
+              <a:alpha val="80000"/>
+            </a:srgbClr>
           </a:solidFill>
           <a:ln w="38100">
             <a:solidFill>
-              <a:schemeClr val="accent4"/>
+              <a:srgbClr val="FFFF00"/>
             </a:solidFill>
             <a:prstDash val="dash"/>
           </a:ln>
@@ -6031,9 +6159,9 @@
           <a:bodyPr rtlCol="0" anchor="t"/>
           <a:lstStyle/>
           <a:p>
-            <a:endParaRPr kumimoji="1" lang="en-US" altLang="ja-JP" sz="1100" dirty="0" smtClean="0">
+            <a:endParaRPr lang="en-US" altLang="ja-JP" sz="1350" b="1" dirty="0">
               <a:solidFill>
-                <a:schemeClr val="tx1"/>
+                <a:schemeClr val="accent1"/>
               </a:solidFill>
               <a:latin typeface="游ゴシック" panose="020B0400000000000000" pitchFamily="50" charset="-128"/>
               <a:ea typeface="游ゴシック" panose="020B0400000000000000" pitchFamily="50" charset="-128"/>
@@ -6108,7 +6236,7 @@
         </p:blipFill>
         <p:spPr>
           <a:xfrm>
-            <a:off x="5334000" y="0"/>
+            <a:off x="2286000" y="0"/>
             <a:ext cx="6858000" cy="6858000"/>
           </a:xfrm>
           <a:prstGeom prst="rect">
@@ -6124,8 +6252,8 @@
         </p:nvSpPr>
         <p:spPr>
           <a:xfrm>
-            <a:off x="0" y="-24492"/>
-            <a:ext cx="12192000" cy="6858000"/>
+            <a:off x="0" y="1"/>
+            <a:ext cx="9144000" cy="6858000"/>
           </a:xfrm>
           <a:prstGeom prst="rect">
             <a:avLst/>
@@ -6157,20 +6285,20 @@
           <a:lstStyle/>
           <a:p>
             <a:pPr algn="ctr"/>
-            <a:endParaRPr kumimoji="1" lang="ja-JP" altLang="en-US"/>
-          </a:p>
-        </p:txBody>
-      </p:sp>
-      <p:sp>
-        <p:nvSpPr>
-          <p:cNvPr id="6" name="涙形 5"/>
+            <a:endParaRPr lang="ja-JP" altLang="en-US" sz="1350"/>
+          </a:p>
+        </p:txBody>
+      </p:sp>
+      <p:sp>
+        <p:nvSpPr>
+          <p:cNvPr id="15" name="涙形 14"/>
           <p:cNvSpPr/>
           <p:nvPr/>
         </p:nvSpPr>
         <p:spPr>
           <a:xfrm flipH="1">
-            <a:off x="0" y="3480"/>
-            <a:ext cx="3820160" cy="1382520"/>
+            <a:off x="10425" y="0"/>
+            <a:ext cx="2865120" cy="1036890"/>
           </a:xfrm>
           <a:prstGeom prst="teardrop">
             <a:avLst/>
@@ -6216,22 +6344,18 @@
           <a:p>
             <a:pPr algn="ctr"/>
             <a:r>
-              <a:rPr kumimoji="1" lang="ja-JP" altLang="en-US" sz="3200" b="1" dirty="0" smtClean="0">
+              <a:rPr lang="ja-JP" altLang="en-US" sz="2400" b="1" dirty="0">
                 <a:latin typeface="游ゴシック" panose="020B0400000000000000" pitchFamily="50" charset="-128"/>
                 <a:ea typeface="游ゴシック" panose="020B0400000000000000" pitchFamily="50" charset="-128"/>
               </a:rPr>
               <a:t>森のくまさん</a:t>
             </a:r>
-            <a:endParaRPr kumimoji="1" lang="ja-JP" altLang="en-US" sz="3200" b="1" dirty="0">
-              <a:latin typeface="游ゴシック" panose="020B0400000000000000" pitchFamily="50" charset="-128"/>
-              <a:ea typeface="游ゴシック" panose="020B0400000000000000" pitchFamily="50" charset="-128"/>
-            </a:endParaRPr>
           </a:p>
         </p:txBody>
       </p:sp>
       <p:pic>
         <p:nvPicPr>
-          <p:cNvPr id="7" name="図 6"/>
+          <p:cNvPr id="16" name="図 15"/>
           <p:cNvPicPr>
             <a:picLocks noChangeAspect="1"/>
           </p:cNvPicPr>
@@ -6251,8 +6375,8 @@
         </p:blipFill>
         <p:spPr>
           <a:xfrm>
-            <a:off x="2548255" y="5418000"/>
-            <a:ext cx="1440000" cy="1440000"/>
+            <a:off x="1911191" y="5778000"/>
+            <a:ext cx="1080000" cy="1080000"/>
           </a:xfrm>
           <a:prstGeom prst="rect">
             <a:avLst/>
@@ -6261,7 +6385,7 @@
       </p:pic>
       <p:pic>
         <p:nvPicPr>
-          <p:cNvPr id="8" name="図 7"/>
+          <p:cNvPr id="17" name="図 16"/>
           <p:cNvPicPr>
             <a:picLocks noChangeAspect="1"/>
           </p:cNvPicPr>
@@ -6280,9 +6404,9 @@
           </a:stretch>
         </p:blipFill>
         <p:spPr>
-          <a:xfrm>
-            <a:off x="2232205" y="5418000"/>
-            <a:ext cx="1440000" cy="1440000"/>
+          <a:xfrm flipH="1">
+            <a:off x="1674154" y="5778000"/>
+            <a:ext cx="1080000" cy="1080000"/>
           </a:xfrm>
           <a:prstGeom prst="rect">
             <a:avLst/>
@@ -6291,7 +6415,7 @@
       </p:pic>
       <p:pic>
         <p:nvPicPr>
-          <p:cNvPr id="9" name="図 8"/>
+          <p:cNvPr id="18" name="図 17"/>
           <p:cNvPicPr>
             <a:picLocks noChangeAspect="1"/>
           </p:cNvPicPr>
@@ -6311,8 +6435,8 @@
         </p:blipFill>
         <p:spPr>
           <a:xfrm>
-            <a:off x="1828255" y="5418000"/>
-            <a:ext cx="1440000" cy="1440000"/>
+            <a:off x="1371191" y="5778000"/>
+            <a:ext cx="1080000" cy="1080000"/>
           </a:xfrm>
           <a:prstGeom prst="rect">
             <a:avLst/>
@@ -6321,7 +6445,7 @@
       </p:pic>
       <p:pic>
         <p:nvPicPr>
-          <p:cNvPr id="10" name="図 9"/>
+          <p:cNvPr id="19" name="図 18"/>
           <p:cNvPicPr>
             <a:picLocks noChangeAspect="1"/>
           </p:cNvPicPr>
@@ -6341,8 +6465,8 @@
         </p:blipFill>
         <p:spPr>
           <a:xfrm>
-            <a:off x="1354180" y="5418000"/>
-            <a:ext cx="1440000" cy="1440000"/>
+            <a:off x="1015635" y="5778000"/>
+            <a:ext cx="1080000" cy="1080000"/>
           </a:xfrm>
           <a:prstGeom prst="rect">
             <a:avLst/>
@@ -6351,7 +6475,7 @@
       </p:pic>
       <p:pic>
         <p:nvPicPr>
-          <p:cNvPr id="11" name="図 10"/>
+          <p:cNvPr id="20" name="図 19"/>
           <p:cNvPicPr>
             <a:picLocks noChangeAspect="1"/>
           </p:cNvPicPr>
@@ -6371,8 +6495,8 @@
         </p:blipFill>
         <p:spPr>
           <a:xfrm flipH="1">
-            <a:off x="13900" y="5058000"/>
-            <a:ext cx="1800000" cy="1800000"/>
+            <a:off x="10425" y="5508000"/>
+            <a:ext cx="1350000" cy="1350000"/>
           </a:xfrm>
           <a:prstGeom prst="rect">
             <a:avLst/>
@@ -6381,14 +6505,14 @@
       </p:pic>
       <p:sp>
         <p:nvSpPr>
-          <p:cNvPr id="12" name="角丸四角形吹き出し 11"/>
+          <p:cNvPr id="21" name="角丸四角形吹き出し 20"/>
           <p:cNvSpPr/>
           <p:nvPr/>
         </p:nvSpPr>
         <p:spPr>
           <a:xfrm>
-            <a:off x="121921" y="4226560"/>
-            <a:ext cx="3698240" cy="651440"/>
+            <a:off x="91441" y="4884420"/>
+            <a:ext cx="2773680" cy="488580"/>
           </a:xfrm>
           <a:prstGeom prst="wedgeRoundRectCallout">
             <a:avLst>
@@ -6400,6 +6524,11 @@
           <a:solidFill>
             <a:schemeClr val="bg1"/>
           </a:solidFill>
+          <a:ln>
+            <a:solidFill>
+              <a:srgbClr val="C00000"/>
+            </a:solidFill>
+          </a:ln>
         </p:spPr>
         <p:style>
           <a:lnRef idx="2">
@@ -6423,16 +6552,26 @@
           <a:p>
             <a:pPr algn="ctr"/>
             <a:r>
-              <a:rPr kumimoji="1" lang="ja-JP" altLang="en-US" sz="3200" b="1" dirty="0" smtClean="0">
+              <a:rPr lang="ja-JP" altLang="en-US" sz="2400" b="1" dirty="0">
                 <a:solidFill>
                   <a:srgbClr val="FF0000"/>
                 </a:solidFill>
                 <a:latin typeface="游ゴシック" panose="020B0400000000000000" pitchFamily="50" charset="-128"/>
                 <a:ea typeface="游ゴシック" panose="020B0400000000000000" pitchFamily="50" charset="-128"/>
               </a:rPr>
-              <a:t>検証と補足</a:t>
-            </a:r>
-            <a:endParaRPr kumimoji="1" lang="ja-JP" altLang="en-US" sz="3200" b="1" dirty="0">
+              <a:t>検証</a:t>
+            </a:r>
+            <a:r>
+              <a:rPr lang="ja-JP" altLang="en-US" sz="2400" b="1" dirty="0" smtClean="0">
+                <a:solidFill>
+                  <a:srgbClr val="FF0000"/>
+                </a:solidFill>
+                <a:latin typeface="游ゴシック" panose="020B0400000000000000" pitchFamily="50" charset="-128"/>
+                <a:ea typeface="游ゴシック" panose="020B0400000000000000" pitchFamily="50" charset="-128"/>
+              </a:rPr>
+              <a:t>と補足</a:t>
+            </a:r>
+            <a:endParaRPr lang="ja-JP" altLang="en-US" sz="2400" b="1" dirty="0">
               <a:solidFill>
                 <a:srgbClr val="FF0000"/>
               </a:solidFill>
@@ -6444,22 +6583,22 @@
       </p:sp>
       <p:sp>
         <p:nvSpPr>
-          <p:cNvPr id="13" name="正方形/長方形 12"/>
+          <p:cNvPr id="22" name="正方形/長方形 21"/>
           <p:cNvSpPr/>
           <p:nvPr/>
         </p:nvSpPr>
         <p:spPr>
           <a:xfrm>
-            <a:off x="13900" y="1449578"/>
-            <a:ext cx="3974355" cy="2665221"/>
+            <a:off x="10426" y="1171890"/>
+            <a:ext cx="2980766" cy="3577530"/>
           </a:xfrm>
           <a:prstGeom prst="rect">
             <a:avLst/>
           </a:prstGeom>
           <a:solidFill>
-            <a:schemeClr val="bg1">
-              <a:alpha val="85098"/>
-            </a:schemeClr>
+            <a:srgbClr val="FFFFFF">
+              <a:alpha val="80000"/>
+            </a:srgbClr>
           </a:solidFill>
           <a:ln w="38100">
             <a:solidFill>
@@ -6488,9 +6627,9 @@
           <a:bodyPr rtlCol="0" anchor="t"/>
           <a:lstStyle/>
           <a:p>
-            <a:endParaRPr kumimoji="1" lang="ja-JP" altLang="en-US" sz="1400" dirty="0">
+            <a:endParaRPr lang="en-US" altLang="ja-JP" sz="1350" dirty="0">
               <a:solidFill>
-                <a:schemeClr val="tx1"/>
+                <a:schemeClr val="bg1"/>
               </a:solidFill>
               <a:latin typeface="游ゴシック" panose="020B0400000000000000" pitchFamily="50" charset="-128"/>
               <a:ea typeface="游ゴシック" panose="020B0400000000000000" pitchFamily="50" charset="-128"/>
@@ -6500,22 +6639,22 @@
       </p:sp>
       <p:sp>
         <p:nvSpPr>
-          <p:cNvPr id="14" name="正方形/長方形 13"/>
+          <p:cNvPr id="23" name="正方形/長方形 22"/>
           <p:cNvSpPr/>
           <p:nvPr/>
         </p:nvSpPr>
         <p:spPr>
           <a:xfrm>
-            <a:off x="4134460" y="220436"/>
-            <a:ext cx="8031844" cy="6417517"/>
+            <a:off x="3100845" y="138794"/>
+            <a:ext cx="6023883" cy="6580414"/>
           </a:xfrm>
           <a:prstGeom prst="rect">
             <a:avLst/>
           </a:prstGeom>
           <a:solidFill>
-            <a:schemeClr val="bg1">
-              <a:alpha val="85098"/>
-            </a:schemeClr>
+            <a:srgbClr val="FFFFFF">
+              <a:alpha val="80000"/>
+            </a:srgbClr>
           </a:solidFill>
           <a:ln w="38100">
             <a:solidFill>
@@ -6544,9 +6683,9 @@
           <a:bodyPr rtlCol="0" anchor="t"/>
           <a:lstStyle/>
           <a:p>
-            <a:endParaRPr kumimoji="1" lang="en-US" altLang="ja-JP" sz="1100" dirty="0" smtClean="0">
+            <a:endParaRPr lang="en-US" altLang="ja-JP" sz="1350" b="1" dirty="0">
               <a:solidFill>
-                <a:schemeClr val="tx1"/>
+                <a:schemeClr val="accent1"/>
               </a:solidFill>
               <a:latin typeface="游ゴシック" panose="020B0400000000000000" pitchFamily="50" charset="-128"/>
               <a:ea typeface="游ゴシック" panose="020B0400000000000000" pitchFamily="50" charset="-128"/>
@@ -6577,7 +6716,7 @@
 <file path=ppt/theme/theme1.xml><?xml version="1.0" encoding="utf-8"?>
 <a:theme xmlns:a="http://schemas.openxmlformats.org/drawingml/2006/main" name="Office テーマ">
   <a:themeElements>
-    <a:clrScheme name="Office">
+    <a:clrScheme name="Office テーマ">
       <a:dk1>
         <a:sysClr val="windowText" lastClr="000000"/>
       </a:dk1>
@@ -6615,7 +6754,7 @@
         <a:srgbClr val="954F72"/>
       </a:folHlink>
     </a:clrScheme>
-    <a:fontScheme name="Office">
+    <a:fontScheme name="Office テーマ">
       <a:majorFont>
         <a:latin typeface="Calibri Light" panose="020F0302020204030204"/>
         <a:ea typeface=""/>
@@ -6687,7 +6826,7 @@
         <a:font script="Geor" typeface="Sylfaen"/>
       </a:minorFont>
     </a:fontScheme>
-    <a:fmtScheme name="Office">
+    <a:fmtScheme name="Office テーマ">
       <a:fillStyleLst>
         <a:solidFill>
           <a:schemeClr val="phClr"/>
